--- a/presentation/EU Air Traffic Analysis  Ironhack data analytics mid-bootcamp project.pptx
+++ b/presentation/EU Air Traffic Analysis  Ironhack data analytics mid-bootcamp project.pptx
@@ -280,6 +280,1294 @@
     </p:ext>
   </p:extLst>
 </p:presentation>
+</file>
+
+<file path=ppt/ink/ink1.xml><?xml version="1.0" encoding="utf-8"?>
+<inkml:ink xmlns:inkml="http://www.w3.org/2003/InkML">
+  <inkml:definitions>
+    <inkml:context xml:id="ctx0">
+      <inkml:inkSource xml:id="inkSrc0">
+        <inkml:traceFormat>
+          <inkml:channel name="X" type="integer" min="-2.14748E9" max="2.14748E9" units="cm"/>
+          <inkml:channel name="Y" type="integer" min="-2.14748E9" max="2.14748E9" units="cm"/>
+          <inkml:channel name="F" type="integer" max="32767" units="dev"/>
+        </inkml:traceFormat>
+        <inkml:channelProperties>
+          <inkml:channelProperty channel="X" name="resolution" value="1000" units="1/cm"/>
+          <inkml:channelProperty channel="Y" name="resolution" value="1000" units="1/cm"/>
+          <inkml:channelProperty channel="F" name="resolution" value="0" units="1/dev"/>
+        </inkml:channelProperties>
+      </inkml:inkSource>
+      <inkml:timestamp xml:id="ts0" timeString="2023-01-06T09:04:12.494"/>
+    </inkml:context>
+    <inkml:brush xml:id="br0">
+      <inkml:brushProperty name="width" value="0.35" units="cm"/>
+      <inkml:brushProperty name="height" value="0.35" units="cm"/>
+      <inkml:brushProperty name="color" value="#FFFFFF"/>
+    </inkml:brush>
+  </inkml:definitions>
+  <inkml:trace contextRef="#ctx0" brushRef="#br0">0 1 24575</inkml:trace>
+</inkml:ink>
+</file>
+
+<file path=ppt/ink/ink10.xml><?xml version="1.0" encoding="utf-8"?>
+<inkml:ink xmlns:inkml="http://www.w3.org/2003/InkML">
+  <inkml:definitions>
+    <inkml:context xml:id="ctx0">
+      <inkml:inkSource xml:id="inkSrc0">
+        <inkml:traceFormat>
+          <inkml:channel name="X" type="integer" min="-2.14748E9" max="2.14748E9" units="cm"/>
+          <inkml:channel name="Y" type="integer" min="-2.14748E9" max="2.14748E9" units="cm"/>
+          <inkml:channel name="F" type="integer" max="32767" units="dev"/>
+        </inkml:traceFormat>
+        <inkml:channelProperties>
+          <inkml:channelProperty channel="X" name="resolution" value="1000" units="1/cm"/>
+          <inkml:channelProperty channel="Y" name="resolution" value="1000" units="1/cm"/>
+          <inkml:channelProperty channel="F" name="resolution" value="0" units="1/dev"/>
+        </inkml:channelProperties>
+      </inkml:inkSource>
+      <inkml:timestamp xml:id="ts0" timeString="2023-01-06T09:04:17.984"/>
+    </inkml:context>
+    <inkml:brush xml:id="br0">
+      <inkml:brushProperty name="width" value="0.35" units="cm"/>
+      <inkml:brushProperty name="height" value="0.35" units="cm"/>
+      <inkml:brushProperty name="color" value="#FFFFFF"/>
+    </inkml:brush>
+  </inkml:definitions>
+  <inkml:trace contextRef="#ctx0" brushRef="#br0">4 1 24575,'-4'0'0</inkml:trace>
+</inkml:ink>
+</file>
+
+<file path=ppt/ink/ink11.xml><?xml version="1.0" encoding="utf-8"?>
+<inkml:ink xmlns:inkml="http://www.w3.org/2003/InkML">
+  <inkml:definitions>
+    <inkml:context xml:id="ctx0">
+      <inkml:inkSource xml:id="inkSrc0">
+        <inkml:traceFormat>
+          <inkml:channel name="X" type="integer" min="-2.14748E9" max="2.14748E9" units="cm"/>
+          <inkml:channel name="Y" type="integer" min="-2.14748E9" max="2.14748E9" units="cm"/>
+          <inkml:channel name="F" type="integer" max="32767" units="dev"/>
+        </inkml:traceFormat>
+        <inkml:channelProperties>
+          <inkml:channelProperty channel="X" name="resolution" value="1000" units="1/cm"/>
+          <inkml:channelProperty channel="Y" name="resolution" value="1000" units="1/cm"/>
+          <inkml:channelProperty channel="F" name="resolution" value="0" units="1/dev"/>
+        </inkml:channelProperties>
+      </inkml:inkSource>
+      <inkml:timestamp xml:id="ts0" timeString="2023-01-06T09:04:18.437"/>
+    </inkml:context>
+    <inkml:brush xml:id="br0">
+      <inkml:brushProperty name="width" value="0.35" units="cm"/>
+      <inkml:brushProperty name="height" value="0.35" units="cm"/>
+      <inkml:brushProperty name="color" value="#FFFFFF"/>
+    </inkml:brush>
+  </inkml:definitions>
+  <inkml:trace contextRef="#ctx0" brushRef="#br0">1 1 24575</inkml:trace>
+</inkml:ink>
+</file>
+
+<file path=ppt/ink/ink12.xml><?xml version="1.0" encoding="utf-8"?>
+<inkml:ink xmlns:inkml="http://www.w3.org/2003/InkML">
+  <inkml:definitions>
+    <inkml:context xml:id="ctx0">
+      <inkml:inkSource xml:id="inkSrc0">
+        <inkml:traceFormat>
+          <inkml:channel name="X" type="integer" min="-2.14748E9" max="2.14748E9" units="cm"/>
+          <inkml:channel name="Y" type="integer" min="-2.14748E9" max="2.14748E9" units="cm"/>
+          <inkml:channel name="F" type="integer" max="32767" units="dev"/>
+        </inkml:traceFormat>
+        <inkml:channelProperties>
+          <inkml:channelProperty channel="X" name="resolution" value="1000" units="1/cm"/>
+          <inkml:channelProperty channel="Y" name="resolution" value="1000" units="1/cm"/>
+          <inkml:channelProperty channel="F" name="resolution" value="0" units="1/dev"/>
+        </inkml:channelProperties>
+      </inkml:inkSource>
+      <inkml:timestamp xml:id="ts0" timeString="2023-01-06T09:04:18.859"/>
+    </inkml:context>
+    <inkml:brush xml:id="br0">
+      <inkml:brushProperty name="width" value="0.35" units="cm"/>
+      <inkml:brushProperty name="height" value="0.35" units="cm"/>
+      <inkml:brushProperty name="color" value="#FFFFFF"/>
+    </inkml:brush>
+  </inkml:definitions>
+  <inkml:trace contextRef="#ctx0" brushRef="#br0">1 1 24575</inkml:trace>
+</inkml:ink>
+</file>
+
+<file path=ppt/ink/ink13.xml><?xml version="1.0" encoding="utf-8"?>
+<inkml:ink xmlns:inkml="http://www.w3.org/2003/InkML">
+  <inkml:definitions>
+    <inkml:context xml:id="ctx0">
+      <inkml:inkSource xml:id="inkSrc0">
+        <inkml:traceFormat>
+          <inkml:channel name="X" type="integer" min="-2.14748E9" max="2.14748E9" units="cm"/>
+          <inkml:channel name="Y" type="integer" min="-2.14748E9" max="2.14748E9" units="cm"/>
+          <inkml:channel name="F" type="integer" max="32767" units="dev"/>
+        </inkml:traceFormat>
+        <inkml:channelProperties>
+          <inkml:channelProperty channel="X" name="resolution" value="1000" units="1/cm"/>
+          <inkml:channelProperty channel="Y" name="resolution" value="1000" units="1/cm"/>
+          <inkml:channelProperty channel="F" name="resolution" value="0" units="1/dev"/>
+        </inkml:channelProperties>
+      </inkml:inkSource>
+      <inkml:timestamp xml:id="ts0" timeString="2023-01-06T09:04:28.322"/>
+    </inkml:context>
+    <inkml:brush xml:id="br0">
+      <inkml:brushProperty name="width" value="0.35" units="cm"/>
+      <inkml:brushProperty name="height" value="0.35" units="cm"/>
+      <inkml:brushProperty name="color" value="#FFFFFF"/>
+    </inkml:brush>
+  </inkml:definitions>
+  <inkml:trace contextRef="#ctx0" brushRef="#br0">0 1 24575</inkml:trace>
+</inkml:ink>
+</file>
+
+<file path=ppt/ink/ink14.xml><?xml version="1.0" encoding="utf-8"?>
+<inkml:ink xmlns:inkml="http://www.w3.org/2003/InkML">
+  <inkml:definitions>
+    <inkml:context xml:id="ctx0">
+      <inkml:inkSource xml:id="inkSrc0">
+        <inkml:traceFormat>
+          <inkml:channel name="X" type="integer" min="-2.14748E9" max="2.14748E9" units="cm"/>
+          <inkml:channel name="Y" type="integer" min="-2.14748E9" max="2.14748E9" units="cm"/>
+          <inkml:channel name="F" type="integer" max="32767" units="dev"/>
+        </inkml:traceFormat>
+        <inkml:channelProperties>
+          <inkml:channelProperty channel="X" name="resolution" value="1000" units="1/cm"/>
+          <inkml:channelProperty channel="Y" name="resolution" value="1000" units="1/cm"/>
+          <inkml:channelProperty channel="F" name="resolution" value="0" units="1/dev"/>
+        </inkml:channelProperties>
+      </inkml:inkSource>
+      <inkml:timestamp xml:id="ts0" timeString="2023-01-06T09:04:29.601"/>
+    </inkml:context>
+    <inkml:brush xml:id="br0">
+      <inkml:brushProperty name="width" value="0.35" units="cm"/>
+      <inkml:brushProperty name="height" value="0.35" units="cm"/>
+      <inkml:brushProperty name="color" value="#FFFFFF"/>
+    </inkml:brush>
+  </inkml:definitions>
+  <inkml:trace contextRef="#ctx0" brushRef="#br0">1 0 24575</inkml:trace>
+</inkml:ink>
+</file>
+
+<file path=ppt/ink/ink15.xml><?xml version="1.0" encoding="utf-8"?>
+<inkml:ink xmlns:inkml="http://www.w3.org/2003/InkML">
+  <inkml:definitions>
+    <inkml:context xml:id="ctx0">
+      <inkml:inkSource xml:id="inkSrc0">
+        <inkml:traceFormat>
+          <inkml:channel name="X" type="integer" min="-2.14748E9" max="2.14748E9" units="cm"/>
+          <inkml:channel name="Y" type="integer" min="-2.14748E9" max="2.14748E9" units="cm"/>
+          <inkml:channel name="F" type="integer" max="32767" units="dev"/>
+        </inkml:traceFormat>
+        <inkml:channelProperties>
+          <inkml:channelProperty channel="X" name="resolution" value="1000" units="1/cm"/>
+          <inkml:channelProperty channel="Y" name="resolution" value="1000" units="1/cm"/>
+          <inkml:channelProperty channel="F" name="resolution" value="0" units="1/dev"/>
+        </inkml:channelProperties>
+      </inkml:inkSource>
+      <inkml:timestamp xml:id="ts0" timeString="2023-01-06T09:04:30.778"/>
+    </inkml:context>
+    <inkml:brush xml:id="br0">
+      <inkml:brushProperty name="width" value="0.35" units="cm"/>
+      <inkml:brushProperty name="height" value="0.35" units="cm"/>
+      <inkml:brushProperty name="color" value="#FFFFFF"/>
+    </inkml:brush>
+  </inkml:definitions>
+  <inkml:trace contextRef="#ctx0" brushRef="#br0">1 0 24575</inkml:trace>
+</inkml:ink>
+</file>
+
+<file path=ppt/ink/ink16.xml><?xml version="1.0" encoding="utf-8"?>
+<inkml:ink xmlns:inkml="http://www.w3.org/2003/InkML">
+  <inkml:definitions>
+    <inkml:context xml:id="ctx0">
+      <inkml:inkSource xml:id="inkSrc0">
+        <inkml:traceFormat>
+          <inkml:channel name="X" type="integer" min="-2.14748E9" max="2.14748E9" units="cm"/>
+          <inkml:channel name="Y" type="integer" min="-2.14748E9" max="2.14748E9" units="cm"/>
+          <inkml:channel name="F" type="integer" max="32767" units="dev"/>
+        </inkml:traceFormat>
+        <inkml:channelProperties>
+          <inkml:channelProperty channel="X" name="resolution" value="1000" units="1/cm"/>
+          <inkml:channelProperty channel="Y" name="resolution" value="1000" units="1/cm"/>
+          <inkml:channelProperty channel="F" name="resolution" value="0" units="1/dev"/>
+        </inkml:channelProperties>
+      </inkml:inkSource>
+      <inkml:timestamp xml:id="ts0" timeString="2023-01-06T09:04:32.138"/>
+    </inkml:context>
+    <inkml:brush xml:id="br0">
+      <inkml:brushProperty name="width" value="0.35" units="cm"/>
+      <inkml:brushProperty name="height" value="0.35" units="cm"/>
+      <inkml:brushProperty name="color" value="#FFFFFF"/>
+    </inkml:brush>
+  </inkml:definitions>
+  <inkml:trace contextRef="#ctx0" brushRef="#br0">1 0 24575</inkml:trace>
+</inkml:ink>
+</file>
+
+<file path=ppt/ink/ink17.xml><?xml version="1.0" encoding="utf-8"?>
+<inkml:ink xmlns:inkml="http://www.w3.org/2003/InkML">
+  <inkml:definitions>
+    <inkml:context xml:id="ctx0">
+      <inkml:inkSource xml:id="inkSrc0">
+        <inkml:traceFormat>
+          <inkml:channel name="X" type="integer" min="-2.14748E9" max="2.14748E9" units="cm"/>
+          <inkml:channel name="Y" type="integer" min="-2.14748E9" max="2.14748E9" units="cm"/>
+          <inkml:channel name="F" type="integer" max="32767" units="dev"/>
+        </inkml:traceFormat>
+        <inkml:channelProperties>
+          <inkml:channelProperty channel="X" name="resolution" value="1000" units="1/cm"/>
+          <inkml:channelProperty channel="Y" name="resolution" value="1000" units="1/cm"/>
+          <inkml:channelProperty channel="F" name="resolution" value="0" units="1/dev"/>
+        </inkml:channelProperties>
+      </inkml:inkSource>
+      <inkml:timestamp xml:id="ts0" timeString="2023-01-06T09:04:32.944"/>
+    </inkml:context>
+    <inkml:brush xml:id="br0">
+      <inkml:brushProperty name="width" value="0.35" units="cm"/>
+      <inkml:brushProperty name="height" value="0.35" units="cm"/>
+      <inkml:brushProperty name="color" value="#FFFFFF"/>
+    </inkml:brush>
+  </inkml:definitions>
+  <inkml:trace contextRef="#ctx0" brushRef="#br0">0 0 24575</inkml:trace>
+</inkml:ink>
+</file>
+
+<file path=ppt/ink/ink18.xml><?xml version="1.0" encoding="utf-8"?>
+<inkml:ink xmlns:inkml="http://www.w3.org/2003/InkML">
+  <inkml:definitions>
+    <inkml:context xml:id="ctx0">
+      <inkml:inkSource xml:id="inkSrc0">
+        <inkml:traceFormat>
+          <inkml:channel name="X" type="integer" min="-2.14748E9" max="2.14748E9" units="cm"/>
+          <inkml:channel name="Y" type="integer" min="-2.14748E9" max="2.14748E9" units="cm"/>
+          <inkml:channel name="F" type="integer" max="32767" units="dev"/>
+        </inkml:traceFormat>
+        <inkml:channelProperties>
+          <inkml:channelProperty channel="X" name="resolution" value="1000" units="1/cm"/>
+          <inkml:channelProperty channel="Y" name="resolution" value="1000" units="1/cm"/>
+          <inkml:channelProperty channel="F" name="resolution" value="0" units="1/dev"/>
+        </inkml:channelProperties>
+      </inkml:inkSource>
+      <inkml:timestamp xml:id="ts0" timeString="2023-01-06T09:04:33.900"/>
+    </inkml:context>
+    <inkml:brush xml:id="br0">
+      <inkml:brushProperty name="width" value="0.35" units="cm"/>
+      <inkml:brushProperty name="height" value="0.35" units="cm"/>
+      <inkml:brushProperty name="color" value="#FFFFFF"/>
+    </inkml:brush>
+  </inkml:definitions>
+  <inkml:trace contextRef="#ctx0" brushRef="#br0">1 1 24575</inkml:trace>
+</inkml:ink>
+</file>
+
+<file path=ppt/ink/ink19.xml><?xml version="1.0" encoding="utf-8"?>
+<inkml:ink xmlns:inkml="http://www.w3.org/2003/InkML">
+  <inkml:definitions>
+    <inkml:context xml:id="ctx0">
+      <inkml:inkSource xml:id="inkSrc0">
+        <inkml:traceFormat>
+          <inkml:channel name="X" type="integer" min="-2.14748E9" max="2.14748E9" units="cm"/>
+          <inkml:channel name="Y" type="integer" min="-2.14748E9" max="2.14748E9" units="cm"/>
+          <inkml:channel name="F" type="integer" max="32767" units="dev"/>
+        </inkml:traceFormat>
+        <inkml:channelProperties>
+          <inkml:channelProperty channel="X" name="resolution" value="1000" units="1/cm"/>
+          <inkml:channelProperty channel="Y" name="resolution" value="1000" units="1/cm"/>
+          <inkml:channelProperty channel="F" name="resolution" value="0" units="1/dev"/>
+        </inkml:channelProperties>
+      </inkml:inkSource>
+      <inkml:timestamp xml:id="ts0" timeString="2023-01-06T09:04:34.987"/>
+    </inkml:context>
+    <inkml:brush xml:id="br0">
+      <inkml:brushProperty name="width" value="0.35" units="cm"/>
+      <inkml:brushProperty name="height" value="0.35" units="cm"/>
+      <inkml:brushProperty name="color" value="#FFFFFF"/>
+    </inkml:brush>
+  </inkml:definitions>
+  <inkml:trace contextRef="#ctx0" brushRef="#br0">1 0 24575</inkml:trace>
+</inkml:ink>
+</file>
+
+<file path=ppt/ink/ink2.xml><?xml version="1.0" encoding="utf-8"?>
+<inkml:ink xmlns:inkml="http://www.w3.org/2003/InkML">
+  <inkml:definitions>
+    <inkml:context xml:id="ctx0">
+      <inkml:inkSource xml:id="inkSrc0">
+        <inkml:traceFormat>
+          <inkml:channel name="X" type="integer" min="-2.14748E9" max="2.14748E9" units="cm"/>
+          <inkml:channel name="Y" type="integer" min="-2.14748E9" max="2.14748E9" units="cm"/>
+          <inkml:channel name="F" type="integer" max="32767" units="dev"/>
+        </inkml:traceFormat>
+        <inkml:channelProperties>
+          <inkml:channelProperty channel="X" name="resolution" value="1000" units="1/cm"/>
+          <inkml:channelProperty channel="Y" name="resolution" value="1000" units="1/cm"/>
+          <inkml:channelProperty channel="F" name="resolution" value="0" units="1/dev"/>
+        </inkml:channelProperties>
+      </inkml:inkSource>
+      <inkml:timestamp xml:id="ts0" timeString="2023-01-06T09:04:13.416"/>
+    </inkml:context>
+    <inkml:brush xml:id="br0">
+      <inkml:brushProperty name="width" value="0.35" units="cm"/>
+      <inkml:brushProperty name="height" value="0.35" units="cm"/>
+      <inkml:brushProperty name="color" value="#FFFFFF"/>
+    </inkml:brush>
+  </inkml:definitions>
+  <inkml:trace contextRef="#ctx0" brushRef="#br0">1 1 24575</inkml:trace>
+</inkml:ink>
+</file>
+
+<file path=ppt/ink/ink20.xml><?xml version="1.0" encoding="utf-8"?>
+<inkml:ink xmlns:inkml="http://www.w3.org/2003/InkML">
+  <inkml:definitions>
+    <inkml:context xml:id="ctx0">
+      <inkml:inkSource xml:id="inkSrc0">
+        <inkml:traceFormat>
+          <inkml:channel name="X" type="integer" min="-2.14748E9" max="2.14748E9" units="cm"/>
+          <inkml:channel name="Y" type="integer" min="-2.14748E9" max="2.14748E9" units="cm"/>
+          <inkml:channel name="F" type="integer" max="32767" units="dev"/>
+        </inkml:traceFormat>
+        <inkml:channelProperties>
+          <inkml:channelProperty channel="X" name="resolution" value="1000" units="1/cm"/>
+          <inkml:channelProperty channel="Y" name="resolution" value="1000" units="1/cm"/>
+          <inkml:channelProperty channel="F" name="resolution" value="0" units="1/dev"/>
+        </inkml:channelProperties>
+      </inkml:inkSource>
+      <inkml:timestamp xml:id="ts0" timeString="2023-01-06T09:04:36.594"/>
+    </inkml:context>
+    <inkml:brush xml:id="br0">
+      <inkml:brushProperty name="width" value="0.35" units="cm"/>
+      <inkml:brushProperty name="height" value="0.35" units="cm"/>
+      <inkml:brushProperty name="color" value="#FFFFFF"/>
+    </inkml:brush>
+  </inkml:definitions>
+  <inkml:trace contextRef="#ctx0" brushRef="#br0">29 0 24575,'-1'0'0,"0"1"0,0-1 0,-1 0 0,1 0 0,0 1 0,0-1 0,0 1 0,-1-1 0,1 1 0,0-1 0,0 1 0,0 0 0,0-1 0,0 1 0,0 0 0,0 0 0,0 0 0,0 0 0,1 0 0,-1 0 0,0 0 0,1 0 0,-1 0 0,0 0 0,1 1 0,-1-1 0,1 0 0,0 0 0,-1 0 0,1 1 0,0-1 0,0 2 0,-1 2 0,1 0 0,-1 1 0,1-1 0,1 0 0,-1 0 0,3 9 0,0 3 0,2 0 0,0 0 0,1 0 0,0-1 0,2 0 0,0-1 0,0 1 0,2-1 0,0-1 0,0 0 0,19 18 0,-27-30 0,0-1 0,-1 1 0,1-1 0,0 1 0,0 0 0,-1 0 0,1 0 0,-1 0 0,0 0 0,1 0 0,-1 0 0,0 0 0,0 0 0,0 1 0,0 3 0,-1-3 0,0 1 0,-1-1 0,0 0 0,0 0 0,0 1 0,0-1 0,-1 0 0,1 0 0,-1 0 0,-3 4 0,-4 11 0,1-1 0,1 1 0,1 1 0,0-1 0,1 1 0,1 0 0,-2 33 0,3-3 0,6 93 0,0-111 0,7 34 0,-8-55 0,0-1 0,1 1 0,0-1 0,0 0 0,1 0 0,1-1 0,10 17 0,2 2 0,-1 1 0,-2 0 0,0 1 0,15 48 0,-10-2 213,-10-37-1791</inkml:trace>
+</inkml:ink>
+</file>
+
+<file path=ppt/ink/ink21.xml><?xml version="1.0" encoding="utf-8"?>
+<inkml:ink xmlns:inkml="http://www.w3.org/2003/InkML">
+  <inkml:definitions>
+    <inkml:context xml:id="ctx0">
+      <inkml:inkSource xml:id="inkSrc0">
+        <inkml:traceFormat>
+          <inkml:channel name="X" type="integer" min="-2.14748E9" max="2.14748E9" units="cm"/>
+          <inkml:channel name="Y" type="integer" min="-2.14748E9" max="2.14748E9" units="cm"/>
+          <inkml:channel name="F" type="integer" max="32767" units="dev"/>
+        </inkml:traceFormat>
+        <inkml:channelProperties>
+          <inkml:channelProperty channel="X" name="resolution" value="1000" units="1/cm"/>
+          <inkml:channelProperty channel="Y" name="resolution" value="1000" units="1/cm"/>
+          <inkml:channelProperty channel="F" name="resolution" value="0" units="1/dev"/>
+        </inkml:channelProperties>
+      </inkml:inkSource>
+      <inkml:timestamp xml:id="ts0" timeString="2023-01-06T09:04:37.875"/>
+    </inkml:context>
+    <inkml:brush xml:id="br0">
+      <inkml:brushProperty name="width" value="0.35" units="cm"/>
+      <inkml:brushProperty name="height" value="0.35" units="cm"/>
+      <inkml:brushProperty name="color" value="#FFFFFF"/>
+    </inkml:brush>
+  </inkml:definitions>
+  <inkml:trace contextRef="#ctx0" brushRef="#br0">0 0 24575</inkml:trace>
+</inkml:ink>
+</file>
+
+<file path=ppt/ink/ink22.xml><?xml version="1.0" encoding="utf-8"?>
+<inkml:ink xmlns:inkml="http://www.w3.org/2003/InkML">
+  <inkml:definitions>
+    <inkml:context xml:id="ctx0">
+      <inkml:inkSource xml:id="inkSrc0">
+        <inkml:traceFormat>
+          <inkml:channel name="X" type="integer" min="-2.14748E9" max="2.14748E9" units="cm"/>
+          <inkml:channel name="Y" type="integer" min="-2.14748E9" max="2.14748E9" units="cm"/>
+          <inkml:channel name="F" type="integer" max="32767" units="dev"/>
+        </inkml:traceFormat>
+        <inkml:channelProperties>
+          <inkml:channelProperty channel="X" name="resolution" value="1000" units="1/cm"/>
+          <inkml:channelProperty channel="Y" name="resolution" value="1000" units="1/cm"/>
+          <inkml:channelProperty channel="F" name="resolution" value="0" units="1/dev"/>
+        </inkml:channelProperties>
+      </inkml:inkSource>
+      <inkml:timestamp xml:id="ts0" timeString="2023-01-06T09:04:38.837"/>
+    </inkml:context>
+    <inkml:brush xml:id="br0">
+      <inkml:brushProperty name="width" value="0.35" units="cm"/>
+      <inkml:brushProperty name="height" value="0.35" units="cm"/>
+      <inkml:brushProperty name="color" value="#FFFFFF"/>
+    </inkml:brush>
+  </inkml:definitions>
+  <inkml:trace contextRef="#ctx0" brushRef="#br0">1 1 24575</inkml:trace>
+</inkml:ink>
+</file>
+
+<file path=ppt/ink/ink23.xml><?xml version="1.0" encoding="utf-8"?>
+<inkml:ink xmlns:inkml="http://www.w3.org/2003/InkML">
+  <inkml:definitions>
+    <inkml:context xml:id="ctx0">
+      <inkml:inkSource xml:id="inkSrc0">
+        <inkml:traceFormat>
+          <inkml:channel name="X" type="integer" min="-2.14748E9" max="2.14748E9" units="cm"/>
+          <inkml:channel name="Y" type="integer" min="-2.14748E9" max="2.14748E9" units="cm"/>
+          <inkml:channel name="F" type="integer" max="32767" units="dev"/>
+        </inkml:traceFormat>
+        <inkml:channelProperties>
+          <inkml:channelProperty channel="X" name="resolution" value="1000" units="1/cm"/>
+          <inkml:channelProperty channel="Y" name="resolution" value="1000" units="1/cm"/>
+          <inkml:channelProperty channel="F" name="resolution" value="0" units="1/dev"/>
+        </inkml:channelProperties>
+      </inkml:inkSource>
+      <inkml:timestamp xml:id="ts0" timeString="2023-01-06T09:04:39.507"/>
+    </inkml:context>
+    <inkml:brush xml:id="br0">
+      <inkml:brushProperty name="width" value="0.35" units="cm"/>
+      <inkml:brushProperty name="height" value="0.35" units="cm"/>
+      <inkml:brushProperty name="color" value="#FFFFFF"/>
+    </inkml:brush>
+  </inkml:definitions>
+  <inkml:trace contextRef="#ctx0" brushRef="#br0">1 0 24575</inkml:trace>
+</inkml:ink>
+</file>
+
+<file path=ppt/ink/ink24.xml><?xml version="1.0" encoding="utf-8"?>
+<inkml:ink xmlns:inkml="http://www.w3.org/2003/InkML">
+  <inkml:definitions>
+    <inkml:context xml:id="ctx0">
+      <inkml:inkSource xml:id="inkSrc0">
+        <inkml:traceFormat>
+          <inkml:channel name="X" type="integer" min="-2.14748E9" max="2.14748E9" units="cm"/>
+          <inkml:channel name="Y" type="integer" min="-2.14748E9" max="2.14748E9" units="cm"/>
+          <inkml:channel name="F" type="integer" max="32767" units="dev"/>
+        </inkml:traceFormat>
+        <inkml:channelProperties>
+          <inkml:channelProperty channel="X" name="resolution" value="1000" units="1/cm"/>
+          <inkml:channelProperty channel="Y" name="resolution" value="1000" units="1/cm"/>
+          <inkml:channelProperty channel="F" name="resolution" value="0" units="1/dev"/>
+        </inkml:channelProperties>
+      </inkml:inkSource>
+      <inkml:timestamp xml:id="ts0" timeString="2023-01-06T09:04:40.416"/>
+    </inkml:context>
+    <inkml:brush xml:id="br0">
+      <inkml:brushProperty name="width" value="0.35" units="cm"/>
+      <inkml:brushProperty name="height" value="0.35" units="cm"/>
+      <inkml:brushProperty name="color" value="#FFFFFF"/>
+    </inkml:brush>
+  </inkml:definitions>
+  <inkml:trace contextRef="#ctx0" brushRef="#br0">1 1 24575</inkml:trace>
+</inkml:ink>
+</file>
+
+<file path=ppt/ink/ink25.xml><?xml version="1.0" encoding="utf-8"?>
+<inkml:ink xmlns:inkml="http://www.w3.org/2003/InkML">
+  <inkml:definitions>
+    <inkml:context xml:id="ctx0">
+      <inkml:inkSource xml:id="inkSrc0">
+        <inkml:traceFormat>
+          <inkml:channel name="X" type="integer" min="-2.14748E9" max="2.14748E9" units="cm"/>
+          <inkml:channel name="Y" type="integer" min="-2.14748E9" max="2.14748E9" units="cm"/>
+          <inkml:channel name="F" type="integer" max="32767" units="dev"/>
+        </inkml:traceFormat>
+        <inkml:channelProperties>
+          <inkml:channelProperty channel="X" name="resolution" value="1000" units="1/cm"/>
+          <inkml:channelProperty channel="Y" name="resolution" value="1000" units="1/cm"/>
+          <inkml:channelProperty channel="F" name="resolution" value="0" units="1/dev"/>
+        </inkml:channelProperties>
+      </inkml:inkSource>
+      <inkml:timestamp xml:id="ts0" timeString="2023-01-06T09:04:41.058"/>
+    </inkml:context>
+    <inkml:brush xml:id="br0">
+      <inkml:brushProperty name="width" value="0.35" units="cm"/>
+      <inkml:brushProperty name="height" value="0.35" units="cm"/>
+      <inkml:brushProperty name="color" value="#FFFFFF"/>
+    </inkml:brush>
+  </inkml:definitions>
+  <inkml:trace contextRef="#ctx0" brushRef="#br0">0 0 24575</inkml:trace>
+</inkml:ink>
+</file>
+
+<file path=ppt/ink/ink26.xml><?xml version="1.0" encoding="utf-8"?>
+<inkml:ink xmlns:inkml="http://www.w3.org/2003/InkML">
+  <inkml:definitions>
+    <inkml:context xml:id="ctx0">
+      <inkml:inkSource xml:id="inkSrc0">
+        <inkml:traceFormat>
+          <inkml:channel name="X" type="integer" min="-2.14748E9" max="2.14748E9" units="cm"/>
+          <inkml:channel name="Y" type="integer" min="-2.14748E9" max="2.14748E9" units="cm"/>
+          <inkml:channel name="F" type="integer" max="32767" units="dev"/>
+        </inkml:traceFormat>
+        <inkml:channelProperties>
+          <inkml:channelProperty channel="X" name="resolution" value="1000" units="1/cm"/>
+          <inkml:channelProperty channel="Y" name="resolution" value="1000" units="1/cm"/>
+          <inkml:channelProperty channel="F" name="resolution" value="0" units="1/dev"/>
+        </inkml:channelProperties>
+      </inkml:inkSource>
+      <inkml:timestamp xml:id="ts0" timeString="2023-01-06T09:04:41.963"/>
+    </inkml:context>
+    <inkml:brush xml:id="br0">
+      <inkml:brushProperty name="width" value="0.35" units="cm"/>
+      <inkml:brushProperty name="height" value="0.35" units="cm"/>
+      <inkml:brushProperty name="color" value="#FFFFFF"/>
+    </inkml:brush>
+  </inkml:definitions>
+  <inkml:trace contextRef="#ctx0" brushRef="#br0">0 0 24575</inkml:trace>
+</inkml:ink>
+</file>
+
+<file path=ppt/ink/ink27.xml><?xml version="1.0" encoding="utf-8"?>
+<inkml:ink xmlns:inkml="http://www.w3.org/2003/InkML">
+  <inkml:definitions>
+    <inkml:context xml:id="ctx0">
+      <inkml:inkSource xml:id="inkSrc0">
+        <inkml:traceFormat>
+          <inkml:channel name="X" type="integer" min="-2.14748E9" max="2.14748E9" units="cm"/>
+          <inkml:channel name="Y" type="integer" min="-2.14748E9" max="2.14748E9" units="cm"/>
+          <inkml:channel name="F" type="integer" max="32767" units="dev"/>
+        </inkml:traceFormat>
+        <inkml:channelProperties>
+          <inkml:channelProperty channel="X" name="resolution" value="1000" units="1/cm"/>
+          <inkml:channelProperty channel="Y" name="resolution" value="1000" units="1/cm"/>
+          <inkml:channelProperty channel="F" name="resolution" value="0" units="1/dev"/>
+        </inkml:channelProperties>
+      </inkml:inkSource>
+      <inkml:timestamp xml:id="ts0" timeString="2023-01-06T09:04:42.752"/>
+    </inkml:context>
+    <inkml:brush xml:id="br0">
+      <inkml:brushProperty name="width" value="0.35" units="cm"/>
+      <inkml:brushProperty name="height" value="0.35" units="cm"/>
+      <inkml:brushProperty name="color" value="#FFFFFF"/>
+    </inkml:brush>
+  </inkml:definitions>
+  <inkml:trace contextRef="#ctx0" brushRef="#br0">0 1 24575</inkml:trace>
+</inkml:ink>
+</file>
+
+<file path=ppt/ink/ink28.xml><?xml version="1.0" encoding="utf-8"?>
+<inkml:ink xmlns:inkml="http://www.w3.org/2003/InkML">
+  <inkml:definitions>
+    <inkml:context xml:id="ctx0">
+      <inkml:inkSource xml:id="inkSrc0">
+        <inkml:traceFormat>
+          <inkml:channel name="X" type="integer" min="-2.14748E9" max="2.14748E9" units="cm"/>
+          <inkml:channel name="Y" type="integer" min="-2.14748E9" max="2.14748E9" units="cm"/>
+          <inkml:channel name="F" type="integer" max="32767" units="dev"/>
+        </inkml:traceFormat>
+        <inkml:channelProperties>
+          <inkml:channelProperty channel="X" name="resolution" value="1000" units="1/cm"/>
+          <inkml:channelProperty channel="Y" name="resolution" value="1000" units="1/cm"/>
+          <inkml:channelProperty channel="F" name="resolution" value="0" units="1/dev"/>
+        </inkml:channelProperties>
+      </inkml:inkSource>
+      <inkml:timestamp xml:id="ts0" timeString="2023-01-06T09:04:43.363"/>
+    </inkml:context>
+    <inkml:brush xml:id="br0">
+      <inkml:brushProperty name="width" value="0.35" units="cm"/>
+      <inkml:brushProperty name="height" value="0.35" units="cm"/>
+      <inkml:brushProperty name="color" value="#FFFFFF"/>
+    </inkml:brush>
+  </inkml:definitions>
+  <inkml:trace contextRef="#ctx0" brushRef="#br0">1 1 24575</inkml:trace>
+</inkml:ink>
+</file>
+
+<file path=ppt/ink/ink29.xml><?xml version="1.0" encoding="utf-8"?>
+<inkml:ink xmlns:inkml="http://www.w3.org/2003/InkML">
+  <inkml:definitions>
+    <inkml:context xml:id="ctx0">
+      <inkml:inkSource xml:id="inkSrc0">
+        <inkml:traceFormat>
+          <inkml:channel name="X" type="integer" min="-2.14748E9" max="2.14748E9" units="cm"/>
+          <inkml:channel name="Y" type="integer" min="-2.14748E9" max="2.14748E9" units="cm"/>
+          <inkml:channel name="F" type="integer" max="32767" units="dev"/>
+        </inkml:traceFormat>
+        <inkml:channelProperties>
+          <inkml:channelProperty channel="X" name="resolution" value="1000" units="1/cm"/>
+          <inkml:channelProperty channel="Y" name="resolution" value="1000" units="1/cm"/>
+          <inkml:channelProperty channel="F" name="resolution" value="0" units="1/dev"/>
+        </inkml:channelProperties>
+      </inkml:inkSource>
+      <inkml:timestamp xml:id="ts0" timeString="2023-01-06T09:04:43.924"/>
+    </inkml:context>
+    <inkml:brush xml:id="br0">
+      <inkml:brushProperty name="width" value="0.35" units="cm"/>
+      <inkml:brushProperty name="height" value="0.35" units="cm"/>
+      <inkml:brushProperty name="color" value="#FFFFFF"/>
+    </inkml:brush>
+  </inkml:definitions>
+  <inkml:trace contextRef="#ctx0" brushRef="#br0">1 1 24575</inkml:trace>
+</inkml:ink>
+</file>
+
+<file path=ppt/ink/ink3.xml><?xml version="1.0" encoding="utf-8"?>
+<inkml:ink xmlns:inkml="http://www.w3.org/2003/InkML">
+  <inkml:definitions>
+    <inkml:context xml:id="ctx0">
+      <inkml:inkSource xml:id="inkSrc0">
+        <inkml:traceFormat>
+          <inkml:channel name="X" type="integer" min="-2.14748E9" max="2.14748E9" units="cm"/>
+          <inkml:channel name="Y" type="integer" min="-2.14748E9" max="2.14748E9" units="cm"/>
+          <inkml:channel name="F" type="integer" max="32767" units="dev"/>
+        </inkml:traceFormat>
+        <inkml:channelProperties>
+          <inkml:channelProperty channel="X" name="resolution" value="1000" units="1/cm"/>
+          <inkml:channelProperty channel="Y" name="resolution" value="1000" units="1/cm"/>
+          <inkml:channelProperty channel="F" name="resolution" value="0" units="1/dev"/>
+        </inkml:channelProperties>
+      </inkml:inkSource>
+      <inkml:timestamp xml:id="ts0" timeString="2023-01-06T09:04:14.263"/>
+    </inkml:context>
+    <inkml:brush xml:id="br0">
+      <inkml:brushProperty name="width" value="0.35" units="cm"/>
+      <inkml:brushProperty name="height" value="0.35" units="cm"/>
+      <inkml:brushProperty name="color" value="#FFFFFF"/>
+    </inkml:brush>
+  </inkml:definitions>
+  <inkml:trace contextRef="#ctx0" brushRef="#br0">1 0 24575</inkml:trace>
+</inkml:ink>
+</file>
+
+<file path=ppt/ink/ink30.xml><?xml version="1.0" encoding="utf-8"?>
+<inkml:ink xmlns:inkml="http://www.w3.org/2003/InkML">
+  <inkml:definitions>
+    <inkml:context xml:id="ctx0">
+      <inkml:inkSource xml:id="inkSrc0">
+        <inkml:traceFormat>
+          <inkml:channel name="X" type="integer" min="-2.14748E9" max="2.14748E9" units="cm"/>
+          <inkml:channel name="Y" type="integer" min="-2.14748E9" max="2.14748E9" units="cm"/>
+          <inkml:channel name="F" type="integer" max="32767" units="dev"/>
+        </inkml:traceFormat>
+        <inkml:channelProperties>
+          <inkml:channelProperty channel="X" name="resolution" value="1000" units="1/cm"/>
+          <inkml:channelProperty channel="Y" name="resolution" value="1000" units="1/cm"/>
+          <inkml:channelProperty channel="F" name="resolution" value="0" units="1/dev"/>
+        </inkml:channelProperties>
+      </inkml:inkSource>
+      <inkml:timestamp xml:id="ts0" timeString="2023-01-06T09:04:44.630"/>
+    </inkml:context>
+    <inkml:brush xml:id="br0">
+      <inkml:brushProperty name="width" value="0.35" units="cm"/>
+      <inkml:brushProperty name="height" value="0.35" units="cm"/>
+      <inkml:brushProperty name="color" value="#FFFFFF"/>
+    </inkml:brush>
+  </inkml:definitions>
+  <inkml:trace contextRef="#ctx0" brushRef="#br0">0 1 24575</inkml:trace>
+</inkml:ink>
+</file>
+
+<file path=ppt/ink/ink31.xml><?xml version="1.0" encoding="utf-8"?>
+<inkml:ink xmlns:inkml="http://www.w3.org/2003/InkML">
+  <inkml:definitions>
+    <inkml:context xml:id="ctx0">
+      <inkml:inkSource xml:id="inkSrc0">
+        <inkml:traceFormat>
+          <inkml:channel name="X" type="integer" min="-2.14748E9" max="2.14748E9" units="cm"/>
+          <inkml:channel name="Y" type="integer" min="-2.14748E9" max="2.14748E9" units="cm"/>
+          <inkml:channel name="F" type="integer" max="32767" units="dev"/>
+        </inkml:traceFormat>
+        <inkml:channelProperties>
+          <inkml:channelProperty channel="X" name="resolution" value="1000" units="1/cm"/>
+          <inkml:channelProperty channel="Y" name="resolution" value="1000" units="1/cm"/>
+          <inkml:channelProperty channel="F" name="resolution" value="0" units="1/dev"/>
+        </inkml:channelProperties>
+      </inkml:inkSource>
+      <inkml:timestamp xml:id="ts0" timeString="2023-01-06T09:04:45.309"/>
+    </inkml:context>
+    <inkml:brush xml:id="br0">
+      <inkml:brushProperty name="width" value="0.35" units="cm"/>
+      <inkml:brushProperty name="height" value="0.35" units="cm"/>
+      <inkml:brushProperty name="color" value="#FFFFFF"/>
+    </inkml:brush>
+  </inkml:definitions>
+  <inkml:trace contextRef="#ctx0" brushRef="#br0">0 1 24575</inkml:trace>
+</inkml:ink>
+</file>
+
+<file path=ppt/ink/ink32.xml><?xml version="1.0" encoding="utf-8"?>
+<inkml:ink xmlns:inkml="http://www.w3.org/2003/InkML">
+  <inkml:definitions>
+    <inkml:context xml:id="ctx0">
+      <inkml:inkSource xml:id="inkSrc0">
+        <inkml:traceFormat>
+          <inkml:channel name="X" type="integer" min="-2.14748E9" max="2.14748E9" units="cm"/>
+          <inkml:channel name="Y" type="integer" min="-2.14748E9" max="2.14748E9" units="cm"/>
+          <inkml:channel name="F" type="integer" max="32767" units="dev"/>
+        </inkml:traceFormat>
+        <inkml:channelProperties>
+          <inkml:channelProperty channel="X" name="resolution" value="1000" units="1/cm"/>
+          <inkml:channelProperty channel="Y" name="resolution" value="1000" units="1/cm"/>
+          <inkml:channelProperty channel="F" name="resolution" value="0" units="1/dev"/>
+        </inkml:channelProperties>
+      </inkml:inkSource>
+      <inkml:timestamp xml:id="ts0" timeString="2023-01-06T09:04:46.152"/>
+    </inkml:context>
+    <inkml:brush xml:id="br0">
+      <inkml:brushProperty name="width" value="0.35" units="cm"/>
+      <inkml:brushProperty name="height" value="0.35" units="cm"/>
+      <inkml:brushProperty name="color" value="#FFFFFF"/>
+    </inkml:brush>
+  </inkml:definitions>
+  <inkml:trace contextRef="#ctx0" brushRef="#br0">0 0 24575</inkml:trace>
+</inkml:ink>
+</file>
+
+<file path=ppt/ink/ink33.xml><?xml version="1.0" encoding="utf-8"?>
+<inkml:ink xmlns:inkml="http://www.w3.org/2003/InkML">
+  <inkml:definitions>
+    <inkml:context xml:id="ctx0">
+      <inkml:inkSource xml:id="inkSrc0">
+        <inkml:traceFormat>
+          <inkml:channel name="X" type="integer" min="-2.14748E9" max="2.14748E9" units="cm"/>
+          <inkml:channel name="Y" type="integer" min="-2.14748E9" max="2.14748E9" units="cm"/>
+          <inkml:channel name="F" type="integer" max="32767" units="dev"/>
+        </inkml:traceFormat>
+        <inkml:channelProperties>
+          <inkml:channelProperty channel="X" name="resolution" value="1000" units="1/cm"/>
+          <inkml:channelProperty channel="Y" name="resolution" value="1000" units="1/cm"/>
+          <inkml:channelProperty channel="F" name="resolution" value="0" units="1/dev"/>
+        </inkml:channelProperties>
+      </inkml:inkSource>
+      <inkml:timestamp xml:id="ts0" timeString="2023-01-06T09:04:47.131"/>
+    </inkml:context>
+    <inkml:brush xml:id="br0">
+      <inkml:brushProperty name="width" value="0.35" units="cm"/>
+      <inkml:brushProperty name="height" value="0.35" units="cm"/>
+      <inkml:brushProperty name="color" value="#FFFFFF"/>
+    </inkml:brush>
+  </inkml:definitions>
+  <inkml:trace contextRef="#ctx0" brushRef="#br0">0 0 24575</inkml:trace>
+</inkml:ink>
+</file>
+
+<file path=ppt/ink/ink34.xml><?xml version="1.0" encoding="utf-8"?>
+<inkml:ink xmlns:inkml="http://www.w3.org/2003/InkML">
+  <inkml:definitions>
+    <inkml:context xml:id="ctx0">
+      <inkml:inkSource xml:id="inkSrc0">
+        <inkml:traceFormat>
+          <inkml:channel name="X" type="integer" min="-2.14748E9" max="2.14748E9" units="cm"/>
+          <inkml:channel name="Y" type="integer" min="-2.14748E9" max="2.14748E9" units="cm"/>
+          <inkml:channel name="F" type="integer" max="32767" units="dev"/>
+        </inkml:traceFormat>
+        <inkml:channelProperties>
+          <inkml:channelProperty channel="X" name="resolution" value="1000" units="1/cm"/>
+          <inkml:channelProperty channel="Y" name="resolution" value="1000" units="1/cm"/>
+          <inkml:channelProperty channel="F" name="resolution" value="0" units="1/dev"/>
+        </inkml:channelProperties>
+      </inkml:inkSource>
+      <inkml:timestamp xml:id="ts0" timeString="2023-01-06T09:04:47.880"/>
+    </inkml:context>
+    <inkml:brush xml:id="br0">
+      <inkml:brushProperty name="width" value="0.35" units="cm"/>
+      <inkml:brushProperty name="height" value="0.35" units="cm"/>
+      <inkml:brushProperty name="color" value="#FFFFFF"/>
+    </inkml:brush>
+  </inkml:definitions>
+  <inkml:trace contextRef="#ctx0" brushRef="#br0">0 0 24575,'4'0'0</inkml:trace>
+</inkml:ink>
+</file>
+
+<file path=ppt/ink/ink35.xml><?xml version="1.0" encoding="utf-8"?>
+<inkml:ink xmlns:inkml="http://www.w3.org/2003/InkML">
+  <inkml:definitions>
+    <inkml:context xml:id="ctx0">
+      <inkml:inkSource xml:id="inkSrc0">
+        <inkml:traceFormat>
+          <inkml:channel name="X" type="integer" min="-2.14748E9" max="2.14748E9" units="cm"/>
+          <inkml:channel name="Y" type="integer" min="-2.14748E9" max="2.14748E9" units="cm"/>
+          <inkml:channel name="F" type="integer" max="32767" units="dev"/>
+        </inkml:traceFormat>
+        <inkml:channelProperties>
+          <inkml:channelProperty channel="X" name="resolution" value="1000" units="1/cm"/>
+          <inkml:channelProperty channel="Y" name="resolution" value="1000" units="1/cm"/>
+          <inkml:channelProperty channel="F" name="resolution" value="0" units="1/dev"/>
+        </inkml:channelProperties>
+      </inkml:inkSource>
+      <inkml:timestamp xml:id="ts0" timeString="2023-01-06T09:04:49.367"/>
+    </inkml:context>
+    <inkml:brush xml:id="br0">
+      <inkml:brushProperty name="width" value="0.35" units="cm"/>
+      <inkml:brushProperty name="height" value="0.35" units="cm"/>
+      <inkml:brushProperty name="color" value="#FFFFFF"/>
+    </inkml:brush>
+  </inkml:definitions>
+  <inkml:trace contextRef="#ctx0" brushRef="#br0">0 1 24575,'4'0'0</inkml:trace>
+</inkml:ink>
+</file>
+
+<file path=ppt/ink/ink36.xml><?xml version="1.0" encoding="utf-8"?>
+<inkml:ink xmlns:inkml="http://www.w3.org/2003/InkML">
+  <inkml:definitions>
+    <inkml:context xml:id="ctx0">
+      <inkml:inkSource xml:id="inkSrc0">
+        <inkml:traceFormat>
+          <inkml:channel name="X" type="integer" min="-2.14748E9" max="2.14748E9" units="cm"/>
+          <inkml:channel name="Y" type="integer" min="-2.14748E9" max="2.14748E9" units="cm"/>
+          <inkml:channel name="F" type="integer" max="32767" units="dev"/>
+        </inkml:traceFormat>
+        <inkml:channelProperties>
+          <inkml:channelProperty channel="X" name="resolution" value="1000" units="1/cm"/>
+          <inkml:channelProperty channel="Y" name="resolution" value="1000" units="1/cm"/>
+          <inkml:channelProperty channel="F" name="resolution" value="0" units="1/dev"/>
+        </inkml:channelProperties>
+      </inkml:inkSource>
+      <inkml:timestamp xml:id="ts0" timeString="2023-01-06T09:04:50.115"/>
+    </inkml:context>
+    <inkml:brush xml:id="br0">
+      <inkml:brushProperty name="width" value="0.35" units="cm"/>
+      <inkml:brushProperty name="height" value="0.35" units="cm"/>
+      <inkml:brushProperty name="color" value="#FFFFFF"/>
+    </inkml:brush>
+  </inkml:definitions>
+  <inkml:trace contextRef="#ctx0" brushRef="#br0">0 0 24575</inkml:trace>
+</inkml:ink>
+</file>
+
+<file path=ppt/ink/ink37.xml><?xml version="1.0" encoding="utf-8"?>
+<inkml:ink xmlns:inkml="http://www.w3.org/2003/InkML">
+  <inkml:definitions>
+    <inkml:context xml:id="ctx0">
+      <inkml:inkSource xml:id="inkSrc0">
+        <inkml:traceFormat>
+          <inkml:channel name="X" type="integer" min="-2.14748E9" max="2.14748E9" units="cm"/>
+          <inkml:channel name="Y" type="integer" min="-2.14748E9" max="2.14748E9" units="cm"/>
+          <inkml:channel name="F" type="integer" max="32767" units="dev"/>
+        </inkml:traceFormat>
+        <inkml:channelProperties>
+          <inkml:channelProperty channel="X" name="resolution" value="1000" units="1/cm"/>
+          <inkml:channelProperty channel="Y" name="resolution" value="1000" units="1/cm"/>
+          <inkml:channelProperty channel="F" name="resolution" value="0" units="1/dev"/>
+        </inkml:channelProperties>
+      </inkml:inkSource>
+      <inkml:timestamp xml:id="ts0" timeString="2023-01-06T09:04:50.625"/>
+    </inkml:context>
+    <inkml:brush xml:id="br0">
+      <inkml:brushProperty name="width" value="0.35" units="cm"/>
+      <inkml:brushProperty name="height" value="0.35" units="cm"/>
+      <inkml:brushProperty name="color" value="#FFFFFF"/>
+    </inkml:brush>
+  </inkml:definitions>
+  <inkml:trace contextRef="#ctx0" brushRef="#br0">0 1 24575</inkml:trace>
+</inkml:ink>
+</file>
+
+<file path=ppt/ink/ink38.xml><?xml version="1.0" encoding="utf-8"?>
+<inkml:ink xmlns:inkml="http://www.w3.org/2003/InkML">
+  <inkml:definitions>
+    <inkml:context xml:id="ctx0">
+      <inkml:inkSource xml:id="inkSrc0">
+        <inkml:traceFormat>
+          <inkml:channel name="X" type="integer" min="-2.14748E9" max="2.14748E9" units="cm"/>
+          <inkml:channel name="Y" type="integer" min="-2.14748E9" max="2.14748E9" units="cm"/>
+          <inkml:channel name="F" type="integer" max="32767" units="dev"/>
+        </inkml:traceFormat>
+        <inkml:channelProperties>
+          <inkml:channelProperty channel="X" name="resolution" value="1000" units="1/cm"/>
+          <inkml:channelProperty channel="Y" name="resolution" value="1000" units="1/cm"/>
+          <inkml:channelProperty channel="F" name="resolution" value="0" units="1/dev"/>
+        </inkml:channelProperties>
+      </inkml:inkSource>
+      <inkml:timestamp xml:id="ts0" timeString="2023-01-06T09:04:51.569"/>
+    </inkml:context>
+    <inkml:brush xml:id="br0">
+      <inkml:brushProperty name="width" value="0.35" units="cm"/>
+      <inkml:brushProperty name="height" value="0.35" units="cm"/>
+      <inkml:brushProperty name="color" value="#FFFFFF"/>
+    </inkml:brush>
+  </inkml:definitions>
+  <inkml:trace contextRef="#ctx0" brushRef="#br0">1 1 24575</inkml:trace>
+</inkml:ink>
+</file>
+
+<file path=ppt/ink/ink39.xml><?xml version="1.0" encoding="utf-8"?>
+<inkml:ink xmlns:inkml="http://www.w3.org/2003/InkML">
+  <inkml:definitions>
+    <inkml:context xml:id="ctx0">
+      <inkml:inkSource xml:id="inkSrc0">
+        <inkml:traceFormat>
+          <inkml:channel name="X" type="integer" min="-2.14748E9" max="2.14748E9" units="cm"/>
+          <inkml:channel name="Y" type="integer" min="-2.14748E9" max="2.14748E9" units="cm"/>
+          <inkml:channel name="F" type="integer" max="32767" units="dev"/>
+        </inkml:traceFormat>
+        <inkml:channelProperties>
+          <inkml:channelProperty channel="X" name="resolution" value="1000" units="1/cm"/>
+          <inkml:channelProperty channel="Y" name="resolution" value="1000" units="1/cm"/>
+          <inkml:channelProperty channel="F" name="resolution" value="0" units="1/dev"/>
+        </inkml:channelProperties>
+      </inkml:inkSource>
+      <inkml:timestamp xml:id="ts0" timeString="2023-01-06T09:04:52.147"/>
+    </inkml:context>
+    <inkml:brush xml:id="br0">
+      <inkml:brushProperty name="width" value="0.35" units="cm"/>
+      <inkml:brushProperty name="height" value="0.35" units="cm"/>
+      <inkml:brushProperty name="color" value="#FFFFFF"/>
+    </inkml:brush>
+  </inkml:definitions>
+  <inkml:trace contextRef="#ctx0" brushRef="#br0">0 1 24575</inkml:trace>
+</inkml:ink>
+</file>
+
+<file path=ppt/ink/ink4.xml><?xml version="1.0" encoding="utf-8"?>
+<inkml:ink xmlns:inkml="http://www.w3.org/2003/InkML">
+  <inkml:definitions>
+    <inkml:context xml:id="ctx0">
+      <inkml:inkSource xml:id="inkSrc0">
+        <inkml:traceFormat>
+          <inkml:channel name="X" type="integer" min="-2.14748E9" max="2.14748E9" units="cm"/>
+          <inkml:channel name="Y" type="integer" min="-2.14748E9" max="2.14748E9" units="cm"/>
+          <inkml:channel name="F" type="integer" max="32767" units="dev"/>
+        </inkml:traceFormat>
+        <inkml:channelProperties>
+          <inkml:channelProperty channel="X" name="resolution" value="1000" units="1/cm"/>
+          <inkml:channelProperty channel="Y" name="resolution" value="1000" units="1/cm"/>
+          <inkml:channelProperty channel="F" name="resolution" value="0" units="1/dev"/>
+        </inkml:channelProperties>
+      </inkml:inkSource>
+      <inkml:timestamp xml:id="ts0" timeString="2023-01-06T09:04:14.798"/>
+    </inkml:context>
+    <inkml:brush xml:id="br0">
+      <inkml:brushProperty name="width" value="0.35" units="cm"/>
+      <inkml:brushProperty name="height" value="0.35" units="cm"/>
+      <inkml:brushProperty name="color" value="#FFFFFF"/>
+    </inkml:brush>
+  </inkml:definitions>
+  <inkml:trace contextRef="#ctx0" brushRef="#br0">1 1 24575</inkml:trace>
+</inkml:ink>
+</file>
+
+<file path=ppt/ink/ink40.xml><?xml version="1.0" encoding="utf-8"?>
+<inkml:ink xmlns:inkml="http://www.w3.org/2003/InkML">
+  <inkml:definitions>
+    <inkml:context xml:id="ctx0">
+      <inkml:inkSource xml:id="inkSrc0">
+        <inkml:traceFormat>
+          <inkml:channel name="X" type="integer" min="-2.14748E9" max="2.14748E9" units="cm"/>
+          <inkml:channel name="Y" type="integer" min="-2.14748E9" max="2.14748E9" units="cm"/>
+          <inkml:channel name="F" type="integer" max="32767" units="dev"/>
+        </inkml:traceFormat>
+        <inkml:channelProperties>
+          <inkml:channelProperty channel="X" name="resolution" value="1000" units="1/cm"/>
+          <inkml:channelProperty channel="Y" name="resolution" value="1000" units="1/cm"/>
+          <inkml:channelProperty channel="F" name="resolution" value="0" units="1/dev"/>
+        </inkml:channelProperties>
+      </inkml:inkSource>
+      <inkml:timestamp xml:id="ts0" timeString="2023-01-06T09:04:54.372"/>
+    </inkml:context>
+    <inkml:brush xml:id="br0">
+      <inkml:brushProperty name="width" value="0.35" units="cm"/>
+      <inkml:brushProperty name="height" value="0.35" units="cm"/>
+      <inkml:brushProperty name="color" value="#FFFFFF"/>
+    </inkml:brush>
+  </inkml:definitions>
+  <inkml:trace contextRef="#ctx0" brushRef="#br0">1 1 24575</inkml:trace>
+</inkml:ink>
+</file>
+
+<file path=ppt/ink/ink41.xml><?xml version="1.0" encoding="utf-8"?>
+<inkml:ink xmlns:inkml="http://www.w3.org/2003/InkML">
+  <inkml:definitions>
+    <inkml:context xml:id="ctx0">
+      <inkml:inkSource xml:id="inkSrc0">
+        <inkml:traceFormat>
+          <inkml:channel name="X" type="integer" min="-2.14748E9" max="2.14748E9" units="cm"/>
+          <inkml:channel name="Y" type="integer" min="-2.14748E9" max="2.14748E9" units="cm"/>
+          <inkml:channel name="F" type="integer" max="32767" units="dev"/>
+        </inkml:traceFormat>
+        <inkml:channelProperties>
+          <inkml:channelProperty channel="X" name="resolution" value="1000" units="1/cm"/>
+          <inkml:channelProperty channel="Y" name="resolution" value="1000" units="1/cm"/>
+          <inkml:channelProperty channel="F" name="resolution" value="0" units="1/dev"/>
+        </inkml:channelProperties>
+      </inkml:inkSource>
+      <inkml:timestamp xml:id="ts0" timeString="2023-01-06T09:04:54.900"/>
+    </inkml:context>
+    <inkml:brush xml:id="br0">
+      <inkml:brushProperty name="width" value="0.35" units="cm"/>
+      <inkml:brushProperty name="height" value="0.35" units="cm"/>
+      <inkml:brushProperty name="color" value="#FFFFFF"/>
+    </inkml:brush>
+  </inkml:definitions>
+  <inkml:trace contextRef="#ctx0" brushRef="#br0">0 0 24575</inkml:trace>
+</inkml:ink>
+</file>
+
+<file path=ppt/ink/ink42.xml><?xml version="1.0" encoding="utf-8"?>
+<inkml:ink xmlns:inkml="http://www.w3.org/2003/InkML">
+  <inkml:definitions>
+    <inkml:context xml:id="ctx0">
+      <inkml:inkSource xml:id="inkSrc0">
+        <inkml:traceFormat>
+          <inkml:channel name="X" type="integer" min="-2.14748E9" max="2.14748E9" units="cm"/>
+          <inkml:channel name="Y" type="integer" min="-2.14748E9" max="2.14748E9" units="cm"/>
+          <inkml:channel name="F" type="integer" max="32767" units="dev"/>
+        </inkml:traceFormat>
+        <inkml:channelProperties>
+          <inkml:channelProperty channel="X" name="resolution" value="1000" units="1/cm"/>
+          <inkml:channelProperty channel="Y" name="resolution" value="1000" units="1/cm"/>
+          <inkml:channelProperty channel="F" name="resolution" value="0" units="1/dev"/>
+        </inkml:channelProperties>
+      </inkml:inkSource>
+      <inkml:timestamp xml:id="ts0" timeString="2023-01-06T09:04:55.755"/>
+    </inkml:context>
+    <inkml:brush xml:id="br0">
+      <inkml:brushProperty name="width" value="0.35" units="cm"/>
+      <inkml:brushProperty name="height" value="0.35" units="cm"/>
+      <inkml:brushProperty name="color" value="#FFFFFF"/>
+    </inkml:brush>
+  </inkml:definitions>
+  <inkml:trace contextRef="#ctx0" brushRef="#br0">1 0 24575</inkml:trace>
+</inkml:ink>
+</file>
+
+<file path=ppt/ink/ink43.xml><?xml version="1.0" encoding="utf-8"?>
+<inkml:ink xmlns:inkml="http://www.w3.org/2003/InkML">
+  <inkml:definitions>
+    <inkml:context xml:id="ctx0">
+      <inkml:inkSource xml:id="inkSrc0">
+        <inkml:traceFormat>
+          <inkml:channel name="X" type="integer" min="-2.14748E9" max="2.14748E9" units="cm"/>
+          <inkml:channel name="Y" type="integer" min="-2.14748E9" max="2.14748E9" units="cm"/>
+          <inkml:channel name="F" type="integer" max="32767" units="dev"/>
+        </inkml:traceFormat>
+        <inkml:channelProperties>
+          <inkml:channelProperty channel="X" name="resolution" value="1000" units="1/cm"/>
+          <inkml:channelProperty channel="Y" name="resolution" value="1000" units="1/cm"/>
+          <inkml:channelProperty channel="F" name="resolution" value="0" units="1/dev"/>
+        </inkml:channelProperties>
+      </inkml:inkSource>
+      <inkml:timestamp xml:id="ts0" timeString="2023-01-06T09:04:56.378"/>
+    </inkml:context>
+    <inkml:brush xml:id="br0">
+      <inkml:brushProperty name="width" value="0.35" units="cm"/>
+      <inkml:brushProperty name="height" value="0.35" units="cm"/>
+      <inkml:brushProperty name="color" value="#FFFFFF"/>
+    </inkml:brush>
+  </inkml:definitions>
+  <inkml:trace contextRef="#ctx0" brushRef="#br0">0 0 24575</inkml:trace>
+</inkml:ink>
+</file>
+
+<file path=ppt/ink/ink44.xml><?xml version="1.0" encoding="utf-8"?>
+<inkml:ink xmlns:inkml="http://www.w3.org/2003/InkML">
+  <inkml:definitions>
+    <inkml:context xml:id="ctx0">
+      <inkml:inkSource xml:id="inkSrc0">
+        <inkml:traceFormat>
+          <inkml:channel name="X" type="integer" min="-2.14748E9" max="2.14748E9" units="cm"/>
+          <inkml:channel name="Y" type="integer" min="-2.14748E9" max="2.14748E9" units="cm"/>
+          <inkml:channel name="F" type="integer" max="32767" units="dev"/>
+        </inkml:traceFormat>
+        <inkml:channelProperties>
+          <inkml:channelProperty channel="X" name="resolution" value="1000" units="1/cm"/>
+          <inkml:channelProperty channel="Y" name="resolution" value="1000" units="1/cm"/>
+          <inkml:channelProperty channel="F" name="resolution" value="0" units="1/dev"/>
+        </inkml:channelProperties>
+      </inkml:inkSource>
+      <inkml:timestamp xml:id="ts0" timeString="2023-01-06T09:04:56.985"/>
+    </inkml:context>
+    <inkml:brush xml:id="br0">
+      <inkml:brushProperty name="width" value="0.35" units="cm"/>
+      <inkml:brushProperty name="height" value="0.35" units="cm"/>
+      <inkml:brushProperty name="color" value="#FFFFFF"/>
+    </inkml:brush>
+  </inkml:definitions>
+  <inkml:trace contextRef="#ctx0" brushRef="#br0">1 1 24575</inkml:trace>
+</inkml:ink>
+</file>
+
+<file path=ppt/ink/ink45.xml><?xml version="1.0" encoding="utf-8"?>
+<inkml:ink xmlns:inkml="http://www.w3.org/2003/InkML">
+  <inkml:definitions>
+    <inkml:context xml:id="ctx0">
+      <inkml:inkSource xml:id="inkSrc0">
+        <inkml:traceFormat>
+          <inkml:channel name="X" type="integer" min="-2.14748E9" max="2.14748E9" units="cm"/>
+          <inkml:channel name="Y" type="integer" min="-2.14748E9" max="2.14748E9" units="cm"/>
+          <inkml:channel name="F" type="integer" max="32767" units="dev"/>
+        </inkml:traceFormat>
+        <inkml:channelProperties>
+          <inkml:channelProperty channel="X" name="resolution" value="1000" units="1/cm"/>
+          <inkml:channelProperty channel="Y" name="resolution" value="1000" units="1/cm"/>
+          <inkml:channelProperty channel="F" name="resolution" value="0" units="1/dev"/>
+        </inkml:channelProperties>
+      </inkml:inkSource>
+      <inkml:timestamp xml:id="ts0" timeString="2023-01-06T09:05:02.955"/>
+    </inkml:context>
+    <inkml:brush xml:id="br0">
+      <inkml:brushProperty name="width" value="0.35" units="cm"/>
+      <inkml:brushProperty name="height" value="0.35" units="cm"/>
+      <inkml:brushProperty name="color" value="#FFFFFF"/>
+    </inkml:brush>
+  </inkml:definitions>
+  <inkml:trace contextRef="#ctx0" brushRef="#br0">419 1 24575,'2'84'0,"-4"93"0,0-169 0,0 1 0,0-1 0,0 0 0,-1 1 0,0-1 0,-1-1 0,-8 15 0,7-14 0,1 0 0,0 0 0,0 0 0,1 1 0,0-1 0,-3 18 0,5-20 0,0 1 0,1-1 0,0 1 0,0-1 0,1 1 0,-1-1 0,1 0 0,1 1 0,-1-1 0,1 0 0,0 0 0,1 0 0,-1 0 0,1 0 0,0-1 0,1 1 0,0-1 0,-1 0 0,1 0 0,1 0 0,-1 0 0,1-1 0,0 0 0,0 0 0,0 0 0,10 5 0,-14-9 0,0 1 0,0-1 0,0 0 0,0 1 0,0-1 0,-1 1 0,1 0 0,0-1 0,0 1 0,-1 0 0,1-1 0,0 1 0,-1 0 0,1 0 0,-1-1 0,1 1 0,-1 0 0,1 2 0,-1-3 0,0 1 0,0-1 0,0 1 0,-1-1 0,1 1 0,0-1 0,0 0 0,-1 1 0,1-1 0,0 1 0,0-1 0,-1 0 0,1 1 0,-1-1 0,1 1 0,0-1 0,-1 0 0,1 0 0,-1 1 0,1-1 0,-1 0 0,1 0 0,-1 0 0,0 1 0,-46 9 0,32-8 0,-61 19 0,51-14 0,0 0 0,-1-1 0,-42 3 0,67-9 0,-4 0 0,0 0 0,0 1 0,0-1 0,-1 1 0,1 0 0,0 0 0,0 1 0,0-1 0,-7 5 0,13-5 0,1 0 0,0 0 0,0 0 0,0 0 0,0 0 0,1 0 0,-1 0 0,0-1 0,0 1 0,3-1 0,1 2 0,-1-1 0,-1 0 0,0 0 0,1 1 0,-1 0 0,0-1 0,0 1 0,0 1 0,0-1 0,-1 1 0,1-1 0,-1 1 0,1 0 0,-1 0 0,0 1 0,0-1 0,0 1 0,-1-1 0,1 1 0,-1 0 0,0 0 0,0 0 0,0 0 0,-1 0 0,1 1 0,-1-1 0,0 0 0,1 9 0,1 8 0,-2-15 0,0 0 0,0 0 0,0 0 0,1 0 0,0 0 0,4 8 0,-6-14 0,1 1 0,-1 0 0,0 0 0,1-1 0,-1 1 0,0 0 0,1 0 0,-1 0 0,0 0 0,0 0 0,0-1 0,0 1 0,0 0 0,0 0 0,0 0 0,0 0 0,0 0 0,0 0 0,0 0 0,0-1 0,-1 1 0,1 0 0,0 0 0,-1 0 0,1-1 0,-1 1 0,1 0 0,-1 0 0,1-1 0,-1 1 0,1 0 0,-1-1 0,0 1 0,1-1 0,-1 1 0,0 0 0,1-1 0,-1 0 0,0 1 0,0-1 0,0 1 0,1-1 0,-1 0 0,0 0 0,0 1 0,0-1 0,0 0 0,0 0 0,1 0 0,-1 0 0,-2 0 0,-8 1 0,0 0 0,0-1 0,-14-1 0,14 1 0,-133-2 0,239 3 0,111-3 0,-184-1-227,1-1-1,-1-1 1,0-1-1,0 0 1,23-12-1</inkml:trace>
+</inkml:ink>
+</file>
+
+<file path=ppt/ink/ink46.xml><?xml version="1.0" encoding="utf-8"?>
+<inkml:ink xmlns:inkml="http://www.w3.org/2003/InkML">
+  <inkml:definitions>
+    <inkml:context xml:id="ctx0">
+      <inkml:inkSource xml:id="inkSrc0">
+        <inkml:traceFormat>
+          <inkml:channel name="X" type="integer" min="-2.14748E9" max="2.14748E9" units="cm"/>
+          <inkml:channel name="Y" type="integer" min="-2.14748E9" max="2.14748E9" units="cm"/>
+          <inkml:channel name="F" type="integer" max="32767" units="dev"/>
+        </inkml:traceFormat>
+        <inkml:channelProperties>
+          <inkml:channelProperty channel="X" name="resolution" value="1000" units="1/cm"/>
+          <inkml:channelProperty channel="Y" name="resolution" value="1000" units="1/cm"/>
+          <inkml:channelProperty channel="F" name="resolution" value="0" units="1/dev"/>
+        </inkml:channelProperties>
+      </inkml:inkSource>
+      <inkml:timestamp xml:id="ts0" timeString="2023-01-06T09:05:04.962"/>
+    </inkml:context>
+    <inkml:brush xml:id="br0">
+      <inkml:brushProperty name="width" value="0.35" units="cm"/>
+      <inkml:brushProperty name="height" value="0.35" units="cm"/>
+      <inkml:brushProperty name="color" value="#FFFFFF"/>
+    </inkml:brush>
+  </inkml:definitions>
+  <inkml:trace contextRef="#ctx0" brushRef="#br0">1 1 24575</inkml:trace>
+</inkml:ink>
+</file>
+
+<file path=ppt/ink/ink5.xml><?xml version="1.0" encoding="utf-8"?>
+<inkml:ink xmlns:inkml="http://www.w3.org/2003/InkML">
+  <inkml:definitions>
+    <inkml:context xml:id="ctx0">
+      <inkml:inkSource xml:id="inkSrc0">
+        <inkml:traceFormat>
+          <inkml:channel name="X" type="integer" min="-2.14748E9" max="2.14748E9" units="cm"/>
+          <inkml:channel name="Y" type="integer" min="-2.14748E9" max="2.14748E9" units="cm"/>
+          <inkml:channel name="F" type="integer" max="32767" units="dev"/>
+        </inkml:traceFormat>
+        <inkml:channelProperties>
+          <inkml:channelProperty channel="X" name="resolution" value="1000" units="1/cm"/>
+          <inkml:channelProperty channel="Y" name="resolution" value="1000" units="1/cm"/>
+          <inkml:channelProperty channel="F" name="resolution" value="0" units="1/dev"/>
+        </inkml:channelProperties>
+      </inkml:inkSource>
+      <inkml:timestamp xml:id="ts0" timeString="2023-01-06T09:04:15.236"/>
+    </inkml:context>
+    <inkml:brush xml:id="br0">
+      <inkml:brushProperty name="width" value="0.35" units="cm"/>
+      <inkml:brushProperty name="height" value="0.35" units="cm"/>
+      <inkml:brushProperty name="color" value="#FFFFFF"/>
+    </inkml:brush>
+  </inkml:definitions>
+  <inkml:trace contextRef="#ctx0" brushRef="#br0">0 4 24575,'0'-4'0</inkml:trace>
+</inkml:ink>
+</file>
+
+<file path=ppt/ink/ink6.xml><?xml version="1.0" encoding="utf-8"?>
+<inkml:ink xmlns:inkml="http://www.w3.org/2003/InkML">
+  <inkml:definitions>
+    <inkml:context xml:id="ctx0">
+      <inkml:inkSource xml:id="inkSrc0">
+        <inkml:traceFormat>
+          <inkml:channel name="X" type="integer" min="-2.14748E9" max="2.14748E9" units="cm"/>
+          <inkml:channel name="Y" type="integer" min="-2.14748E9" max="2.14748E9" units="cm"/>
+          <inkml:channel name="F" type="integer" max="32767" units="dev"/>
+        </inkml:traceFormat>
+        <inkml:channelProperties>
+          <inkml:channelProperty channel="X" name="resolution" value="1000" units="1/cm"/>
+          <inkml:channelProperty channel="Y" name="resolution" value="1000" units="1/cm"/>
+          <inkml:channelProperty channel="F" name="resolution" value="0" units="1/dev"/>
+        </inkml:channelProperties>
+      </inkml:inkSource>
+      <inkml:timestamp xml:id="ts0" timeString="2023-01-06T09:04:15.691"/>
+    </inkml:context>
+    <inkml:brush xml:id="br0">
+      <inkml:brushProperty name="width" value="0.35" units="cm"/>
+      <inkml:brushProperty name="height" value="0.35" units="cm"/>
+      <inkml:brushProperty name="color" value="#FFFFFF"/>
+    </inkml:brush>
+  </inkml:definitions>
+  <inkml:trace contextRef="#ctx0" brushRef="#br0">1 0 24575</inkml:trace>
+</inkml:ink>
+</file>
+
+<file path=ppt/ink/ink7.xml><?xml version="1.0" encoding="utf-8"?>
+<inkml:ink xmlns:inkml="http://www.w3.org/2003/InkML">
+  <inkml:definitions>
+    <inkml:context xml:id="ctx0">
+      <inkml:inkSource xml:id="inkSrc0">
+        <inkml:traceFormat>
+          <inkml:channel name="X" type="integer" min="-2.14748E9" max="2.14748E9" units="cm"/>
+          <inkml:channel name="Y" type="integer" min="-2.14748E9" max="2.14748E9" units="cm"/>
+          <inkml:channel name="F" type="integer" max="32767" units="dev"/>
+        </inkml:traceFormat>
+        <inkml:channelProperties>
+          <inkml:channelProperty channel="X" name="resolution" value="1000" units="1/cm"/>
+          <inkml:channelProperty channel="Y" name="resolution" value="1000" units="1/cm"/>
+          <inkml:channelProperty channel="F" name="resolution" value="0" units="1/dev"/>
+        </inkml:channelProperties>
+      </inkml:inkSource>
+      <inkml:timestamp xml:id="ts0" timeString="2023-01-06T09:04:16.096"/>
+    </inkml:context>
+    <inkml:brush xml:id="br0">
+      <inkml:brushProperty name="width" value="0.35" units="cm"/>
+      <inkml:brushProperty name="height" value="0.35" units="cm"/>
+      <inkml:brushProperty name="color" value="#FFFFFF"/>
+    </inkml:brush>
+  </inkml:definitions>
+  <inkml:trace contextRef="#ctx0" brushRef="#br0">0 0 24575</inkml:trace>
+</inkml:ink>
+</file>
+
+<file path=ppt/ink/ink8.xml><?xml version="1.0" encoding="utf-8"?>
+<inkml:ink xmlns:inkml="http://www.w3.org/2003/InkML">
+  <inkml:definitions>
+    <inkml:context xml:id="ctx0">
+      <inkml:inkSource xml:id="inkSrc0">
+        <inkml:traceFormat>
+          <inkml:channel name="X" type="integer" min="-2.14748E9" max="2.14748E9" units="cm"/>
+          <inkml:channel name="Y" type="integer" min="-2.14748E9" max="2.14748E9" units="cm"/>
+          <inkml:channel name="F" type="integer" max="32767" units="dev"/>
+        </inkml:traceFormat>
+        <inkml:channelProperties>
+          <inkml:channelProperty channel="X" name="resolution" value="1000" units="1/cm"/>
+          <inkml:channelProperty channel="Y" name="resolution" value="1000" units="1/cm"/>
+          <inkml:channelProperty channel="F" name="resolution" value="0" units="1/dev"/>
+        </inkml:channelProperties>
+      </inkml:inkSource>
+      <inkml:timestamp xml:id="ts0" timeString="2023-01-06T09:04:16.737"/>
+    </inkml:context>
+    <inkml:brush xml:id="br0">
+      <inkml:brushProperty name="width" value="0.35" units="cm"/>
+      <inkml:brushProperty name="height" value="0.35" units="cm"/>
+      <inkml:brushProperty name="color" value="#FFFFFF"/>
+    </inkml:brush>
+  </inkml:definitions>
+  <inkml:trace contextRef="#ctx0" brushRef="#br0">1 1 24575</inkml:trace>
+</inkml:ink>
+</file>
+
+<file path=ppt/ink/ink9.xml><?xml version="1.0" encoding="utf-8"?>
+<inkml:ink xmlns:inkml="http://www.w3.org/2003/InkML">
+  <inkml:definitions>
+    <inkml:context xml:id="ctx0">
+      <inkml:inkSource xml:id="inkSrc0">
+        <inkml:traceFormat>
+          <inkml:channel name="X" type="integer" min="-2.14748E9" max="2.14748E9" units="cm"/>
+          <inkml:channel name="Y" type="integer" min="-2.14748E9" max="2.14748E9" units="cm"/>
+          <inkml:channel name="F" type="integer" max="32767" units="dev"/>
+        </inkml:traceFormat>
+        <inkml:channelProperties>
+          <inkml:channelProperty channel="X" name="resolution" value="1000" units="1/cm"/>
+          <inkml:channelProperty channel="Y" name="resolution" value="1000" units="1/cm"/>
+          <inkml:channelProperty channel="F" name="resolution" value="0" units="1/dev"/>
+        </inkml:channelProperties>
+      </inkml:inkSource>
+      <inkml:timestamp xml:id="ts0" timeString="2023-01-06T09:04:17.521"/>
+    </inkml:context>
+    <inkml:brush xml:id="br0">
+      <inkml:brushProperty name="width" value="0.35" units="cm"/>
+      <inkml:brushProperty name="height" value="0.35" units="cm"/>
+      <inkml:brushProperty name="color" value="#FFFFFF"/>
+    </inkml:brush>
+  </inkml:definitions>
+  <inkml:trace contextRef="#ctx0" brushRef="#br0">0 0 24575</inkml:trace>
+</inkml:ink>
 </file>
 
 <file path=ppt/notesMasters/notesMaster1.xml><?xml version="1.0" encoding="utf-8"?>
@@ -960,7 +2248,7 @@
         </p:nvSpPr>
         <p:spPr>
           <a:xfrm>
-            <a:off x="381300" y="685800"/>
+            <a:off x="381000" y="685800"/>
             <a:ext cx="6096000" cy="3429000"/>
           </a:xfrm>
           <a:custGeom>
@@ -1064,7 +2352,7 @@
         </p:nvSpPr>
         <p:spPr>
           <a:xfrm>
-            <a:off x="381300" y="685800"/>
+            <a:off x="381000" y="685800"/>
             <a:ext cx="6096000" cy="3429000"/>
           </a:xfrm>
           <a:custGeom>
@@ -1168,7 +2456,7 @@
         </p:nvSpPr>
         <p:spPr>
           <a:xfrm>
-            <a:off x="381300" y="685800"/>
+            <a:off x="381000" y="685800"/>
             <a:ext cx="6096000" cy="3429000"/>
           </a:xfrm>
           <a:custGeom>
@@ -1376,7 +2664,7 @@
         </p:nvSpPr>
         <p:spPr>
           <a:xfrm>
-            <a:off x="381300" y="685800"/>
+            <a:off x="381000" y="685800"/>
             <a:ext cx="6096000" cy="3429000"/>
           </a:xfrm>
           <a:custGeom>
@@ -1584,7 +2872,7 @@
         </p:nvSpPr>
         <p:spPr>
           <a:xfrm>
-            <a:off x="381300" y="685800"/>
+            <a:off x="381000" y="685800"/>
             <a:ext cx="6096000" cy="3429000"/>
           </a:xfrm>
           <a:custGeom>
@@ -15728,6 +17016,72 @@
           </a:p>
         </p:txBody>
       </p:sp>
+      <p:pic>
+        <p:nvPicPr>
+          <p:cNvPr id="3" name="Picture 2" descr="Diagram&#10;&#10;Description automatically generated">
+            <a:extLst>
+              <a:ext uri="{FF2B5EF4-FFF2-40B4-BE49-F238E27FC236}">
+                <a16:creationId xmlns:a16="http://schemas.microsoft.com/office/drawing/2014/main" id="{5D933077-BA3D-C750-CEE0-7A8DC85D26F6}"/>
+              </a:ext>
+            </a:extLst>
+          </p:cNvPr>
+          <p:cNvPicPr>
+            <a:picLocks noChangeAspect="1"/>
+          </p:cNvPicPr>
+          <p:nvPr/>
+        </p:nvPicPr>
+        <p:blipFill>
+          <a:blip r:embed="rId3"/>
+          <a:stretch>
+            <a:fillRect/>
+          </a:stretch>
+        </p:blipFill>
+        <p:spPr>
+          <a:xfrm>
+            <a:off x="5507832" y="3104350"/>
+            <a:ext cx="3478464" cy="1952300"/>
+          </a:xfrm>
+          <a:prstGeom prst="rect">
+            <a:avLst/>
+          </a:prstGeom>
+        </p:spPr>
+      </p:pic>
+      <p:sp>
+        <p:nvSpPr>
+          <p:cNvPr id="4" name="TextBox 3">
+            <a:extLst>
+              <a:ext uri="{FF2B5EF4-FFF2-40B4-BE49-F238E27FC236}">
+                <a16:creationId xmlns:a16="http://schemas.microsoft.com/office/drawing/2014/main" id="{ABFF4304-6A7D-F689-F0E2-45E2D0F4C532}"/>
+              </a:ext>
+            </a:extLst>
+          </p:cNvPr>
+          <p:cNvSpPr txBox="1"/>
+          <p:nvPr/>
+        </p:nvSpPr>
+        <p:spPr>
+          <a:xfrm>
+            <a:off x="6289801" y="4264820"/>
+            <a:ext cx="732505" cy="200055"/>
+          </a:xfrm>
+          <a:prstGeom prst="rect">
+            <a:avLst/>
+          </a:prstGeom>
+          <a:noFill/>
+        </p:spPr>
+        <p:txBody>
+          <a:bodyPr wrap="square" rtlCol="0">
+            <a:spAutoFit/>
+          </a:bodyPr>
+          <a:lstStyle/>
+          <a:p>
+            <a:r>
+              <a:rPr lang="en-US" sz="700" dirty="0"/>
+              <a:t>IH-2022</a:t>
+            </a:r>
+            <a:endParaRPr lang="en-AE" sz="800" dirty="0"/>
+          </a:p>
+        </p:txBody>
+      </p:sp>
     </p:spTree>
   </p:cSld>
   <p:clrMapOvr>
@@ -15815,8 +17169,8 @@
         </p:nvSpPr>
         <p:spPr>
           <a:xfrm>
-            <a:off x="728673" y="1773651"/>
-            <a:ext cx="3733800" cy="2594400"/>
+            <a:off x="1035843" y="758351"/>
+            <a:ext cx="3476635" cy="2334874"/>
           </a:xfrm>
           <a:prstGeom prst="rect">
             <a:avLst/>
@@ -15824,7 +17178,7 @@
         </p:spPr>
         <p:txBody>
           <a:bodyPr spcFirstLastPara="1" wrap="square" lIns="91425" tIns="91425" rIns="91425" bIns="91425" anchor="t" anchorCtr="0">
-            <a:normAutofit lnSpcReduction="10000"/>
+            <a:normAutofit/>
           </a:bodyPr>
           <a:lstStyle/>
           <a:p>
@@ -15851,7 +17205,7 @@
                 <a:cs typeface="Arial"/>
                 <a:sym typeface="Arial"/>
               </a:rPr>
-              <a:t>Double deck</a:t>
+              <a:t>Superjumbo, double deck</a:t>
             </a:r>
             <a:r>
               <a:rPr lang="en-GB" sz="1050" dirty="0">
@@ -15866,7 +17220,7 @@
                 <a:cs typeface="Arial"/>
                 <a:sym typeface="Arial"/>
               </a:rPr>
-              <a:t> for 525 passengers, with a maximum certified capacity for 853 passengers</a:t>
+              <a:t>, capacity for 550 pax</a:t>
             </a:r>
             <a:endParaRPr sz="1050" dirty="0">
               <a:solidFill>
@@ -15908,20 +17262,8 @@
                 <a:cs typeface="Arial"/>
                 <a:sym typeface="Arial"/>
               </a:rPr>
-              <a:t>Project started in mid-1988, Airbus engineers led by Jean Roeder </a:t>
+              <a:t>Project started in mid-1988</a:t>
             </a:r>
-            <a:endParaRPr sz="1050" dirty="0">
-              <a:solidFill>
-                <a:srgbClr val="202122"/>
-              </a:solidFill>
-              <a:highlight>
-                <a:srgbClr val="FFFFFF"/>
-              </a:highlight>
-              <a:latin typeface="Arial"/>
-              <a:ea typeface="Arial"/>
-              <a:cs typeface="Arial"/>
-              <a:sym typeface="Arial"/>
-            </a:endParaRPr>
           </a:p>
           <a:p>
             <a:pPr marL="457200" lvl="0" indent="-311150" algn="l" rtl="0">
@@ -15950,7 +17292,22 @@
                 <a:cs typeface="Arial"/>
                 <a:sym typeface="Arial"/>
               </a:rPr>
-              <a:t>25 Oct 2007 with flight number SQ380 between </a:t>
+              <a:t>25 Oct 2007 with flight </a:t>
+            </a:r>
+            <a:r>
+              <a:rPr lang="en-GB" sz="1050" dirty="0">
+                <a:solidFill>
+                  <a:srgbClr val="202122"/>
+                </a:solidFill>
+                <a:highlight>
+                  <a:srgbClr val="FFFFFF"/>
+                </a:highlight>
+                <a:latin typeface="+mj-lt"/>
+                <a:ea typeface="Arial"/>
+                <a:cs typeface="Arial"/>
+                <a:sym typeface="Arial"/>
+              </a:rPr>
+              <a:t>number SQ380 between </a:t>
             </a:r>
             <a:r>
               <a:rPr lang="en-GB" sz="1050" dirty="0">
@@ -15963,7 +17320,7 @@
                 <a:uFill>
                   <a:noFill/>
                 </a:uFill>
-                <a:latin typeface="Arial"/>
+                <a:latin typeface="+mj-lt"/>
                 <a:ea typeface="Arial"/>
                 <a:cs typeface="Arial"/>
                 <a:sym typeface="Arial"/>
@@ -15985,7 +17342,7 @@
                 <a:highlight>
                   <a:srgbClr val="FFFFFF"/>
                 </a:highlight>
-                <a:latin typeface="Arial"/>
+                <a:latin typeface="+mj-lt"/>
                 <a:ea typeface="Arial"/>
                 <a:cs typeface="Arial"/>
                 <a:sym typeface="Arial"/>
@@ -16003,7 +17360,7 @@
                 <a:uFill>
                   <a:noFill/>
                 </a:uFill>
-                <a:latin typeface="Arial"/>
+                <a:latin typeface="+mj-lt"/>
                 <a:ea typeface="Arial"/>
                 <a:cs typeface="Arial"/>
                 <a:sym typeface="Arial"/>
@@ -16018,10 +17375,14 @@
               <a:t>Sydney</a:t>
             </a:r>
             <a:r>
-              <a:rPr lang="en-GB" dirty="0"/>
+              <a:rPr lang="en-GB" sz="1050" dirty="0">
+                <a:latin typeface="+mj-lt"/>
+              </a:rPr>
               <a:t> by Singapore Airlines</a:t>
             </a:r>
-            <a:endParaRPr dirty="0"/>
+            <a:endParaRPr sz="1050" dirty="0">
+              <a:latin typeface="+mj-lt"/>
+            </a:endParaRPr>
           </a:p>
           <a:p>
             <a:pPr marL="457200" lvl="0" indent="-311150" algn="l" rtl="0">
@@ -16037,6 +17398,21 @@
               <a:buSzPts val="1300"/>
               <a:buChar char="●"/>
             </a:pPr>
+            <a:r>
+              <a:rPr lang="en-GB" sz="1050" dirty="0">
+                <a:solidFill>
+                  <a:srgbClr val="202122"/>
+                </a:solidFill>
+                <a:highlight>
+                  <a:srgbClr val="FFFFFF"/>
+                </a:highlight>
+                <a:latin typeface="+mj-lt"/>
+                <a:ea typeface="Arial"/>
+                <a:cs typeface="Arial"/>
+                <a:sym typeface="Arial"/>
+              </a:rPr>
+              <a:t>On 16 Dec 2021, Emirates received its 123rd A380, which was the 251st and last delivered </a:t>
+            </a:r>
             <a:r>
               <a:rPr lang="en-GB" sz="1050" dirty="0">
                 <a:solidFill>
@@ -16050,7 +17426,7 @@
                 <a:cs typeface="Arial"/>
                 <a:sym typeface="Arial"/>
               </a:rPr>
-              <a:t>On 16 Dec 2021, Emirates received its 123rd A380, which was the 251st and last delivered by Airbus. Retirement of its A380s is planned to be started after 2035</a:t>
+              <a:t>by Airbus. Retirement of its A380s is planned to be started after 2035</a:t>
             </a:r>
             <a:endParaRPr sz="1050" dirty="0">
               <a:solidFill>
@@ -16083,7 +17459,7 @@
         </p:blipFill>
         <p:spPr>
           <a:xfrm>
-            <a:off x="4631522" y="1773651"/>
+            <a:off x="4631523" y="845775"/>
             <a:ext cx="4405450" cy="2948148"/>
           </a:xfrm>
           <a:prstGeom prst="rect">
@@ -16111,8 +17487,8 @@
         </p:blipFill>
         <p:spPr>
           <a:xfrm>
-            <a:off x="1589248" y="689404"/>
-            <a:ext cx="5746451" cy="736875"/>
+            <a:off x="1971549" y="195004"/>
+            <a:ext cx="4747258" cy="494401"/>
           </a:xfrm>
           <a:prstGeom prst="rect">
             <a:avLst/>
@@ -16121,6 +17497,36 @@
           <a:ln>
             <a:noFill/>
           </a:ln>
+        </p:spPr>
+      </p:pic>
+      <p:pic>
+        <p:nvPicPr>
+          <p:cNvPr id="3" name="Picture 2" descr="A picture containing grass, green, garden&#10;&#10;Description automatically generated">
+            <a:extLst>
+              <a:ext uri="{FF2B5EF4-FFF2-40B4-BE49-F238E27FC236}">
+                <a16:creationId xmlns:a16="http://schemas.microsoft.com/office/drawing/2014/main" id="{68439D3C-BB9F-F8C6-ECED-D5AF94DE11DE}"/>
+              </a:ext>
+            </a:extLst>
+          </p:cNvPr>
+          <p:cNvPicPr>
+            <a:picLocks noChangeAspect="1"/>
+          </p:cNvPicPr>
+          <p:nvPr/>
+        </p:nvPicPr>
+        <p:blipFill>
+          <a:blip r:embed="rId7"/>
+          <a:stretch>
+            <a:fillRect/>
+          </a:stretch>
+        </p:blipFill>
+        <p:spPr>
+          <a:xfrm>
+            <a:off x="1303800" y="2900362"/>
+            <a:ext cx="3190707" cy="1955248"/>
+          </a:xfrm>
+          <a:prstGeom prst="rect">
+            <a:avLst/>
+          </a:prstGeom>
         </p:spPr>
       </p:pic>
     </p:spTree>
@@ -16191,10 +17597,10 @@
               <a:buNone/>
             </a:pPr>
             <a:r>
-              <a:rPr lang="en-GB"/>
+              <a:rPr lang="en-GB" dirty="0"/>
               <a:t>This analysis is about EU air traffic recovery after Covid-19 pandemic</a:t>
             </a:r>
-            <a:endParaRPr/>
+            <a:endParaRPr dirty="0"/>
           </a:p>
         </p:txBody>
       </p:sp>
@@ -16234,10 +17640,16 @@
               <a:buChar char="●"/>
             </a:pPr>
             <a:r>
-              <a:rPr lang="en-GB"/>
+              <a:rPr lang="en-GB" dirty="0"/>
               <a:t>Dataset includes records of airports in 27 EU countries</a:t>
             </a:r>
-            <a:endParaRPr/>
+          </a:p>
+          <a:p>
+            <a:r>
+              <a:rPr lang="en-GB" dirty="0"/>
+              <a:t>UK is not included to this analysis (before 2020)</a:t>
+            </a:r>
+            <a:endParaRPr dirty="0"/>
           </a:p>
           <a:p>
             <a:pPr marL="457200" lvl="0" indent="-311150" algn="l" rtl="0">
@@ -16251,10 +17663,10 @@
               <a:buChar char="●"/>
             </a:pPr>
             <a:r>
-              <a:rPr lang="en-GB"/>
+              <a:rPr lang="en-GB" dirty="0"/>
               <a:t>Measurement is arrival-departure flights by each airport, which causes duplications</a:t>
             </a:r>
-            <a:endParaRPr/>
+            <a:endParaRPr dirty="0"/>
           </a:p>
           <a:p>
             <a:pPr marL="457200" lvl="0" indent="-311150" algn="l" rtl="0">
@@ -16268,10 +17680,48 @@
               <a:buChar char="●"/>
             </a:pPr>
             <a:r>
-              <a:rPr lang="en-GB"/>
+              <a:rPr lang="en-GB" dirty="0"/>
               <a:t>Ex: Passengers flying from Amsterdam to Athens are counted in AMS airport as ‘departure’ and after their landing they are counted in ATH airport as ‘arrival’</a:t>
             </a:r>
-            <a:endParaRPr/>
+          </a:p>
+          <a:p>
+            <a:pPr marL="146050" lvl="0" indent="0" algn="l" rtl="0">
+              <a:spcBef>
+                <a:spcPts val="0"/>
+              </a:spcBef>
+              <a:spcAft>
+                <a:spcPts val="0"/>
+              </a:spcAft>
+              <a:buSzPts val="1300"/>
+              <a:buNone/>
+            </a:pPr>
+            <a:endParaRPr lang="en-GB" dirty="0"/>
+          </a:p>
+          <a:p>
+            <a:pPr marL="457200" lvl="0" indent="-311150" algn="l" rtl="0">
+              <a:spcBef>
+                <a:spcPts val="0"/>
+              </a:spcBef>
+              <a:spcAft>
+                <a:spcPts val="0"/>
+              </a:spcAft>
+              <a:buSzPts val="1300"/>
+              <a:buChar char="●"/>
+            </a:pPr>
+            <a:endParaRPr lang="en-GB" dirty="0"/>
+          </a:p>
+          <a:p>
+            <a:pPr marL="146050" lvl="0" indent="0" algn="l" rtl="0">
+              <a:spcBef>
+                <a:spcPts val="0"/>
+              </a:spcBef>
+              <a:spcAft>
+                <a:spcPts val="0"/>
+              </a:spcAft>
+              <a:buSzPts val="1300"/>
+              <a:buNone/>
+            </a:pPr>
+            <a:endParaRPr dirty="0"/>
           </a:p>
           <a:p>
             <a:pPr marL="457200" lvl="0" indent="0" algn="l" rtl="0">
@@ -16283,7 +17733,7 @@
               </a:spcAft>
               <a:buNone/>
             </a:pPr>
-            <a:endParaRPr/>
+            <a:endParaRPr dirty="0"/>
           </a:p>
         </p:txBody>
       </p:sp>
@@ -16302,8 +17752,8 @@
         </p:blipFill>
         <p:spPr>
           <a:xfrm>
-            <a:off x="2132400" y="3088550"/>
-            <a:ext cx="4136249" cy="1905525"/>
+            <a:off x="2750343" y="3515912"/>
+            <a:ext cx="3261130" cy="1407913"/>
           </a:xfrm>
           <a:prstGeom prst="rect">
             <a:avLst/>
@@ -16351,8 +17801,8 @@
         </p:nvSpPr>
         <p:spPr>
           <a:xfrm>
-            <a:off x="1303800" y="598575"/>
-            <a:ext cx="7030500" cy="999300"/>
+            <a:off x="1152600" y="598575"/>
+            <a:ext cx="7181700" cy="507801"/>
           </a:xfrm>
           <a:prstGeom prst="rect">
             <a:avLst/>
@@ -16360,7 +17810,7 @@
         </p:spPr>
         <p:txBody>
           <a:bodyPr spcFirstLastPara="1" wrap="square" lIns="91425" tIns="91425" rIns="91425" bIns="91425" anchor="t" anchorCtr="0">
-            <a:normAutofit/>
+            <a:normAutofit fontScale="90000"/>
           </a:bodyPr>
           <a:lstStyle/>
           <a:p>
@@ -16373,7 +17823,7 @@
               </a:spcAft>
               <a:buNone/>
             </a:pPr>
-            <a:endParaRPr/>
+            <a:endParaRPr dirty="0"/>
           </a:p>
         </p:txBody>
       </p:sp>
@@ -16540,7 +17990,7 @@
               </a:spcAft>
               <a:buNone/>
             </a:pPr>
-            <a:endParaRPr/>
+            <a:endParaRPr dirty="0"/>
           </a:p>
         </p:txBody>
       </p:sp>
@@ -16572,6 +18022,38 @@
           </a:ln>
         </p:spPr>
       </p:pic>
+      <p:sp>
+        <p:nvSpPr>
+          <p:cNvPr id="2" name="TextBox 1">
+            <a:extLst>
+              <a:ext uri="{FF2B5EF4-FFF2-40B4-BE49-F238E27FC236}">
+                <a16:creationId xmlns:a16="http://schemas.microsoft.com/office/drawing/2014/main" id="{4C546D6E-35A4-A7BF-F629-0EF48409C45A}"/>
+              </a:ext>
+            </a:extLst>
+          </p:cNvPr>
+          <p:cNvSpPr txBox="1"/>
+          <p:nvPr/>
+        </p:nvSpPr>
+        <p:spPr>
+          <a:xfrm>
+            <a:off x="7236619" y="1750219"/>
+            <a:ext cx="885825" cy="685800"/>
+          </a:xfrm>
+          <a:prstGeom prst="rect">
+            <a:avLst/>
+          </a:prstGeom>
+          <a:noFill/>
+        </p:spPr>
+        <p:txBody>
+          <a:bodyPr wrap="square" rtlCol="0">
+            <a:spAutoFit/>
+          </a:bodyPr>
+          <a:lstStyle/>
+          <a:p>
+            <a:endParaRPr lang="en-AE" dirty="0"/>
+          </a:p>
+        </p:txBody>
+      </p:sp>
     </p:spTree>
   </p:cSld>
   <p:clrMapOvr>
@@ -16792,6 +18274,2413 @@
           </a:ln>
         </p:spPr>
       </p:pic>
+      <p:grpSp>
+        <p:nvGrpSpPr>
+          <p:cNvPr id="321" name="Group 320">
+            <a:extLst>
+              <a:ext uri="{FF2B5EF4-FFF2-40B4-BE49-F238E27FC236}">
+                <a16:creationId xmlns:a16="http://schemas.microsoft.com/office/drawing/2014/main" id="{87F64A8A-4FF0-CE93-8602-0134FC1E5B8C}"/>
+              </a:ext>
+            </a:extLst>
+          </p:cNvPr>
+          <p:cNvGrpSpPr/>
+          <p:nvPr/>
+        </p:nvGrpSpPr>
+        <p:grpSpPr>
+          <a:xfrm>
+            <a:off x="6028391" y="3814436"/>
+            <a:ext cx="465120" cy="1229400"/>
+            <a:chOff x="6028391" y="3814436"/>
+            <a:chExt cx="465120" cy="1229400"/>
+          </a:xfrm>
+        </p:grpSpPr>
+        <mc:AlternateContent xmlns:mc="http://schemas.openxmlformats.org/markup-compatibility/2006">
+          <mc:Choice xmlns:p14="http://schemas.microsoft.com/office/powerpoint/2010/main" Requires="p14">
+            <p:contentPart p14:bwMode="auto" r:id="rId4">
+              <p14:nvContentPartPr>
+                <p14:cNvPr id="4" name="Ink 3">
+                  <a:extLst>
+                    <a:ext uri="{FF2B5EF4-FFF2-40B4-BE49-F238E27FC236}">
+                      <a16:creationId xmlns:a16="http://schemas.microsoft.com/office/drawing/2014/main" id="{85ED3198-C56D-1B9F-8096-B197DACDF590}"/>
+                    </a:ext>
+                  </a:extLst>
+                </p14:cNvPr>
+                <p14:cNvContentPartPr/>
+                <p14:nvPr/>
+              </p14:nvContentPartPr>
+              <p14:xfrm>
+                <a:off x="6129191" y="3814436"/>
+                <a:ext cx="360" cy="360"/>
+              </p14:xfrm>
+            </p:contentPart>
+          </mc:Choice>
+          <mc:Fallback>
+            <p:pic>
+              <p:nvPicPr>
+                <p:cNvPr id="4" name="Ink 3">
+                  <a:extLst>
+                    <a:ext uri="{FF2B5EF4-FFF2-40B4-BE49-F238E27FC236}">
+                      <a16:creationId xmlns:a16="http://schemas.microsoft.com/office/drawing/2014/main" id="{85ED3198-C56D-1B9F-8096-B197DACDF590}"/>
+                    </a:ext>
+                  </a:extLst>
+                </p:cNvPr>
+                <p:cNvPicPr/>
+                <p:nvPr/>
+              </p:nvPicPr>
+              <p:blipFill>
+                <a:blip r:embed="rId5"/>
+                <a:stretch>
+                  <a:fillRect/>
+                </a:stretch>
+              </p:blipFill>
+              <p:spPr>
+                <a:xfrm>
+                  <a:off x="6066191" y="3751796"/>
+                  <a:ext cx="126000" cy="126000"/>
+                </a:xfrm>
+                <a:prstGeom prst="rect">
+                  <a:avLst/>
+                </a:prstGeom>
+              </p:spPr>
+            </p:pic>
+          </mc:Fallback>
+        </mc:AlternateContent>
+        <mc:AlternateContent xmlns:mc="http://schemas.openxmlformats.org/markup-compatibility/2006">
+          <mc:Choice xmlns:p14="http://schemas.microsoft.com/office/powerpoint/2010/main" Requires="p14">
+            <p:contentPart p14:bwMode="auto" r:id="rId6">
+              <p14:nvContentPartPr>
+                <p14:cNvPr id="5" name="Ink 4">
+                  <a:extLst>
+                    <a:ext uri="{FF2B5EF4-FFF2-40B4-BE49-F238E27FC236}">
+                      <a16:creationId xmlns:a16="http://schemas.microsoft.com/office/drawing/2014/main" id="{C8DEBC47-66BC-DAA3-4CA9-379F263D0582}"/>
+                    </a:ext>
+                  </a:extLst>
+                </p14:cNvPr>
+                <p14:cNvContentPartPr/>
+                <p14:nvPr/>
+              </p14:nvContentPartPr>
+              <p14:xfrm>
+                <a:off x="6057551" y="3814436"/>
+                <a:ext cx="360" cy="360"/>
+              </p14:xfrm>
+            </p:contentPart>
+          </mc:Choice>
+          <mc:Fallback>
+            <p:pic>
+              <p:nvPicPr>
+                <p:cNvPr id="5" name="Ink 4">
+                  <a:extLst>
+                    <a:ext uri="{FF2B5EF4-FFF2-40B4-BE49-F238E27FC236}">
+                      <a16:creationId xmlns:a16="http://schemas.microsoft.com/office/drawing/2014/main" id="{C8DEBC47-66BC-DAA3-4CA9-379F263D0582}"/>
+                    </a:ext>
+                  </a:extLst>
+                </p:cNvPr>
+                <p:cNvPicPr/>
+                <p:nvPr/>
+              </p:nvPicPr>
+              <p:blipFill>
+                <a:blip r:embed="rId5"/>
+                <a:stretch>
+                  <a:fillRect/>
+                </a:stretch>
+              </p:blipFill>
+              <p:spPr>
+                <a:xfrm>
+                  <a:off x="5994911" y="3751796"/>
+                  <a:ext cx="126000" cy="126000"/>
+                </a:xfrm>
+                <a:prstGeom prst="rect">
+                  <a:avLst/>
+                </a:prstGeom>
+              </p:spPr>
+            </p:pic>
+          </mc:Fallback>
+        </mc:AlternateContent>
+        <mc:AlternateContent xmlns:mc="http://schemas.openxmlformats.org/markup-compatibility/2006">
+          <mc:Choice xmlns:p14="http://schemas.microsoft.com/office/powerpoint/2010/main" Requires="p14">
+            <p:contentPart p14:bwMode="auto" r:id="rId7">
+              <p14:nvContentPartPr>
+                <p14:cNvPr id="6" name="Ink 5">
+                  <a:extLst>
+                    <a:ext uri="{FF2B5EF4-FFF2-40B4-BE49-F238E27FC236}">
+                      <a16:creationId xmlns:a16="http://schemas.microsoft.com/office/drawing/2014/main" id="{DD8E6AD9-43AA-6063-55E7-2E04F1C54AB8}"/>
+                    </a:ext>
+                  </a:extLst>
+                </p14:cNvPr>
+                <p14:cNvContentPartPr/>
+                <p14:nvPr/>
+              </p14:nvContentPartPr>
+              <p14:xfrm>
+                <a:off x="6035951" y="3886076"/>
+                <a:ext cx="360" cy="360"/>
+              </p14:xfrm>
+            </p:contentPart>
+          </mc:Choice>
+          <mc:Fallback>
+            <p:pic>
+              <p:nvPicPr>
+                <p:cNvPr id="6" name="Ink 5">
+                  <a:extLst>
+                    <a:ext uri="{FF2B5EF4-FFF2-40B4-BE49-F238E27FC236}">
+                      <a16:creationId xmlns:a16="http://schemas.microsoft.com/office/drawing/2014/main" id="{DD8E6AD9-43AA-6063-55E7-2E04F1C54AB8}"/>
+                    </a:ext>
+                  </a:extLst>
+                </p:cNvPr>
+                <p:cNvPicPr/>
+                <p:nvPr/>
+              </p:nvPicPr>
+              <p:blipFill>
+                <a:blip r:embed="rId5"/>
+                <a:stretch>
+                  <a:fillRect/>
+                </a:stretch>
+              </p:blipFill>
+              <p:spPr>
+                <a:xfrm>
+                  <a:off x="5973311" y="3823076"/>
+                  <a:ext cx="126000" cy="126000"/>
+                </a:xfrm>
+                <a:prstGeom prst="rect">
+                  <a:avLst/>
+                </a:prstGeom>
+              </p:spPr>
+            </p:pic>
+          </mc:Fallback>
+        </mc:AlternateContent>
+        <mc:AlternateContent xmlns:mc="http://schemas.openxmlformats.org/markup-compatibility/2006">
+          <mc:Choice xmlns:p14="http://schemas.microsoft.com/office/powerpoint/2010/main" Requires="p14">
+            <p:contentPart p14:bwMode="auto" r:id="rId8">
+              <p14:nvContentPartPr>
+                <p14:cNvPr id="7" name="Ink 6">
+                  <a:extLst>
+                    <a:ext uri="{FF2B5EF4-FFF2-40B4-BE49-F238E27FC236}">
+                      <a16:creationId xmlns:a16="http://schemas.microsoft.com/office/drawing/2014/main" id="{ACD605F4-594A-C297-B3D7-3DE08895DE8D}"/>
+                    </a:ext>
+                  </a:extLst>
+                </p14:cNvPr>
+                <p14:cNvContentPartPr/>
+                <p14:nvPr/>
+              </p14:nvContentPartPr>
+              <p14:xfrm>
+                <a:off x="6035951" y="3921356"/>
+                <a:ext cx="360" cy="360"/>
+              </p14:xfrm>
+            </p:contentPart>
+          </mc:Choice>
+          <mc:Fallback>
+            <p:pic>
+              <p:nvPicPr>
+                <p:cNvPr id="7" name="Ink 6">
+                  <a:extLst>
+                    <a:ext uri="{FF2B5EF4-FFF2-40B4-BE49-F238E27FC236}">
+                      <a16:creationId xmlns:a16="http://schemas.microsoft.com/office/drawing/2014/main" id="{ACD605F4-594A-C297-B3D7-3DE08895DE8D}"/>
+                    </a:ext>
+                  </a:extLst>
+                </p:cNvPr>
+                <p:cNvPicPr/>
+                <p:nvPr/>
+              </p:nvPicPr>
+              <p:blipFill>
+                <a:blip r:embed="rId5"/>
+                <a:stretch>
+                  <a:fillRect/>
+                </a:stretch>
+              </p:blipFill>
+              <p:spPr>
+                <a:xfrm>
+                  <a:off x="5973311" y="3858716"/>
+                  <a:ext cx="126000" cy="126000"/>
+                </a:xfrm>
+                <a:prstGeom prst="rect">
+                  <a:avLst/>
+                </a:prstGeom>
+              </p:spPr>
+            </p:pic>
+          </mc:Fallback>
+        </mc:AlternateContent>
+        <mc:AlternateContent xmlns:mc="http://schemas.openxmlformats.org/markup-compatibility/2006">
+          <mc:Choice xmlns:p14="http://schemas.microsoft.com/office/powerpoint/2010/main" Requires="p14">
+            <p:contentPart p14:bwMode="auto" r:id="rId9">
+              <p14:nvContentPartPr>
+                <p14:cNvPr id="8" name="Ink 7">
+                  <a:extLst>
+                    <a:ext uri="{FF2B5EF4-FFF2-40B4-BE49-F238E27FC236}">
+                      <a16:creationId xmlns:a16="http://schemas.microsoft.com/office/drawing/2014/main" id="{A2F46D21-E1E7-F816-C05D-9B041418B063}"/>
+                    </a:ext>
+                  </a:extLst>
+                </p14:cNvPr>
+                <p14:cNvContentPartPr/>
+                <p14:nvPr/>
+              </p14:nvContentPartPr>
+              <p14:xfrm>
+                <a:off x="6179231" y="3920276"/>
+                <a:ext cx="360" cy="1440"/>
+              </p14:xfrm>
+            </p:contentPart>
+          </mc:Choice>
+          <mc:Fallback>
+            <p:pic>
+              <p:nvPicPr>
+                <p:cNvPr id="8" name="Ink 7">
+                  <a:extLst>
+                    <a:ext uri="{FF2B5EF4-FFF2-40B4-BE49-F238E27FC236}">
+                      <a16:creationId xmlns:a16="http://schemas.microsoft.com/office/drawing/2014/main" id="{A2F46D21-E1E7-F816-C05D-9B041418B063}"/>
+                    </a:ext>
+                  </a:extLst>
+                </p:cNvPr>
+                <p:cNvPicPr/>
+                <p:nvPr/>
+              </p:nvPicPr>
+              <p:blipFill>
+                <a:blip r:embed="rId10"/>
+                <a:stretch>
+                  <a:fillRect/>
+                </a:stretch>
+              </p:blipFill>
+              <p:spPr>
+                <a:xfrm>
+                  <a:off x="6116231" y="3857276"/>
+                  <a:ext cx="126000" cy="127080"/>
+                </a:xfrm>
+                <a:prstGeom prst="rect">
+                  <a:avLst/>
+                </a:prstGeom>
+              </p:spPr>
+            </p:pic>
+          </mc:Fallback>
+        </mc:AlternateContent>
+        <mc:AlternateContent xmlns:mc="http://schemas.openxmlformats.org/markup-compatibility/2006">
+          <mc:Choice xmlns:p14="http://schemas.microsoft.com/office/powerpoint/2010/main" Requires="p14">
+            <p:contentPart p14:bwMode="auto" r:id="rId11">
+              <p14:nvContentPartPr>
+                <p14:cNvPr id="9" name="Ink 8">
+                  <a:extLst>
+                    <a:ext uri="{FF2B5EF4-FFF2-40B4-BE49-F238E27FC236}">
+                      <a16:creationId xmlns:a16="http://schemas.microsoft.com/office/drawing/2014/main" id="{32EB2074-CB32-9129-7916-B4D8D944780E}"/>
+                    </a:ext>
+                  </a:extLst>
+                </p14:cNvPr>
+                <p14:cNvContentPartPr/>
+                <p14:nvPr/>
+              </p14:nvContentPartPr>
+              <p14:xfrm>
+                <a:off x="6186071" y="3907316"/>
+                <a:ext cx="360" cy="360"/>
+              </p14:xfrm>
+            </p:contentPart>
+          </mc:Choice>
+          <mc:Fallback>
+            <p:pic>
+              <p:nvPicPr>
+                <p:cNvPr id="9" name="Ink 8">
+                  <a:extLst>
+                    <a:ext uri="{FF2B5EF4-FFF2-40B4-BE49-F238E27FC236}">
+                      <a16:creationId xmlns:a16="http://schemas.microsoft.com/office/drawing/2014/main" id="{32EB2074-CB32-9129-7916-B4D8D944780E}"/>
+                    </a:ext>
+                  </a:extLst>
+                </p:cNvPr>
+                <p:cNvPicPr/>
+                <p:nvPr/>
+              </p:nvPicPr>
+              <p:blipFill>
+                <a:blip r:embed="rId5"/>
+                <a:stretch>
+                  <a:fillRect/>
+                </a:stretch>
+              </p:blipFill>
+              <p:spPr>
+                <a:xfrm>
+                  <a:off x="6123431" y="3844316"/>
+                  <a:ext cx="126000" cy="126000"/>
+                </a:xfrm>
+                <a:prstGeom prst="rect">
+                  <a:avLst/>
+                </a:prstGeom>
+              </p:spPr>
+            </p:pic>
+          </mc:Fallback>
+        </mc:AlternateContent>
+        <mc:AlternateContent xmlns:mc="http://schemas.openxmlformats.org/markup-compatibility/2006">
+          <mc:Choice xmlns:p14="http://schemas.microsoft.com/office/powerpoint/2010/main" Requires="p14">
+            <p:contentPart p14:bwMode="auto" r:id="rId12">
+              <p14:nvContentPartPr>
+                <p14:cNvPr id="10" name="Ink 9">
+                  <a:extLst>
+                    <a:ext uri="{FF2B5EF4-FFF2-40B4-BE49-F238E27FC236}">
+                      <a16:creationId xmlns:a16="http://schemas.microsoft.com/office/drawing/2014/main" id="{8A5B573A-FEBF-C459-D05F-89AD25EB58AD}"/>
+                    </a:ext>
+                  </a:extLst>
+                </p14:cNvPr>
+                <p14:cNvContentPartPr/>
+                <p14:nvPr/>
+              </p14:nvContentPartPr>
+              <p14:xfrm>
+                <a:off x="6071951" y="4021796"/>
+                <a:ext cx="360" cy="360"/>
+              </p14:xfrm>
+            </p:contentPart>
+          </mc:Choice>
+          <mc:Fallback>
+            <p:pic>
+              <p:nvPicPr>
+                <p:cNvPr id="10" name="Ink 9">
+                  <a:extLst>
+                    <a:ext uri="{FF2B5EF4-FFF2-40B4-BE49-F238E27FC236}">
+                      <a16:creationId xmlns:a16="http://schemas.microsoft.com/office/drawing/2014/main" id="{8A5B573A-FEBF-C459-D05F-89AD25EB58AD}"/>
+                    </a:ext>
+                  </a:extLst>
+                </p:cNvPr>
+                <p:cNvPicPr/>
+                <p:nvPr/>
+              </p:nvPicPr>
+              <p:blipFill>
+                <a:blip r:embed="rId5"/>
+                <a:stretch>
+                  <a:fillRect/>
+                </a:stretch>
+              </p:blipFill>
+              <p:spPr>
+                <a:xfrm>
+                  <a:off x="6008951" y="3958796"/>
+                  <a:ext cx="126000" cy="126000"/>
+                </a:xfrm>
+                <a:prstGeom prst="rect">
+                  <a:avLst/>
+                </a:prstGeom>
+              </p:spPr>
+            </p:pic>
+          </mc:Fallback>
+        </mc:AlternateContent>
+        <mc:AlternateContent xmlns:mc="http://schemas.openxmlformats.org/markup-compatibility/2006">
+          <mc:Choice xmlns:p14="http://schemas.microsoft.com/office/powerpoint/2010/main" Requires="p14">
+            <p:contentPart p14:bwMode="auto" r:id="rId13">
+              <p14:nvContentPartPr>
+                <p14:cNvPr id="11" name="Ink 10">
+                  <a:extLst>
+                    <a:ext uri="{FF2B5EF4-FFF2-40B4-BE49-F238E27FC236}">
+                      <a16:creationId xmlns:a16="http://schemas.microsoft.com/office/drawing/2014/main" id="{24CC8CBB-D8A1-5626-77AF-6A7CD8605BBC}"/>
+                    </a:ext>
+                  </a:extLst>
+                </p14:cNvPr>
+                <p14:cNvContentPartPr/>
+                <p14:nvPr/>
+              </p14:nvContentPartPr>
+              <p14:xfrm>
+                <a:off x="6078791" y="4078676"/>
+                <a:ext cx="360" cy="360"/>
+              </p14:xfrm>
+            </p:contentPart>
+          </mc:Choice>
+          <mc:Fallback>
+            <p:pic>
+              <p:nvPicPr>
+                <p:cNvPr id="11" name="Ink 10">
+                  <a:extLst>
+                    <a:ext uri="{FF2B5EF4-FFF2-40B4-BE49-F238E27FC236}">
+                      <a16:creationId xmlns:a16="http://schemas.microsoft.com/office/drawing/2014/main" id="{24CC8CBB-D8A1-5626-77AF-6A7CD8605BBC}"/>
+                    </a:ext>
+                  </a:extLst>
+                </p:cNvPr>
+                <p:cNvPicPr/>
+                <p:nvPr/>
+              </p:nvPicPr>
+              <p:blipFill>
+                <a:blip r:embed="rId5"/>
+                <a:stretch>
+                  <a:fillRect/>
+                </a:stretch>
+              </p:blipFill>
+              <p:spPr>
+                <a:xfrm>
+                  <a:off x="6016151" y="4016036"/>
+                  <a:ext cx="126000" cy="126000"/>
+                </a:xfrm>
+                <a:prstGeom prst="rect">
+                  <a:avLst/>
+                </a:prstGeom>
+              </p:spPr>
+            </p:pic>
+          </mc:Fallback>
+        </mc:AlternateContent>
+        <mc:AlternateContent xmlns:mc="http://schemas.openxmlformats.org/markup-compatibility/2006">
+          <mc:Choice xmlns:p14="http://schemas.microsoft.com/office/powerpoint/2010/main" Requires="p14">
+            <p:contentPart p14:bwMode="auto" r:id="rId14">
+              <p14:nvContentPartPr>
+                <p14:cNvPr id="12" name="Ink 11">
+                  <a:extLst>
+                    <a:ext uri="{FF2B5EF4-FFF2-40B4-BE49-F238E27FC236}">
+                      <a16:creationId xmlns:a16="http://schemas.microsoft.com/office/drawing/2014/main" id="{02993B66-8DF6-912D-68CB-B9F8C2718FF7}"/>
+                    </a:ext>
+                  </a:extLst>
+                </p14:cNvPr>
+                <p14:cNvContentPartPr/>
+                <p14:nvPr/>
+              </p14:nvContentPartPr>
+              <p14:xfrm>
+                <a:off x="6093551" y="4135916"/>
+                <a:ext cx="360" cy="360"/>
+              </p14:xfrm>
+            </p:contentPart>
+          </mc:Choice>
+          <mc:Fallback>
+            <p:pic>
+              <p:nvPicPr>
+                <p:cNvPr id="12" name="Ink 11">
+                  <a:extLst>
+                    <a:ext uri="{FF2B5EF4-FFF2-40B4-BE49-F238E27FC236}">
+                      <a16:creationId xmlns:a16="http://schemas.microsoft.com/office/drawing/2014/main" id="{02993B66-8DF6-912D-68CB-B9F8C2718FF7}"/>
+                    </a:ext>
+                  </a:extLst>
+                </p:cNvPr>
+                <p:cNvPicPr/>
+                <p:nvPr/>
+              </p:nvPicPr>
+              <p:blipFill>
+                <a:blip r:embed="rId5"/>
+                <a:stretch>
+                  <a:fillRect/>
+                </a:stretch>
+              </p:blipFill>
+              <p:spPr>
+                <a:xfrm>
+                  <a:off x="6030551" y="4072916"/>
+                  <a:ext cx="126000" cy="126000"/>
+                </a:xfrm>
+                <a:prstGeom prst="rect">
+                  <a:avLst/>
+                </a:prstGeom>
+              </p:spPr>
+            </p:pic>
+          </mc:Fallback>
+        </mc:AlternateContent>
+        <mc:AlternateContent xmlns:mc="http://schemas.openxmlformats.org/markup-compatibility/2006">
+          <mc:Choice xmlns:p14="http://schemas.microsoft.com/office/powerpoint/2010/main" Requires="p14">
+            <p:contentPart p14:bwMode="auto" r:id="rId15">
+              <p14:nvContentPartPr>
+                <p14:cNvPr id="13" name="Ink 12">
+                  <a:extLst>
+                    <a:ext uri="{FF2B5EF4-FFF2-40B4-BE49-F238E27FC236}">
+                      <a16:creationId xmlns:a16="http://schemas.microsoft.com/office/drawing/2014/main" id="{4378EAF8-1C4A-C26A-6E28-23F652094FAC}"/>
+                    </a:ext>
+                  </a:extLst>
+                </p14:cNvPr>
+                <p14:cNvContentPartPr/>
+                <p14:nvPr/>
+              </p14:nvContentPartPr>
+              <p14:xfrm>
+                <a:off x="6235031" y="4028636"/>
+                <a:ext cx="1440" cy="360"/>
+              </p14:xfrm>
+            </p:contentPart>
+          </mc:Choice>
+          <mc:Fallback>
+            <p:pic>
+              <p:nvPicPr>
+                <p:cNvPr id="13" name="Ink 12">
+                  <a:extLst>
+                    <a:ext uri="{FF2B5EF4-FFF2-40B4-BE49-F238E27FC236}">
+                      <a16:creationId xmlns:a16="http://schemas.microsoft.com/office/drawing/2014/main" id="{4378EAF8-1C4A-C26A-6E28-23F652094FAC}"/>
+                    </a:ext>
+                  </a:extLst>
+                </p:cNvPr>
+                <p:cNvPicPr/>
+                <p:nvPr/>
+              </p:nvPicPr>
+              <p:blipFill>
+                <a:blip r:embed="rId16"/>
+                <a:stretch>
+                  <a:fillRect/>
+                </a:stretch>
+              </p:blipFill>
+              <p:spPr>
+                <a:xfrm>
+                  <a:off x="6172031" y="3965996"/>
+                  <a:ext cx="127080" cy="126000"/>
+                </a:xfrm>
+                <a:prstGeom prst="rect">
+                  <a:avLst/>
+                </a:prstGeom>
+              </p:spPr>
+            </p:pic>
+          </mc:Fallback>
+        </mc:AlternateContent>
+        <mc:AlternateContent xmlns:mc="http://schemas.openxmlformats.org/markup-compatibility/2006">
+          <mc:Choice xmlns:p14="http://schemas.microsoft.com/office/powerpoint/2010/main" Requires="p14">
+            <p:contentPart p14:bwMode="auto" r:id="rId17">
+              <p14:nvContentPartPr>
+                <p14:cNvPr id="14" name="Ink 13">
+                  <a:extLst>
+                    <a:ext uri="{FF2B5EF4-FFF2-40B4-BE49-F238E27FC236}">
+                      <a16:creationId xmlns:a16="http://schemas.microsoft.com/office/drawing/2014/main" id="{6D0A446B-F1F5-8FE3-56E1-0237789FE159}"/>
+                    </a:ext>
+                  </a:extLst>
+                </p14:cNvPr>
+                <p14:cNvContentPartPr/>
+                <p14:nvPr/>
+              </p14:nvContentPartPr>
+              <p14:xfrm>
+                <a:off x="6214871" y="4164356"/>
+                <a:ext cx="360" cy="360"/>
+              </p14:xfrm>
+            </p:contentPart>
+          </mc:Choice>
+          <mc:Fallback>
+            <p:pic>
+              <p:nvPicPr>
+                <p:cNvPr id="14" name="Ink 13">
+                  <a:extLst>
+                    <a:ext uri="{FF2B5EF4-FFF2-40B4-BE49-F238E27FC236}">
+                      <a16:creationId xmlns:a16="http://schemas.microsoft.com/office/drawing/2014/main" id="{6D0A446B-F1F5-8FE3-56E1-0237789FE159}"/>
+                    </a:ext>
+                  </a:extLst>
+                </p:cNvPr>
+                <p:cNvPicPr/>
+                <p:nvPr/>
+              </p:nvPicPr>
+              <p:blipFill>
+                <a:blip r:embed="rId5"/>
+                <a:stretch>
+                  <a:fillRect/>
+                </a:stretch>
+              </p:blipFill>
+              <p:spPr>
+                <a:xfrm>
+                  <a:off x="6152231" y="4101716"/>
+                  <a:ext cx="126000" cy="126000"/>
+                </a:xfrm>
+                <a:prstGeom prst="rect">
+                  <a:avLst/>
+                </a:prstGeom>
+              </p:spPr>
+            </p:pic>
+          </mc:Fallback>
+        </mc:AlternateContent>
+        <mc:AlternateContent xmlns:mc="http://schemas.openxmlformats.org/markup-compatibility/2006">
+          <mc:Choice xmlns:p14="http://schemas.microsoft.com/office/powerpoint/2010/main" Requires="p14">
+            <p:contentPart p14:bwMode="auto" r:id="rId18">
+              <p14:nvContentPartPr>
+                <p14:cNvPr id="15" name="Ink 14">
+                  <a:extLst>
+                    <a:ext uri="{FF2B5EF4-FFF2-40B4-BE49-F238E27FC236}">
+                      <a16:creationId xmlns:a16="http://schemas.microsoft.com/office/drawing/2014/main" id="{B93BF0B8-30D4-47DA-139A-34D0D17EFE85}"/>
+                    </a:ext>
+                  </a:extLst>
+                </p14:cNvPr>
+                <p14:cNvContentPartPr/>
+                <p14:nvPr/>
+              </p14:nvContentPartPr>
+              <p14:xfrm>
+                <a:off x="6121631" y="4214396"/>
+                <a:ext cx="360" cy="360"/>
+              </p14:xfrm>
+            </p:contentPart>
+          </mc:Choice>
+          <mc:Fallback>
+            <p:pic>
+              <p:nvPicPr>
+                <p:cNvPr id="15" name="Ink 14">
+                  <a:extLst>
+                    <a:ext uri="{FF2B5EF4-FFF2-40B4-BE49-F238E27FC236}">
+                      <a16:creationId xmlns:a16="http://schemas.microsoft.com/office/drawing/2014/main" id="{B93BF0B8-30D4-47DA-139A-34D0D17EFE85}"/>
+                    </a:ext>
+                  </a:extLst>
+                </p:cNvPr>
+                <p:cNvPicPr/>
+                <p:nvPr/>
+              </p:nvPicPr>
+              <p:blipFill>
+                <a:blip r:embed="rId5"/>
+                <a:stretch>
+                  <a:fillRect/>
+                </a:stretch>
+              </p:blipFill>
+              <p:spPr>
+                <a:xfrm>
+                  <a:off x="6058991" y="4151756"/>
+                  <a:ext cx="126000" cy="126000"/>
+                </a:xfrm>
+                <a:prstGeom prst="rect">
+                  <a:avLst/>
+                </a:prstGeom>
+              </p:spPr>
+            </p:pic>
+          </mc:Fallback>
+        </mc:AlternateContent>
+        <mc:AlternateContent xmlns:mc="http://schemas.openxmlformats.org/markup-compatibility/2006">
+          <mc:Choice xmlns:p14="http://schemas.microsoft.com/office/powerpoint/2010/main" Requires="p14">
+            <p:contentPart p14:bwMode="auto" r:id="rId19">
+              <p14:nvContentPartPr>
+                <p14:cNvPr id="18" name="Ink 17">
+                  <a:extLst>
+                    <a:ext uri="{FF2B5EF4-FFF2-40B4-BE49-F238E27FC236}">
+                      <a16:creationId xmlns:a16="http://schemas.microsoft.com/office/drawing/2014/main" id="{A8B42F80-4C66-DF64-77FF-72F43A44B6B7}"/>
+                    </a:ext>
+                  </a:extLst>
+                </p14:cNvPr>
+                <p14:cNvContentPartPr/>
+                <p14:nvPr/>
+              </p14:nvContentPartPr>
+              <p14:xfrm>
+                <a:off x="6043511" y="4250036"/>
+                <a:ext cx="360" cy="360"/>
+              </p14:xfrm>
+            </p:contentPart>
+          </mc:Choice>
+          <mc:Fallback>
+            <p:pic>
+              <p:nvPicPr>
+                <p:cNvPr id="18" name="Ink 17">
+                  <a:extLst>
+                    <a:ext uri="{FF2B5EF4-FFF2-40B4-BE49-F238E27FC236}">
+                      <a16:creationId xmlns:a16="http://schemas.microsoft.com/office/drawing/2014/main" id="{A8B42F80-4C66-DF64-77FF-72F43A44B6B7}"/>
+                    </a:ext>
+                  </a:extLst>
+                </p:cNvPr>
+                <p:cNvPicPr/>
+                <p:nvPr/>
+              </p:nvPicPr>
+              <p:blipFill>
+                <a:blip r:embed="rId5"/>
+                <a:stretch>
+                  <a:fillRect/>
+                </a:stretch>
+              </p:blipFill>
+              <p:spPr>
+                <a:xfrm>
+                  <a:off x="5980511" y="4187396"/>
+                  <a:ext cx="126000" cy="126000"/>
+                </a:xfrm>
+                <a:prstGeom prst="rect">
+                  <a:avLst/>
+                </a:prstGeom>
+              </p:spPr>
+            </p:pic>
+          </mc:Fallback>
+        </mc:AlternateContent>
+        <mc:AlternateContent xmlns:mc="http://schemas.openxmlformats.org/markup-compatibility/2006">
+          <mc:Choice xmlns:p14="http://schemas.microsoft.com/office/powerpoint/2010/main" Requires="p14">
+            <p:contentPart p14:bwMode="auto" r:id="rId20">
+              <p14:nvContentPartPr>
+                <p14:cNvPr id="20" name="Ink 19">
+                  <a:extLst>
+                    <a:ext uri="{FF2B5EF4-FFF2-40B4-BE49-F238E27FC236}">
+                      <a16:creationId xmlns:a16="http://schemas.microsoft.com/office/drawing/2014/main" id="{74353101-A3EC-AF0F-43C4-D18BB3502822}"/>
+                    </a:ext>
+                  </a:extLst>
+                </p14:cNvPr>
+                <p14:cNvContentPartPr/>
+                <p14:nvPr/>
+              </p14:nvContentPartPr>
+              <p14:xfrm>
+                <a:off x="6028751" y="4157516"/>
+                <a:ext cx="360" cy="360"/>
+              </p14:xfrm>
+            </p:contentPart>
+          </mc:Choice>
+          <mc:Fallback>
+            <p:pic>
+              <p:nvPicPr>
+                <p:cNvPr id="20" name="Ink 19">
+                  <a:extLst>
+                    <a:ext uri="{FF2B5EF4-FFF2-40B4-BE49-F238E27FC236}">
+                      <a16:creationId xmlns:a16="http://schemas.microsoft.com/office/drawing/2014/main" id="{74353101-A3EC-AF0F-43C4-D18BB3502822}"/>
+                    </a:ext>
+                  </a:extLst>
+                </p:cNvPr>
+                <p:cNvPicPr/>
+                <p:nvPr/>
+              </p:nvPicPr>
+              <p:blipFill>
+                <a:blip r:embed="rId5"/>
+                <a:stretch>
+                  <a:fillRect/>
+                </a:stretch>
+              </p:blipFill>
+              <p:spPr>
+                <a:xfrm>
+                  <a:off x="5966111" y="4094516"/>
+                  <a:ext cx="126000" cy="126000"/>
+                </a:xfrm>
+                <a:prstGeom prst="rect">
+                  <a:avLst/>
+                </a:prstGeom>
+              </p:spPr>
+            </p:pic>
+          </mc:Fallback>
+        </mc:AlternateContent>
+        <mc:AlternateContent xmlns:mc="http://schemas.openxmlformats.org/markup-compatibility/2006">
+          <mc:Choice xmlns:p14="http://schemas.microsoft.com/office/powerpoint/2010/main" Requires="p14">
+            <p:contentPart p14:bwMode="auto" r:id="rId21">
+              <p14:nvContentPartPr>
+                <p14:cNvPr id="21" name="Ink 20">
+                  <a:extLst>
+                    <a:ext uri="{FF2B5EF4-FFF2-40B4-BE49-F238E27FC236}">
+                      <a16:creationId xmlns:a16="http://schemas.microsoft.com/office/drawing/2014/main" id="{B687F60A-A4B9-9B77-6CF8-40C488D0DFF7}"/>
+                    </a:ext>
+                  </a:extLst>
+                </p14:cNvPr>
+                <p14:cNvContentPartPr/>
+                <p14:nvPr/>
+              </p14:nvContentPartPr>
+              <p14:xfrm>
+                <a:off x="6050351" y="4400516"/>
+                <a:ext cx="360" cy="360"/>
+              </p14:xfrm>
+            </p:contentPart>
+          </mc:Choice>
+          <mc:Fallback>
+            <p:pic>
+              <p:nvPicPr>
+                <p:cNvPr id="21" name="Ink 20">
+                  <a:extLst>
+                    <a:ext uri="{FF2B5EF4-FFF2-40B4-BE49-F238E27FC236}">
+                      <a16:creationId xmlns:a16="http://schemas.microsoft.com/office/drawing/2014/main" id="{B687F60A-A4B9-9B77-6CF8-40C488D0DFF7}"/>
+                    </a:ext>
+                  </a:extLst>
+                </p:cNvPr>
+                <p:cNvPicPr/>
+                <p:nvPr/>
+              </p:nvPicPr>
+              <p:blipFill>
+                <a:blip r:embed="rId5"/>
+                <a:stretch>
+                  <a:fillRect/>
+                </a:stretch>
+              </p:blipFill>
+              <p:spPr>
+                <a:xfrm>
+                  <a:off x="5987711" y="4337516"/>
+                  <a:ext cx="126000" cy="126000"/>
+                </a:xfrm>
+                <a:prstGeom prst="rect">
+                  <a:avLst/>
+                </a:prstGeom>
+              </p:spPr>
+            </p:pic>
+          </mc:Fallback>
+        </mc:AlternateContent>
+        <mc:AlternateContent xmlns:mc="http://schemas.openxmlformats.org/markup-compatibility/2006">
+          <mc:Choice xmlns:p14="http://schemas.microsoft.com/office/powerpoint/2010/main" Requires="p14">
+            <p:contentPart p14:bwMode="auto" r:id="rId22">
+              <p14:nvContentPartPr>
+                <p14:cNvPr id="23" name="Ink 22">
+                  <a:extLst>
+                    <a:ext uri="{FF2B5EF4-FFF2-40B4-BE49-F238E27FC236}">
+                      <a16:creationId xmlns:a16="http://schemas.microsoft.com/office/drawing/2014/main" id="{2F58D0D8-6895-C3CB-5DD3-945DA4981C45}"/>
+                    </a:ext>
+                  </a:extLst>
+                </p14:cNvPr>
+                <p14:cNvContentPartPr/>
+                <p14:nvPr/>
+              </p14:nvContentPartPr>
+              <p14:xfrm>
+                <a:off x="6057551" y="4557476"/>
+                <a:ext cx="360" cy="360"/>
+              </p14:xfrm>
+            </p:contentPart>
+          </mc:Choice>
+          <mc:Fallback>
+            <p:pic>
+              <p:nvPicPr>
+                <p:cNvPr id="23" name="Ink 22">
+                  <a:extLst>
+                    <a:ext uri="{FF2B5EF4-FFF2-40B4-BE49-F238E27FC236}">
+                      <a16:creationId xmlns:a16="http://schemas.microsoft.com/office/drawing/2014/main" id="{2F58D0D8-6895-C3CB-5DD3-945DA4981C45}"/>
+                    </a:ext>
+                  </a:extLst>
+                </p:cNvPr>
+                <p:cNvPicPr/>
+                <p:nvPr/>
+              </p:nvPicPr>
+              <p:blipFill>
+                <a:blip r:embed="rId5"/>
+                <a:stretch>
+                  <a:fillRect/>
+                </a:stretch>
+              </p:blipFill>
+              <p:spPr>
+                <a:xfrm>
+                  <a:off x="5994911" y="4494476"/>
+                  <a:ext cx="126000" cy="126000"/>
+                </a:xfrm>
+                <a:prstGeom prst="rect">
+                  <a:avLst/>
+                </a:prstGeom>
+              </p:spPr>
+            </p:pic>
+          </mc:Fallback>
+        </mc:AlternateContent>
+        <mc:AlternateContent xmlns:mc="http://schemas.openxmlformats.org/markup-compatibility/2006">
+          <mc:Choice xmlns:p14="http://schemas.microsoft.com/office/powerpoint/2010/main" Requires="p14">
+            <p:contentPart p14:bwMode="auto" r:id="rId23">
+              <p14:nvContentPartPr>
+                <p14:cNvPr id="24" name="Ink 23">
+                  <a:extLst>
+                    <a:ext uri="{FF2B5EF4-FFF2-40B4-BE49-F238E27FC236}">
+                      <a16:creationId xmlns:a16="http://schemas.microsoft.com/office/drawing/2014/main" id="{B84A6E3F-93F6-7387-2479-ED2E0E5C59A7}"/>
+                    </a:ext>
+                  </a:extLst>
+                </p14:cNvPr>
+                <p14:cNvContentPartPr/>
+                <p14:nvPr/>
+              </p14:nvContentPartPr>
+              <p14:xfrm>
+                <a:off x="6071951" y="4664756"/>
+                <a:ext cx="360" cy="360"/>
+              </p14:xfrm>
+            </p:contentPart>
+          </mc:Choice>
+          <mc:Fallback>
+            <p:pic>
+              <p:nvPicPr>
+                <p:cNvPr id="24" name="Ink 23">
+                  <a:extLst>
+                    <a:ext uri="{FF2B5EF4-FFF2-40B4-BE49-F238E27FC236}">
+                      <a16:creationId xmlns:a16="http://schemas.microsoft.com/office/drawing/2014/main" id="{B84A6E3F-93F6-7387-2479-ED2E0E5C59A7}"/>
+                    </a:ext>
+                  </a:extLst>
+                </p:cNvPr>
+                <p:cNvPicPr/>
+                <p:nvPr/>
+              </p:nvPicPr>
+              <p:blipFill>
+                <a:blip r:embed="rId5"/>
+                <a:stretch>
+                  <a:fillRect/>
+                </a:stretch>
+              </p:blipFill>
+              <p:spPr>
+                <a:xfrm>
+                  <a:off x="6008951" y="4601756"/>
+                  <a:ext cx="126000" cy="126000"/>
+                </a:xfrm>
+                <a:prstGeom prst="rect">
+                  <a:avLst/>
+                </a:prstGeom>
+              </p:spPr>
+            </p:pic>
+          </mc:Fallback>
+        </mc:AlternateContent>
+        <mc:AlternateContent xmlns:mc="http://schemas.openxmlformats.org/markup-compatibility/2006">
+          <mc:Choice xmlns:p14="http://schemas.microsoft.com/office/powerpoint/2010/main" Requires="p14">
+            <p:contentPart p14:bwMode="auto" r:id="rId24">
+              <p14:nvContentPartPr>
+                <p14:cNvPr id="26" name="Ink 25">
+                  <a:extLst>
+                    <a:ext uri="{FF2B5EF4-FFF2-40B4-BE49-F238E27FC236}">
+                      <a16:creationId xmlns:a16="http://schemas.microsoft.com/office/drawing/2014/main" id="{D7E92F44-88AD-5F9C-0374-6C91B767A5F1}"/>
+                    </a:ext>
+                  </a:extLst>
+                </p14:cNvPr>
+                <p14:cNvContentPartPr/>
+                <p14:nvPr/>
+              </p14:nvContentPartPr>
+              <p14:xfrm>
+                <a:off x="6078791" y="4493036"/>
+                <a:ext cx="360" cy="360"/>
+              </p14:xfrm>
+            </p:contentPart>
+          </mc:Choice>
+          <mc:Fallback>
+            <p:pic>
+              <p:nvPicPr>
+                <p:cNvPr id="26" name="Ink 25">
+                  <a:extLst>
+                    <a:ext uri="{FF2B5EF4-FFF2-40B4-BE49-F238E27FC236}">
+                      <a16:creationId xmlns:a16="http://schemas.microsoft.com/office/drawing/2014/main" id="{D7E92F44-88AD-5F9C-0374-6C91B767A5F1}"/>
+                    </a:ext>
+                  </a:extLst>
+                </p:cNvPr>
+                <p:cNvPicPr/>
+                <p:nvPr/>
+              </p:nvPicPr>
+              <p:blipFill>
+                <a:blip r:embed="rId5"/>
+                <a:stretch>
+                  <a:fillRect/>
+                </a:stretch>
+              </p:blipFill>
+              <p:spPr>
+                <a:xfrm>
+                  <a:off x="6016151" y="4430396"/>
+                  <a:ext cx="126000" cy="126000"/>
+                </a:xfrm>
+                <a:prstGeom prst="rect">
+                  <a:avLst/>
+                </a:prstGeom>
+              </p:spPr>
+            </p:pic>
+          </mc:Fallback>
+        </mc:AlternateContent>
+        <mc:AlternateContent xmlns:mc="http://schemas.openxmlformats.org/markup-compatibility/2006">
+          <mc:Choice xmlns:p14="http://schemas.microsoft.com/office/powerpoint/2010/main" Requires="p14">
+            <p:contentPart p14:bwMode="auto" r:id="rId25">
+              <p14:nvContentPartPr>
+                <p14:cNvPr id="28" name="Ink 27">
+                  <a:extLst>
+                    <a:ext uri="{FF2B5EF4-FFF2-40B4-BE49-F238E27FC236}">
+                      <a16:creationId xmlns:a16="http://schemas.microsoft.com/office/drawing/2014/main" id="{F4812CF1-4A37-FCB1-480A-DC125E2AB3B3}"/>
+                    </a:ext>
+                  </a:extLst>
+                </p14:cNvPr>
+                <p14:cNvContentPartPr/>
+                <p14:nvPr/>
+              </p14:nvContentPartPr>
+              <p14:xfrm>
+                <a:off x="6228911" y="4350116"/>
+                <a:ext cx="360" cy="360"/>
+              </p14:xfrm>
+            </p:contentPart>
+          </mc:Choice>
+          <mc:Fallback>
+            <p:pic>
+              <p:nvPicPr>
+                <p:cNvPr id="28" name="Ink 27">
+                  <a:extLst>
+                    <a:ext uri="{FF2B5EF4-FFF2-40B4-BE49-F238E27FC236}">
+                      <a16:creationId xmlns:a16="http://schemas.microsoft.com/office/drawing/2014/main" id="{F4812CF1-4A37-FCB1-480A-DC125E2AB3B3}"/>
+                    </a:ext>
+                  </a:extLst>
+                </p:cNvPr>
+                <p:cNvPicPr/>
+                <p:nvPr/>
+              </p:nvPicPr>
+              <p:blipFill>
+                <a:blip r:embed="rId5"/>
+                <a:stretch>
+                  <a:fillRect/>
+                </a:stretch>
+              </p:blipFill>
+              <p:spPr>
+                <a:xfrm>
+                  <a:off x="6166271" y="4287116"/>
+                  <a:ext cx="126000" cy="126000"/>
+                </a:xfrm>
+                <a:prstGeom prst="rect">
+                  <a:avLst/>
+                </a:prstGeom>
+              </p:spPr>
+            </p:pic>
+          </mc:Fallback>
+        </mc:AlternateContent>
+        <mc:AlternateContent xmlns:mc="http://schemas.openxmlformats.org/markup-compatibility/2006">
+          <mc:Choice xmlns:p14="http://schemas.microsoft.com/office/powerpoint/2010/main" Requires="p14">
+            <p:contentPart p14:bwMode="auto" r:id="rId26">
+              <p14:nvContentPartPr>
+                <p14:cNvPr id="29" name="Ink 28">
+                  <a:extLst>
+                    <a:ext uri="{FF2B5EF4-FFF2-40B4-BE49-F238E27FC236}">
+                      <a16:creationId xmlns:a16="http://schemas.microsoft.com/office/drawing/2014/main" id="{34F27A0B-C6D5-09CE-1701-4CABA72BD626}"/>
+                    </a:ext>
+                  </a:extLst>
+                </p14:cNvPr>
+                <p14:cNvContentPartPr/>
+                <p14:nvPr/>
+              </p14:nvContentPartPr>
+              <p14:xfrm>
+                <a:off x="6161591" y="4264436"/>
+                <a:ext cx="85320" cy="436680"/>
+              </p14:xfrm>
+            </p:contentPart>
+          </mc:Choice>
+          <mc:Fallback>
+            <p:pic>
+              <p:nvPicPr>
+                <p:cNvPr id="29" name="Ink 28">
+                  <a:extLst>
+                    <a:ext uri="{FF2B5EF4-FFF2-40B4-BE49-F238E27FC236}">
+                      <a16:creationId xmlns:a16="http://schemas.microsoft.com/office/drawing/2014/main" id="{34F27A0B-C6D5-09CE-1701-4CABA72BD626}"/>
+                    </a:ext>
+                  </a:extLst>
+                </p:cNvPr>
+                <p:cNvPicPr/>
+                <p:nvPr/>
+              </p:nvPicPr>
+              <p:blipFill>
+                <a:blip r:embed="rId27"/>
+                <a:stretch>
+                  <a:fillRect/>
+                </a:stretch>
+              </p:blipFill>
+              <p:spPr>
+                <a:xfrm>
+                  <a:off x="6098591" y="4201436"/>
+                  <a:ext cx="210960" cy="562320"/>
+                </a:xfrm>
+                <a:prstGeom prst="rect">
+                  <a:avLst/>
+                </a:prstGeom>
+              </p:spPr>
+            </p:pic>
+          </mc:Fallback>
+        </mc:AlternateContent>
+        <mc:AlternateContent xmlns:mc="http://schemas.openxmlformats.org/markup-compatibility/2006">
+          <mc:Choice xmlns:p14="http://schemas.microsoft.com/office/powerpoint/2010/main" Requires="p14">
+            <p:contentPart p14:bwMode="auto" r:id="rId28">
+              <p14:nvContentPartPr>
+                <p14:cNvPr id="31" name="Ink 30">
+                  <a:extLst>
+                    <a:ext uri="{FF2B5EF4-FFF2-40B4-BE49-F238E27FC236}">
+                      <a16:creationId xmlns:a16="http://schemas.microsoft.com/office/drawing/2014/main" id="{6275D2DE-4893-DCF2-4713-2A3D844042FA}"/>
+                    </a:ext>
+                  </a:extLst>
+                </p14:cNvPr>
+                <p14:cNvContentPartPr/>
+                <p14:nvPr/>
+              </p14:nvContentPartPr>
+              <p14:xfrm>
+                <a:off x="6379031" y="4836116"/>
+                <a:ext cx="360" cy="360"/>
+              </p14:xfrm>
+            </p:contentPart>
+          </mc:Choice>
+          <mc:Fallback>
+            <p:pic>
+              <p:nvPicPr>
+                <p:cNvPr id="31" name="Ink 30">
+                  <a:extLst>
+                    <a:ext uri="{FF2B5EF4-FFF2-40B4-BE49-F238E27FC236}">
+                      <a16:creationId xmlns:a16="http://schemas.microsoft.com/office/drawing/2014/main" id="{6275D2DE-4893-DCF2-4713-2A3D844042FA}"/>
+                    </a:ext>
+                  </a:extLst>
+                </p:cNvPr>
+                <p:cNvPicPr/>
+                <p:nvPr/>
+              </p:nvPicPr>
+              <p:blipFill>
+                <a:blip r:embed="rId5"/>
+                <a:stretch>
+                  <a:fillRect/>
+                </a:stretch>
+              </p:blipFill>
+              <p:spPr>
+                <a:xfrm>
+                  <a:off x="6316031" y="4773116"/>
+                  <a:ext cx="126000" cy="126000"/>
+                </a:xfrm>
+                <a:prstGeom prst="rect">
+                  <a:avLst/>
+                </a:prstGeom>
+              </p:spPr>
+            </p:pic>
+          </mc:Fallback>
+        </mc:AlternateContent>
+        <mc:AlternateContent xmlns:mc="http://schemas.openxmlformats.org/markup-compatibility/2006">
+          <mc:Choice xmlns:p14="http://schemas.microsoft.com/office/powerpoint/2010/main" Requires="p14">
+            <p:contentPart p14:bwMode="auto" r:id="rId29">
+              <p14:nvContentPartPr>
+                <p14:cNvPr id="288" name="Ink 287">
+                  <a:extLst>
+                    <a:ext uri="{FF2B5EF4-FFF2-40B4-BE49-F238E27FC236}">
+                      <a16:creationId xmlns:a16="http://schemas.microsoft.com/office/drawing/2014/main" id="{C4553BC1-8461-88BA-EA49-C61B2AF952BD}"/>
+                    </a:ext>
+                  </a:extLst>
+                </p14:cNvPr>
+                <p14:cNvContentPartPr/>
+                <p14:nvPr/>
+              </p14:nvContentPartPr>
+              <p14:xfrm>
+                <a:off x="6436271" y="4743236"/>
+                <a:ext cx="360" cy="360"/>
+              </p14:xfrm>
+            </p:contentPart>
+          </mc:Choice>
+          <mc:Fallback>
+            <p:pic>
+              <p:nvPicPr>
+                <p:cNvPr id="288" name="Ink 287">
+                  <a:extLst>
+                    <a:ext uri="{FF2B5EF4-FFF2-40B4-BE49-F238E27FC236}">
+                      <a16:creationId xmlns:a16="http://schemas.microsoft.com/office/drawing/2014/main" id="{C4553BC1-8461-88BA-EA49-C61B2AF952BD}"/>
+                    </a:ext>
+                  </a:extLst>
+                </p:cNvPr>
+                <p:cNvPicPr/>
+                <p:nvPr/>
+              </p:nvPicPr>
+              <p:blipFill>
+                <a:blip r:embed="rId5"/>
+                <a:stretch>
+                  <a:fillRect/>
+                </a:stretch>
+              </p:blipFill>
+              <p:spPr>
+                <a:xfrm>
+                  <a:off x="6373631" y="4680596"/>
+                  <a:ext cx="126000" cy="126000"/>
+                </a:xfrm>
+                <a:prstGeom prst="rect">
+                  <a:avLst/>
+                </a:prstGeom>
+              </p:spPr>
+            </p:pic>
+          </mc:Fallback>
+        </mc:AlternateContent>
+        <mc:AlternateContent xmlns:mc="http://schemas.openxmlformats.org/markup-compatibility/2006">
+          <mc:Choice xmlns:p14="http://schemas.microsoft.com/office/powerpoint/2010/main" Requires="p14">
+            <p:contentPart p14:bwMode="auto" r:id="rId30">
+              <p14:nvContentPartPr>
+                <p14:cNvPr id="289" name="Ink 288">
+                  <a:extLst>
+                    <a:ext uri="{FF2B5EF4-FFF2-40B4-BE49-F238E27FC236}">
+                      <a16:creationId xmlns:a16="http://schemas.microsoft.com/office/drawing/2014/main" id="{95D1B40E-3EEE-89CF-520A-DA28B7E9AB29}"/>
+                    </a:ext>
+                  </a:extLst>
+                </p14:cNvPr>
+                <p14:cNvContentPartPr/>
+                <p14:nvPr/>
+              </p14:nvContentPartPr>
+              <p14:xfrm>
+                <a:off x="6386231" y="4707596"/>
+                <a:ext cx="360" cy="360"/>
+              </p14:xfrm>
+            </p:contentPart>
+          </mc:Choice>
+          <mc:Fallback>
+            <p:pic>
+              <p:nvPicPr>
+                <p:cNvPr id="289" name="Ink 288">
+                  <a:extLst>
+                    <a:ext uri="{FF2B5EF4-FFF2-40B4-BE49-F238E27FC236}">
+                      <a16:creationId xmlns:a16="http://schemas.microsoft.com/office/drawing/2014/main" id="{95D1B40E-3EEE-89CF-520A-DA28B7E9AB29}"/>
+                    </a:ext>
+                  </a:extLst>
+                </p:cNvPr>
+                <p:cNvPicPr/>
+                <p:nvPr/>
+              </p:nvPicPr>
+              <p:blipFill>
+                <a:blip r:embed="rId5"/>
+                <a:stretch>
+                  <a:fillRect/>
+                </a:stretch>
+              </p:blipFill>
+              <p:spPr>
+                <a:xfrm>
+                  <a:off x="6323591" y="4644596"/>
+                  <a:ext cx="126000" cy="126000"/>
+                </a:xfrm>
+                <a:prstGeom prst="rect">
+                  <a:avLst/>
+                </a:prstGeom>
+              </p:spPr>
+            </p:pic>
+          </mc:Fallback>
+        </mc:AlternateContent>
+        <mc:AlternateContent xmlns:mc="http://schemas.openxmlformats.org/markup-compatibility/2006">
+          <mc:Choice xmlns:p14="http://schemas.microsoft.com/office/powerpoint/2010/main" Requires="p14">
+            <p:contentPart p14:bwMode="auto" r:id="rId31">
+              <p14:nvContentPartPr>
+                <p14:cNvPr id="290" name="Ink 289">
+                  <a:extLst>
+                    <a:ext uri="{FF2B5EF4-FFF2-40B4-BE49-F238E27FC236}">
+                      <a16:creationId xmlns:a16="http://schemas.microsoft.com/office/drawing/2014/main" id="{BE644A41-27DF-0A26-0D7E-6BB93577306F}"/>
+                    </a:ext>
+                  </a:extLst>
+                </p14:cNvPr>
+                <p14:cNvContentPartPr/>
+                <p14:nvPr/>
+              </p14:nvContentPartPr>
+              <p14:xfrm>
+                <a:off x="6407471" y="4764476"/>
+                <a:ext cx="360" cy="360"/>
+              </p14:xfrm>
+            </p:contentPart>
+          </mc:Choice>
+          <mc:Fallback>
+            <p:pic>
+              <p:nvPicPr>
+                <p:cNvPr id="290" name="Ink 289">
+                  <a:extLst>
+                    <a:ext uri="{FF2B5EF4-FFF2-40B4-BE49-F238E27FC236}">
+                      <a16:creationId xmlns:a16="http://schemas.microsoft.com/office/drawing/2014/main" id="{BE644A41-27DF-0A26-0D7E-6BB93577306F}"/>
+                    </a:ext>
+                  </a:extLst>
+                </p:cNvPr>
+                <p:cNvPicPr/>
+                <p:nvPr/>
+              </p:nvPicPr>
+              <p:blipFill>
+                <a:blip r:embed="rId5"/>
+                <a:stretch>
+                  <a:fillRect/>
+                </a:stretch>
+              </p:blipFill>
+              <p:spPr>
+                <a:xfrm>
+                  <a:off x="6344831" y="4701836"/>
+                  <a:ext cx="126000" cy="126000"/>
+                </a:xfrm>
+                <a:prstGeom prst="rect">
+                  <a:avLst/>
+                </a:prstGeom>
+              </p:spPr>
+            </p:pic>
+          </mc:Fallback>
+        </mc:AlternateContent>
+        <mc:AlternateContent xmlns:mc="http://schemas.openxmlformats.org/markup-compatibility/2006">
+          <mc:Choice xmlns:p14="http://schemas.microsoft.com/office/powerpoint/2010/main" Requires="p14">
+            <p:contentPart p14:bwMode="auto" r:id="rId32">
+              <p14:nvContentPartPr>
+                <p14:cNvPr id="291" name="Ink 290">
+                  <a:extLst>
+                    <a:ext uri="{FF2B5EF4-FFF2-40B4-BE49-F238E27FC236}">
+                      <a16:creationId xmlns:a16="http://schemas.microsoft.com/office/drawing/2014/main" id="{90897489-1A61-B090-A3DA-799159B9C301}"/>
+                    </a:ext>
+                  </a:extLst>
+                </p14:cNvPr>
+                <p14:cNvContentPartPr/>
+                <p14:nvPr/>
+              </p14:nvContentPartPr>
+              <p14:xfrm>
+                <a:off x="6443471" y="4814516"/>
+                <a:ext cx="360" cy="360"/>
+              </p14:xfrm>
+            </p:contentPart>
+          </mc:Choice>
+          <mc:Fallback>
+            <p:pic>
+              <p:nvPicPr>
+                <p:cNvPr id="291" name="Ink 290">
+                  <a:extLst>
+                    <a:ext uri="{FF2B5EF4-FFF2-40B4-BE49-F238E27FC236}">
+                      <a16:creationId xmlns:a16="http://schemas.microsoft.com/office/drawing/2014/main" id="{90897489-1A61-B090-A3DA-799159B9C301}"/>
+                    </a:ext>
+                  </a:extLst>
+                </p:cNvPr>
+                <p:cNvPicPr/>
+                <p:nvPr/>
+              </p:nvPicPr>
+              <p:blipFill>
+                <a:blip r:embed="rId5"/>
+                <a:stretch>
+                  <a:fillRect/>
+                </a:stretch>
+              </p:blipFill>
+              <p:spPr>
+                <a:xfrm>
+                  <a:off x="6380471" y="4751516"/>
+                  <a:ext cx="126000" cy="126000"/>
+                </a:xfrm>
+                <a:prstGeom prst="rect">
+                  <a:avLst/>
+                </a:prstGeom>
+              </p:spPr>
+            </p:pic>
+          </mc:Fallback>
+        </mc:AlternateContent>
+        <mc:AlternateContent xmlns:mc="http://schemas.openxmlformats.org/markup-compatibility/2006">
+          <mc:Choice xmlns:p14="http://schemas.microsoft.com/office/powerpoint/2010/main" Requires="p14">
+            <p:contentPart p14:bwMode="auto" r:id="rId33">
+              <p14:nvContentPartPr>
+                <p14:cNvPr id="292" name="Ink 291">
+                  <a:extLst>
+                    <a:ext uri="{FF2B5EF4-FFF2-40B4-BE49-F238E27FC236}">
+                      <a16:creationId xmlns:a16="http://schemas.microsoft.com/office/drawing/2014/main" id="{3D137A3D-388A-93A4-EBA8-D92C8D3CF6AE}"/>
+                    </a:ext>
+                  </a:extLst>
+                </p14:cNvPr>
+                <p14:cNvContentPartPr/>
+                <p14:nvPr/>
+              </p14:nvContentPartPr>
+              <p14:xfrm>
+                <a:off x="6421871" y="4857356"/>
+                <a:ext cx="360" cy="360"/>
+              </p14:xfrm>
+            </p:contentPart>
+          </mc:Choice>
+          <mc:Fallback>
+            <p:pic>
+              <p:nvPicPr>
+                <p:cNvPr id="292" name="Ink 291">
+                  <a:extLst>
+                    <a:ext uri="{FF2B5EF4-FFF2-40B4-BE49-F238E27FC236}">
+                      <a16:creationId xmlns:a16="http://schemas.microsoft.com/office/drawing/2014/main" id="{3D137A3D-388A-93A4-EBA8-D92C8D3CF6AE}"/>
+                    </a:ext>
+                  </a:extLst>
+                </p:cNvPr>
+                <p:cNvPicPr/>
+                <p:nvPr/>
+              </p:nvPicPr>
+              <p:blipFill>
+                <a:blip r:embed="rId5"/>
+                <a:stretch>
+                  <a:fillRect/>
+                </a:stretch>
+              </p:blipFill>
+              <p:spPr>
+                <a:xfrm>
+                  <a:off x="6358871" y="4794356"/>
+                  <a:ext cx="126000" cy="126000"/>
+                </a:xfrm>
+                <a:prstGeom prst="rect">
+                  <a:avLst/>
+                </a:prstGeom>
+              </p:spPr>
+            </p:pic>
+          </mc:Fallback>
+        </mc:AlternateContent>
+        <mc:AlternateContent xmlns:mc="http://schemas.openxmlformats.org/markup-compatibility/2006">
+          <mc:Choice xmlns:p14="http://schemas.microsoft.com/office/powerpoint/2010/main" Requires="p14">
+            <p:contentPart p14:bwMode="auto" r:id="rId34">
+              <p14:nvContentPartPr>
+                <p14:cNvPr id="293" name="Ink 292">
+                  <a:extLst>
+                    <a:ext uri="{FF2B5EF4-FFF2-40B4-BE49-F238E27FC236}">
+                      <a16:creationId xmlns:a16="http://schemas.microsoft.com/office/drawing/2014/main" id="{03884D3F-7944-7215-A0B2-4BC1F97306C4}"/>
+                    </a:ext>
+                  </a:extLst>
+                </p14:cNvPr>
+                <p14:cNvContentPartPr/>
+                <p14:nvPr/>
+              </p14:nvContentPartPr>
+              <p14:xfrm>
+                <a:off x="6443471" y="4892996"/>
+                <a:ext cx="360" cy="360"/>
+              </p14:xfrm>
+            </p:contentPart>
+          </mc:Choice>
+          <mc:Fallback>
+            <p:pic>
+              <p:nvPicPr>
+                <p:cNvPr id="293" name="Ink 292">
+                  <a:extLst>
+                    <a:ext uri="{FF2B5EF4-FFF2-40B4-BE49-F238E27FC236}">
+                      <a16:creationId xmlns:a16="http://schemas.microsoft.com/office/drawing/2014/main" id="{03884D3F-7944-7215-A0B2-4BC1F97306C4}"/>
+                    </a:ext>
+                  </a:extLst>
+                </p:cNvPr>
+                <p:cNvPicPr/>
+                <p:nvPr/>
+              </p:nvPicPr>
+              <p:blipFill>
+                <a:blip r:embed="rId5"/>
+                <a:stretch>
+                  <a:fillRect/>
+                </a:stretch>
+              </p:blipFill>
+              <p:spPr>
+                <a:xfrm>
+                  <a:off x="6380471" y="4830356"/>
+                  <a:ext cx="126000" cy="126000"/>
+                </a:xfrm>
+                <a:prstGeom prst="rect">
+                  <a:avLst/>
+                </a:prstGeom>
+              </p:spPr>
+            </p:pic>
+          </mc:Fallback>
+        </mc:AlternateContent>
+        <mc:AlternateContent xmlns:mc="http://schemas.openxmlformats.org/markup-compatibility/2006">
+          <mc:Choice xmlns:p14="http://schemas.microsoft.com/office/powerpoint/2010/main" Requires="p14">
+            <p:contentPart p14:bwMode="auto" r:id="rId35">
+              <p14:nvContentPartPr>
+                <p14:cNvPr id="294" name="Ink 293">
+                  <a:extLst>
+                    <a:ext uri="{FF2B5EF4-FFF2-40B4-BE49-F238E27FC236}">
+                      <a16:creationId xmlns:a16="http://schemas.microsoft.com/office/drawing/2014/main" id="{FF911CC8-7819-C5D2-DB3A-6AAA865B723B}"/>
+                    </a:ext>
+                  </a:extLst>
+                </p14:cNvPr>
+                <p14:cNvContentPartPr/>
+                <p14:nvPr/>
+              </p14:nvContentPartPr>
+              <p14:xfrm>
+                <a:off x="6436271" y="4914596"/>
+                <a:ext cx="360" cy="360"/>
+              </p14:xfrm>
+            </p:contentPart>
+          </mc:Choice>
+          <mc:Fallback>
+            <p:pic>
+              <p:nvPicPr>
+                <p:cNvPr id="294" name="Ink 293">
+                  <a:extLst>
+                    <a:ext uri="{FF2B5EF4-FFF2-40B4-BE49-F238E27FC236}">
+                      <a16:creationId xmlns:a16="http://schemas.microsoft.com/office/drawing/2014/main" id="{FF911CC8-7819-C5D2-DB3A-6AAA865B723B}"/>
+                    </a:ext>
+                  </a:extLst>
+                </p:cNvPr>
+                <p:cNvPicPr/>
+                <p:nvPr/>
+              </p:nvPicPr>
+              <p:blipFill>
+                <a:blip r:embed="rId5"/>
+                <a:stretch>
+                  <a:fillRect/>
+                </a:stretch>
+              </p:blipFill>
+              <p:spPr>
+                <a:xfrm>
+                  <a:off x="6373631" y="4851956"/>
+                  <a:ext cx="126000" cy="126000"/>
+                </a:xfrm>
+                <a:prstGeom prst="rect">
+                  <a:avLst/>
+                </a:prstGeom>
+              </p:spPr>
+            </p:pic>
+          </mc:Fallback>
+        </mc:AlternateContent>
+        <mc:AlternateContent xmlns:mc="http://schemas.openxmlformats.org/markup-compatibility/2006">
+          <mc:Choice xmlns:p14="http://schemas.microsoft.com/office/powerpoint/2010/main" Requires="p14">
+            <p:contentPart p14:bwMode="auto" r:id="rId36">
+              <p14:nvContentPartPr>
+                <p14:cNvPr id="295" name="Ink 294">
+                  <a:extLst>
+                    <a:ext uri="{FF2B5EF4-FFF2-40B4-BE49-F238E27FC236}">
+                      <a16:creationId xmlns:a16="http://schemas.microsoft.com/office/drawing/2014/main" id="{33C839D5-1D2B-1837-DF07-963F7CE390D7}"/>
+                    </a:ext>
+                  </a:extLst>
+                </p14:cNvPr>
+                <p14:cNvContentPartPr/>
+                <p14:nvPr/>
+              </p14:nvContentPartPr>
+              <p14:xfrm>
+                <a:off x="6436271" y="4943036"/>
+                <a:ext cx="360" cy="360"/>
+              </p14:xfrm>
+            </p:contentPart>
+          </mc:Choice>
+          <mc:Fallback>
+            <p:pic>
+              <p:nvPicPr>
+                <p:cNvPr id="295" name="Ink 294">
+                  <a:extLst>
+                    <a:ext uri="{FF2B5EF4-FFF2-40B4-BE49-F238E27FC236}">
+                      <a16:creationId xmlns:a16="http://schemas.microsoft.com/office/drawing/2014/main" id="{33C839D5-1D2B-1837-DF07-963F7CE390D7}"/>
+                    </a:ext>
+                  </a:extLst>
+                </p:cNvPr>
+                <p:cNvPicPr/>
+                <p:nvPr/>
+              </p:nvPicPr>
+              <p:blipFill>
+                <a:blip r:embed="rId5"/>
+                <a:stretch>
+                  <a:fillRect/>
+                </a:stretch>
+              </p:blipFill>
+              <p:spPr>
+                <a:xfrm>
+                  <a:off x="6373631" y="4880396"/>
+                  <a:ext cx="126000" cy="126000"/>
+                </a:xfrm>
+                <a:prstGeom prst="rect">
+                  <a:avLst/>
+                </a:prstGeom>
+              </p:spPr>
+            </p:pic>
+          </mc:Fallback>
+        </mc:AlternateContent>
+        <mc:AlternateContent xmlns:mc="http://schemas.openxmlformats.org/markup-compatibility/2006">
+          <mc:Choice xmlns:p14="http://schemas.microsoft.com/office/powerpoint/2010/main" Requires="p14">
+            <p:contentPart p14:bwMode="auto" r:id="rId37">
+              <p14:nvContentPartPr>
+                <p14:cNvPr id="296" name="Ink 295">
+                  <a:extLst>
+                    <a:ext uri="{FF2B5EF4-FFF2-40B4-BE49-F238E27FC236}">
+                      <a16:creationId xmlns:a16="http://schemas.microsoft.com/office/drawing/2014/main" id="{AC10F0FE-8E71-5703-9054-9E3F0BB44397}"/>
+                    </a:ext>
+                  </a:extLst>
+                </p14:cNvPr>
+                <p14:cNvContentPartPr/>
+                <p14:nvPr/>
+              </p14:nvContentPartPr>
+              <p14:xfrm>
+                <a:off x="6443471" y="4964636"/>
+                <a:ext cx="360" cy="360"/>
+              </p14:xfrm>
+            </p:contentPart>
+          </mc:Choice>
+          <mc:Fallback>
+            <p:pic>
+              <p:nvPicPr>
+                <p:cNvPr id="296" name="Ink 295">
+                  <a:extLst>
+                    <a:ext uri="{FF2B5EF4-FFF2-40B4-BE49-F238E27FC236}">
+                      <a16:creationId xmlns:a16="http://schemas.microsoft.com/office/drawing/2014/main" id="{AC10F0FE-8E71-5703-9054-9E3F0BB44397}"/>
+                    </a:ext>
+                  </a:extLst>
+                </p:cNvPr>
+                <p:cNvPicPr/>
+                <p:nvPr/>
+              </p:nvPicPr>
+              <p:blipFill>
+                <a:blip r:embed="rId5"/>
+                <a:stretch>
+                  <a:fillRect/>
+                </a:stretch>
+              </p:blipFill>
+              <p:spPr>
+                <a:xfrm>
+                  <a:off x="6380471" y="4901996"/>
+                  <a:ext cx="126000" cy="126000"/>
+                </a:xfrm>
+                <a:prstGeom prst="rect">
+                  <a:avLst/>
+                </a:prstGeom>
+              </p:spPr>
+            </p:pic>
+          </mc:Fallback>
+        </mc:AlternateContent>
+        <mc:AlternateContent xmlns:mc="http://schemas.openxmlformats.org/markup-compatibility/2006">
+          <mc:Choice xmlns:p14="http://schemas.microsoft.com/office/powerpoint/2010/main" Requires="p14">
+            <p:contentPart p14:bwMode="auto" r:id="rId38">
+              <p14:nvContentPartPr>
+                <p14:cNvPr id="297" name="Ink 296">
+                  <a:extLst>
+                    <a:ext uri="{FF2B5EF4-FFF2-40B4-BE49-F238E27FC236}">
+                      <a16:creationId xmlns:a16="http://schemas.microsoft.com/office/drawing/2014/main" id="{41316518-08DE-30A7-6E69-7A4591863D15}"/>
+                    </a:ext>
+                  </a:extLst>
+                </p14:cNvPr>
+                <p14:cNvContentPartPr/>
+                <p14:nvPr/>
+              </p14:nvContentPartPr>
+              <p14:xfrm>
+                <a:off x="6443471" y="4978676"/>
+                <a:ext cx="360" cy="360"/>
+              </p14:xfrm>
+            </p:contentPart>
+          </mc:Choice>
+          <mc:Fallback>
+            <p:pic>
+              <p:nvPicPr>
+                <p:cNvPr id="297" name="Ink 296">
+                  <a:extLst>
+                    <a:ext uri="{FF2B5EF4-FFF2-40B4-BE49-F238E27FC236}">
+                      <a16:creationId xmlns:a16="http://schemas.microsoft.com/office/drawing/2014/main" id="{41316518-08DE-30A7-6E69-7A4591863D15}"/>
+                    </a:ext>
+                  </a:extLst>
+                </p:cNvPr>
+                <p:cNvPicPr/>
+                <p:nvPr/>
+              </p:nvPicPr>
+              <p:blipFill>
+                <a:blip r:embed="rId5"/>
+                <a:stretch>
+                  <a:fillRect/>
+                </a:stretch>
+              </p:blipFill>
+              <p:spPr>
+                <a:xfrm>
+                  <a:off x="6380471" y="4916036"/>
+                  <a:ext cx="126000" cy="126000"/>
+                </a:xfrm>
+                <a:prstGeom prst="rect">
+                  <a:avLst/>
+                </a:prstGeom>
+              </p:spPr>
+            </p:pic>
+          </mc:Fallback>
+        </mc:AlternateContent>
+        <mc:AlternateContent xmlns:mc="http://schemas.openxmlformats.org/markup-compatibility/2006">
+          <mc:Choice xmlns:p14="http://schemas.microsoft.com/office/powerpoint/2010/main" Requires="p14">
+            <p:contentPart p14:bwMode="auto" r:id="rId39">
+              <p14:nvContentPartPr>
+                <p14:cNvPr id="298" name="Ink 297">
+                  <a:extLst>
+                    <a:ext uri="{FF2B5EF4-FFF2-40B4-BE49-F238E27FC236}">
+                      <a16:creationId xmlns:a16="http://schemas.microsoft.com/office/drawing/2014/main" id="{F3A0742D-1766-5E25-576D-44557B52A7DD}"/>
+                    </a:ext>
+                  </a:extLst>
+                </p14:cNvPr>
+                <p14:cNvContentPartPr/>
+                <p14:nvPr/>
+              </p14:nvContentPartPr>
+              <p14:xfrm>
+                <a:off x="6443471" y="4993076"/>
+                <a:ext cx="360" cy="360"/>
+              </p14:xfrm>
+            </p:contentPart>
+          </mc:Choice>
+          <mc:Fallback>
+            <p:pic>
+              <p:nvPicPr>
+                <p:cNvPr id="298" name="Ink 297">
+                  <a:extLst>
+                    <a:ext uri="{FF2B5EF4-FFF2-40B4-BE49-F238E27FC236}">
+                      <a16:creationId xmlns:a16="http://schemas.microsoft.com/office/drawing/2014/main" id="{F3A0742D-1766-5E25-576D-44557B52A7DD}"/>
+                    </a:ext>
+                  </a:extLst>
+                </p:cNvPr>
+                <p:cNvPicPr/>
+                <p:nvPr/>
+              </p:nvPicPr>
+              <p:blipFill>
+                <a:blip r:embed="rId5"/>
+                <a:stretch>
+                  <a:fillRect/>
+                </a:stretch>
+              </p:blipFill>
+              <p:spPr>
+                <a:xfrm>
+                  <a:off x="6380471" y="4930076"/>
+                  <a:ext cx="126000" cy="126000"/>
+                </a:xfrm>
+                <a:prstGeom prst="rect">
+                  <a:avLst/>
+                </a:prstGeom>
+              </p:spPr>
+            </p:pic>
+          </mc:Fallback>
+        </mc:AlternateContent>
+        <mc:AlternateContent xmlns:mc="http://schemas.openxmlformats.org/markup-compatibility/2006">
+          <mc:Choice xmlns:p14="http://schemas.microsoft.com/office/powerpoint/2010/main" Requires="p14">
+            <p:contentPart p14:bwMode="auto" r:id="rId40">
+              <p14:nvContentPartPr>
+                <p14:cNvPr id="300" name="Ink 299">
+                  <a:extLst>
+                    <a:ext uri="{FF2B5EF4-FFF2-40B4-BE49-F238E27FC236}">
+                      <a16:creationId xmlns:a16="http://schemas.microsoft.com/office/drawing/2014/main" id="{92044B16-5098-4E12-96A9-DA9592FCF647}"/>
+                    </a:ext>
+                  </a:extLst>
+                </p14:cNvPr>
+                <p14:cNvContentPartPr/>
+                <p14:nvPr/>
+              </p14:nvContentPartPr>
+              <p14:xfrm>
+                <a:off x="6393431" y="5014676"/>
+                <a:ext cx="360" cy="360"/>
+              </p14:xfrm>
+            </p:contentPart>
+          </mc:Choice>
+          <mc:Fallback>
+            <p:pic>
+              <p:nvPicPr>
+                <p:cNvPr id="300" name="Ink 299">
+                  <a:extLst>
+                    <a:ext uri="{FF2B5EF4-FFF2-40B4-BE49-F238E27FC236}">
+                      <a16:creationId xmlns:a16="http://schemas.microsoft.com/office/drawing/2014/main" id="{92044B16-5098-4E12-96A9-DA9592FCF647}"/>
+                    </a:ext>
+                  </a:extLst>
+                </p:cNvPr>
+                <p:cNvPicPr/>
+                <p:nvPr/>
+              </p:nvPicPr>
+              <p:blipFill>
+                <a:blip r:embed="rId5"/>
+                <a:stretch>
+                  <a:fillRect/>
+                </a:stretch>
+              </p:blipFill>
+              <p:spPr>
+                <a:xfrm>
+                  <a:off x="6330431" y="4951676"/>
+                  <a:ext cx="126000" cy="126000"/>
+                </a:xfrm>
+                <a:prstGeom prst="rect">
+                  <a:avLst/>
+                </a:prstGeom>
+              </p:spPr>
+            </p:pic>
+          </mc:Fallback>
+        </mc:AlternateContent>
+        <mc:AlternateContent xmlns:mc="http://schemas.openxmlformats.org/markup-compatibility/2006">
+          <mc:Choice xmlns:p14="http://schemas.microsoft.com/office/powerpoint/2010/main" Requires="p14">
+            <p:contentPart p14:bwMode="auto" r:id="rId41">
+              <p14:nvContentPartPr>
+                <p14:cNvPr id="301" name="Ink 300">
+                  <a:extLst>
+                    <a:ext uri="{FF2B5EF4-FFF2-40B4-BE49-F238E27FC236}">
+                      <a16:creationId xmlns:a16="http://schemas.microsoft.com/office/drawing/2014/main" id="{6127AF1E-E690-04A5-279D-A5899A739824}"/>
+                    </a:ext>
+                  </a:extLst>
+                </p14:cNvPr>
+                <p14:cNvContentPartPr/>
+                <p14:nvPr/>
+              </p14:nvContentPartPr>
+              <p14:xfrm>
+                <a:off x="6379031" y="5043476"/>
+                <a:ext cx="1800" cy="360"/>
+              </p14:xfrm>
+            </p:contentPart>
+          </mc:Choice>
+          <mc:Fallback>
+            <p:pic>
+              <p:nvPicPr>
+                <p:cNvPr id="301" name="Ink 300">
+                  <a:extLst>
+                    <a:ext uri="{FF2B5EF4-FFF2-40B4-BE49-F238E27FC236}">
+                      <a16:creationId xmlns:a16="http://schemas.microsoft.com/office/drawing/2014/main" id="{6127AF1E-E690-04A5-279D-A5899A739824}"/>
+                    </a:ext>
+                  </a:extLst>
+                </p:cNvPr>
+                <p:cNvPicPr/>
+                <p:nvPr/>
+              </p:nvPicPr>
+              <p:blipFill>
+                <a:blip r:embed="rId16"/>
+                <a:stretch>
+                  <a:fillRect/>
+                </a:stretch>
+              </p:blipFill>
+              <p:spPr>
+                <a:xfrm>
+                  <a:off x="6316031" y="4980476"/>
+                  <a:ext cx="127440" cy="126000"/>
+                </a:xfrm>
+                <a:prstGeom prst="rect">
+                  <a:avLst/>
+                </a:prstGeom>
+              </p:spPr>
+            </p:pic>
+          </mc:Fallback>
+        </mc:AlternateContent>
+        <mc:AlternateContent xmlns:mc="http://schemas.openxmlformats.org/markup-compatibility/2006">
+          <mc:Choice xmlns:p14="http://schemas.microsoft.com/office/powerpoint/2010/main" Requires="p14">
+            <p:contentPart p14:bwMode="auto" r:id="rId42">
+              <p14:nvContentPartPr>
+                <p14:cNvPr id="303" name="Ink 302">
+                  <a:extLst>
+                    <a:ext uri="{FF2B5EF4-FFF2-40B4-BE49-F238E27FC236}">
+                      <a16:creationId xmlns:a16="http://schemas.microsoft.com/office/drawing/2014/main" id="{09803078-6035-FDEC-F2C5-8EDEE4BCC93A}"/>
+                    </a:ext>
+                  </a:extLst>
+                </p14:cNvPr>
+                <p14:cNvContentPartPr/>
+                <p14:nvPr/>
+              </p14:nvContentPartPr>
+              <p14:xfrm>
+                <a:off x="6371831" y="4943171"/>
+                <a:ext cx="1440" cy="360"/>
+              </p14:xfrm>
+            </p:contentPart>
+          </mc:Choice>
+          <mc:Fallback>
+            <p:pic>
+              <p:nvPicPr>
+                <p:cNvPr id="303" name="Ink 302">
+                  <a:extLst>
+                    <a:ext uri="{FF2B5EF4-FFF2-40B4-BE49-F238E27FC236}">
+                      <a16:creationId xmlns:a16="http://schemas.microsoft.com/office/drawing/2014/main" id="{09803078-6035-FDEC-F2C5-8EDEE4BCC93A}"/>
+                    </a:ext>
+                  </a:extLst>
+                </p:cNvPr>
+                <p:cNvPicPr/>
+                <p:nvPr/>
+              </p:nvPicPr>
+              <p:blipFill>
+                <a:blip r:embed="rId16"/>
+                <a:stretch>
+                  <a:fillRect/>
+                </a:stretch>
+              </p:blipFill>
+              <p:spPr>
+                <a:xfrm>
+                  <a:off x="6308831" y="4880531"/>
+                  <a:ext cx="127080" cy="126000"/>
+                </a:xfrm>
+                <a:prstGeom prst="rect">
+                  <a:avLst/>
+                </a:prstGeom>
+              </p:spPr>
+            </p:pic>
+          </mc:Fallback>
+        </mc:AlternateContent>
+        <mc:AlternateContent xmlns:mc="http://schemas.openxmlformats.org/markup-compatibility/2006">
+          <mc:Choice xmlns:p14="http://schemas.microsoft.com/office/powerpoint/2010/main" Requires="p14">
+            <p:contentPart p14:bwMode="auto" r:id="rId43">
+              <p14:nvContentPartPr>
+                <p14:cNvPr id="304" name="Ink 303">
+                  <a:extLst>
+                    <a:ext uri="{FF2B5EF4-FFF2-40B4-BE49-F238E27FC236}">
+                      <a16:creationId xmlns:a16="http://schemas.microsoft.com/office/drawing/2014/main" id="{26086116-B81A-96E1-46B0-5CD3CA8A07F2}"/>
+                    </a:ext>
+                  </a:extLst>
+                </p14:cNvPr>
+                <p14:cNvContentPartPr/>
+                <p14:nvPr/>
+              </p14:nvContentPartPr>
+              <p14:xfrm>
+                <a:off x="6307751" y="4864691"/>
+                <a:ext cx="360" cy="360"/>
+              </p14:xfrm>
+            </p:contentPart>
+          </mc:Choice>
+          <mc:Fallback>
+            <p:pic>
+              <p:nvPicPr>
+                <p:cNvPr id="304" name="Ink 303">
+                  <a:extLst>
+                    <a:ext uri="{FF2B5EF4-FFF2-40B4-BE49-F238E27FC236}">
+                      <a16:creationId xmlns:a16="http://schemas.microsoft.com/office/drawing/2014/main" id="{26086116-B81A-96E1-46B0-5CD3CA8A07F2}"/>
+                    </a:ext>
+                  </a:extLst>
+                </p:cNvPr>
+                <p:cNvPicPr/>
+                <p:nvPr/>
+              </p:nvPicPr>
+              <p:blipFill>
+                <a:blip r:embed="rId5"/>
+                <a:stretch>
+                  <a:fillRect/>
+                </a:stretch>
+              </p:blipFill>
+              <p:spPr>
+                <a:xfrm>
+                  <a:off x="6244751" y="4801691"/>
+                  <a:ext cx="126000" cy="126000"/>
+                </a:xfrm>
+                <a:prstGeom prst="rect">
+                  <a:avLst/>
+                </a:prstGeom>
+              </p:spPr>
+            </p:pic>
+          </mc:Fallback>
+        </mc:AlternateContent>
+        <mc:AlternateContent xmlns:mc="http://schemas.openxmlformats.org/markup-compatibility/2006">
+          <mc:Choice xmlns:p14="http://schemas.microsoft.com/office/powerpoint/2010/main" Requires="p14">
+            <p:contentPart p14:bwMode="auto" r:id="rId44">
+              <p14:nvContentPartPr>
+                <p14:cNvPr id="305" name="Ink 304">
+                  <a:extLst>
+                    <a:ext uri="{FF2B5EF4-FFF2-40B4-BE49-F238E27FC236}">
+                      <a16:creationId xmlns:a16="http://schemas.microsoft.com/office/drawing/2014/main" id="{0E2F3D06-A103-6D99-8C43-7192DC8D6D2B}"/>
+                    </a:ext>
+                  </a:extLst>
+                </p14:cNvPr>
+                <p14:cNvContentPartPr/>
+                <p14:nvPr/>
+              </p14:nvContentPartPr>
+              <p14:xfrm>
+                <a:off x="6307751" y="4964411"/>
+                <a:ext cx="360" cy="360"/>
+              </p14:xfrm>
+            </p:contentPart>
+          </mc:Choice>
+          <mc:Fallback>
+            <p:pic>
+              <p:nvPicPr>
+                <p:cNvPr id="305" name="Ink 304">
+                  <a:extLst>
+                    <a:ext uri="{FF2B5EF4-FFF2-40B4-BE49-F238E27FC236}">
+                      <a16:creationId xmlns:a16="http://schemas.microsoft.com/office/drawing/2014/main" id="{0E2F3D06-A103-6D99-8C43-7192DC8D6D2B}"/>
+                    </a:ext>
+                  </a:extLst>
+                </p:cNvPr>
+                <p:cNvPicPr/>
+                <p:nvPr/>
+              </p:nvPicPr>
+              <p:blipFill>
+                <a:blip r:embed="rId5"/>
+                <a:stretch>
+                  <a:fillRect/>
+                </a:stretch>
+              </p:blipFill>
+              <p:spPr>
+                <a:xfrm>
+                  <a:off x="6244751" y="4901771"/>
+                  <a:ext cx="126000" cy="126000"/>
+                </a:xfrm>
+                <a:prstGeom prst="rect">
+                  <a:avLst/>
+                </a:prstGeom>
+              </p:spPr>
+            </p:pic>
+          </mc:Fallback>
+        </mc:AlternateContent>
+        <mc:AlternateContent xmlns:mc="http://schemas.openxmlformats.org/markup-compatibility/2006">
+          <mc:Choice xmlns:p14="http://schemas.microsoft.com/office/powerpoint/2010/main" Requires="p14">
+            <p:contentPart p14:bwMode="auto" r:id="rId45">
+              <p14:nvContentPartPr>
+                <p14:cNvPr id="307" name="Ink 306">
+                  <a:extLst>
+                    <a:ext uri="{FF2B5EF4-FFF2-40B4-BE49-F238E27FC236}">
+                      <a16:creationId xmlns:a16="http://schemas.microsoft.com/office/drawing/2014/main" id="{2E424C39-E915-EFB8-174A-74D5EFBDFFD9}"/>
+                    </a:ext>
+                  </a:extLst>
+                </p14:cNvPr>
+                <p14:cNvContentPartPr/>
+                <p14:nvPr/>
+              </p14:nvContentPartPr>
+              <p14:xfrm>
+                <a:off x="6429071" y="5014451"/>
+                <a:ext cx="360" cy="360"/>
+              </p14:xfrm>
+            </p:contentPart>
+          </mc:Choice>
+          <mc:Fallback>
+            <p:pic>
+              <p:nvPicPr>
+                <p:cNvPr id="307" name="Ink 306">
+                  <a:extLst>
+                    <a:ext uri="{FF2B5EF4-FFF2-40B4-BE49-F238E27FC236}">
+                      <a16:creationId xmlns:a16="http://schemas.microsoft.com/office/drawing/2014/main" id="{2E424C39-E915-EFB8-174A-74D5EFBDFFD9}"/>
+                    </a:ext>
+                  </a:extLst>
+                </p:cNvPr>
+                <p:cNvPicPr/>
+                <p:nvPr/>
+              </p:nvPicPr>
+              <p:blipFill>
+                <a:blip r:embed="rId5"/>
+                <a:stretch>
+                  <a:fillRect/>
+                </a:stretch>
+              </p:blipFill>
+              <p:spPr>
+                <a:xfrm>
+                  <a:off x="6366431" y="4951811"/>
+                  <a:ext cx="126000" cy="126000"/>
+                </a:xfrm>
+                <a:prstGeom prst="rect">
+                  <a:avLst/>
+                </a:prstGeom>
+              </p:spPr>
+            </p:pic>
+          </mc:Fallback>
+        </mc:AlternateContent>
+        <mc:AlternateContent xmlns:mc="http://schemas.openxmlformats.org/markup-compatibility/2006">
+          <mc:Choice xmlns:p14="http://schemas.microsoft.com/office/powerpoint/2010/main" Requires="p14">
+            <p:contentPart p14:bwMode="auto" r:id="rId46">
+              <p14:nvContentPartPr>
+                <p14:cNvPr id="308" name="Ink 307">
+                  <a:extLst>
+                    <a:ext uri="{FF2B5EF4-FFF2-40B4-BE49-F238E27FC236}">
+                      <a16:creationId xmlns:a16="http://schemas.microsoft.com/office/drawing/2014/main" id="{8475EB96-3AEB-6E34-4FA3-2060ABF44A47}"/>
+                    </a:ext>
+                  </a:extLst>
+                </p14:cNvPr>
+                <p14:cNvContentPartPr/>
+                <p14:nvPr/>
+              </p14:nvContentPartPr>
+              <p14:xfrm>
+                <a:off x="6443471" y="5028851"/>
+                <a:ext cx="360" cy="360"/>
+              </p14:xfrm>
+            </p:contentPart>
+          </mc:Choice>
+          <mc:Fallback>
+            <p:pic>
+              <p:nvPicPr>
+                <p:cNvPr id="308" name="Ink 307">
+                  <a:extLst>
+                    <a:ext uri="{FF2B5EF4-FFF2-40B4-BE49-F238E27FC236}">
+                      <a16:creationId xmlns:a16="http://schemas.microsoft.com/office/drawing/2014/main" id="{8475EB96-3AEB-6E34-4FA3-2060ABF44A47}"/>
+                    </a:ext>
+                  </a:extLst>
+                </p:cNvPr>
+                <p:cNvPicPr/>
+                <p:nvPr/>
+              </p:nvPicPr>
+              <p:blipFill>
+                <a:blip r:embed="rId5"/>
+                <a:stretch>
+                  <a:fillRect/>
+                </a:stretch>
+              </p:blipFill>
+              <p:spPr>
+                <a:xfrm>
+                  <a:off x="6380471" y="4966211"/>
+                  <a:ext cx="126000" cy="126000"/>
+                </a:xfrm>
+                <a:prstGeom prst="rect">
+                  <a:avLst/>
+                </a:prstGeom>
+              </p:spPr>
+            </p:pic>
+          </mc:Fallback>
+        </mc:AlternateContent>
+        <mc:AlternateContent xmlns:mc="http://schemas.openxmlformats.org/markup-compatibility/2006">
+          <mc:Choice xmlns:p14="http://schemas.microsoft.com/office/powerpoint/2010/main" Requires="p14">
+            <p:contentPart p14:bwMode="auto" r:id="rId47">
+              <p14:nvContentPartPr>
+                <p14:cNvPr id="313" name="Ink 312">
+                  <a:extLst>
+                    <a:ext uri="{FF2B5EF4-FFF2-40B4-BE49-F238E27FC236}">
+                      <a16:creationId xmlns:a16="http://schemas.microsoft.com/office/drawing/2014/main" id="{F00FE113-DCA5-21B3-9DE5-181712D710FC}"/>
+                    </a:ext>
+                  </a:extLst>
+                </p14:cNvPr>
+                <p14:cNvContentPartPr/>
+                <p14:nvPr/>
+              </p14:nvContentPartPr>
+              <p14:xfrm>
+                <a:off x="6186071" y="5014451"/>
+                <a:ext cx="360" cy="360"/>
+              </p14:xfrm>
+            </p:contentPart>
+          </mc:Choice>
+          <mc:Fallback>
+            <p:pic>
+              <p:nvPicPr>
+                <p:cNvPr id="313" name="Ink 312">
+                  <a:extLst>
+                    <a:ext uri="{FF2B5EF4-FFF2-40B4-BE49-F238E27FC236}">
+                      <a16:creationId xmlns:a16="http://schemas.microsoft.com/office/drawing/2014/main" id="{F00FE113-DCA5-21B3-9DE5-181712D710FC}"/>
+                    </a:ext>
+                  </a:extLst>
+                </p:cNvPr>
+                <p:cNvPicPr/>
+                <p:nvPr/>
+              </p:nvPicPr>
+              <p:blipFill>
+                <a:blip r:embed="rId5"/>
+                <a:stretch>
+                  <a:fillRect/>
+                </a:stretch>
+              </p:blipFill>
+              <p:spPr>
+                <a:xfrm>
+                  <a:off x="6123431" y="4951811"/>
+                  <a:ext cx="126000" cy="126000"/>
+                </a:xfrm>
+                <a:prstGeom prst="rect">
+                  <a:avLst/>
+                </a:prstGeom>
+              </p:spPr>
+            </p:pic>
+          </mc:Fallback>
+        </mc:AlternateContent>
+        <mc:AlternateContent xmlns:mc="http://schemas.openxmlformats.org/markup-compatibility/2006">
+          <mc:Choice xmlns:p14="http://schemas.microsoft.com/office/powerpoint/2010/main" Requires="p14">
+            <p:contentPart p14:bwMode="auto" r:id="rId48">
+              <p14:nvContentPartPr>
+                <p14:cNvPr id="314" name="Ink 313">
+                  <a:extLst>
+                    <a:ext uri="{FF2B5EF4-FFF2-40B4-BE49-F238E27FC236}">
+                      <a16:creationId xmlns:a16="http://schemas.microsoft.com/office/drawing/2014/main" id="{5D285E29-8B11-3A2D-F52F-B3AF77C78CFB}"/>
+                    </a:ext>
+                  </a:extLst>
+                </p14:cNvPr>
+                <p14:cNvContentPartPr/>
+                <p14:nvPr/>
+              </p14:nvContentPartPr>
+              <p14:xfrm>
+                <a:off x="6086351" y="5000411"/>
+                <a:ext cx="360" cy="360"/>
+              </p14:xfrm>
+            </p:contentPart>
+          </mc:Choice>
+          <mc:Fallback>
+            <p:pic>
+              <p:nvPicPr>
+                <p:cNvPr id="314" name="Ink 313">
+                  <a:extLst>
+                    <a:ext uri="{FF2B5EF4-FFF2-40B4-BE49-F238E27FC236}">
+                      <a16:creationId xmlns:a16="http://schemas.microsoft.com/office/drawing/2014/main" id="{5D285E29-8B11-3A2D-F52F-B3AF77C78CFB}"/>
+                    </a:ext>
+                  </a:extLst>
+                </p:cNvPr>
+                <p:cNvPicPr/>
+                <p:nvPr/>
+              </p:nvPicPr>
+              <p:blipFill>
+                <a:blip r:embed="rId5"/>
+                <a:stretch>
+                  <a:fillRect/>
+                </a:stretch>
+              </p:blipFill>
+              <p:spPr>
+                <a:xfrm>
+                  <a:off x="6023351" y="4937411"/>
+                  <a:ext cx="126000" cy="126000"/>
+                </a:xfrm>
+                <a:prstGeom prst="rect">
+                  <a:avLst/>
+                </a:prstGeom>
+              </p:spPr>
+            </p:pic>
+          </mc:Fallback>
+        </mc:AlternateContent>
+        <mc:AlternateContent xmlns:mc="http://schemas.openxmlformats.org/markup-compatibility/2006">
+          <mc:Choice xmlns:p14="http://schemas.microsoft.com/office/powerpoint/2010/main" Requires="p14">
+            <p:contentPart p14:bwMode="auto" r:id="rId49">
+              <p14:nvContentPartPr>
+                <p14:cNvPr id="315" name="Ink 314">
+                  <a:extLst>
+                    <a:ext uri="{FF2B5EF4-FFF2-40B4-BE49-F238E27FC236}">
+                      <a16:creationId xmlns:a16="http://schemas.microsoft.com/office/drawing/2014/main" id="{140B75C7-F7D3-EAEE-7AEF-6BC1A6A96F9F}"/>
+                    </a:ext>
+                  </a:extLst>
+                </p14:cNvPr>
+                <p14:cNvContentPartPr/>
+                <p14:nvPr/>
+              </p14:nvContentPartPr>
+              <p14:xfrm>
+                <a:off x="6078791" y="4907531"/>
+                <a:ext cx="360" cy="360"/>
+              </p14:xfrm>
+            </p:contentPart>
+          </mc:Choice>
+          <mc:Fallback>
+            <p:pic>
+              <p:nvPicPr>
+                <p:cNvPr id="315" name="Ink 314">
+                  <a:extLst>
+                    <a:ext uri="{FF2B5EF4-FFF2-40B4-BE49-F238E27FC236}">
+                      <a16:creationId xmlns:a16="http://schemas.microsoft.com/office/drawing/2014/main" id="{140B75C7-F7D3-EAEE-7AEF-6BC1A6A96F9F}"/>
+                    </a:ext>
+                  </a:extLst>
+                </p:cNvPr>
+                <p:cNvPicPr/>
+                <p:nvPr/>
+              </p:nvPicPr>
+              <p:blipFill>
+                <a:blip r:embed="rId5"/>
+                <a:stretch>
+                  <a:fillRect/>
+                </a:stretch>
+              </p:blipFill>
+              <p:spPr>
+                <a:xfrm>
+                  <a:off x="6016151" y="4844531"/>
+                  <a:ext cx="126000" cy="126000"/>
+                </a:xfrm>
+                <a:prstGeom prst="rect">
+                  <a:avLst/>
+                </a:prstGeom>
+              </p:spPr>
+            </p:pic>
+          </mc:Fallback>
+        </mc:AlternateContent>
+        <mc:AlternateContent xmlns:mc="http://schemas.openxmlformats.org/markup-compatibility/2006">
+          <mc:Choice xmlns:p14="http://schemas.microsoft.com/office/powerpoint/2010/main" Requires="p14">
+            <p:contentPart p14:bwMode="auto" r:id="rId50">
+              <p14:nvContentPartPr>
+                <p14:cNvPr id="316" name="Ink 315">
+                  <a:extLst>
+                    <a:ext uri="{FF2B5EF4-FFF2-40B4-BE49-F238E27FC236}">
+                      <a16:creationId xmlns:a16="http://schemas.microsoft.com/office/drawing/2014/main" id="{9C921947-CBEC-8DEA-CAA1-4C1DE82F3271}"/>
+                    </a:ext>
+                  </a:extLst>
+                </p14:cNvPr>
+                <p14:cNvContentPartPr/>
+                <p14:nvPr/>
+              </p14:nvContentPartPr>
+              <p14:xfrm>
+                <a:off x="6064751" y="4843091"/>
+                <a:ext cx="360" cy="360"/>
+              </p14:xfrm>
+            </p:contentPart>
+          </mc:Choice>
+          <mc:Fallback>
+            <p:pic>
+              <p:nvPicPr>
+                <p:cNvPr id="316" name="Ink 315">
+                  <a:extLst>
+                    <a:ext uri="{FF2B5EF4-FFF2-40B4-BE49-F238E27FC236}">
+                      <a16:creationId xmlns:a16="http://schemas.microsoft.com/office/drawing/2014/main" id="{9C921947-CBEC-8DEA-CAA1-4C1DE82F3271}"/>
+                    </a:ext>
+                  </a:extLst>
+                </p:cNvPr>
+                <p:cNvPicPr/>
+                <p:nvPr/>
+              </p:nvPicPr>
+              <p:blipFill>
+                <a:blip r:embed="rId5"/>
+                <a:stretch>
+                  <a:fillRect/>
+                </a:stretch>
+              </p:blipFill>
+              <p:spPr>
+                <a:xfrm>
+                  <a:off x="6001751" y="4780091"/>
+                  <a:ext cx="126000" cy="126000"/>
+                </a:xfrm>
+                <a:prstGeom prst="rect">
+                  <a:avLst/>
+                </a:prstGeom>
+              </p:spPr>
+            </p:pic>
+          </mc:Fallback>
+        </mc:AlternateContent>
+        <mc:AlternateContent xmlns:mc="http://schemas.openxmlformats.org/markup-compatibility/2006">
+          <mc:Choice xmlns:p14="http://schemas.microsoft.com/office/powerpoint/2010/main" Requires="p14">
+            <p:contentPart p14:bwMode="auto" r:id="rId51">
+              <p14:nvContentPartPr>
+                <p14:cNvPr id="317" name="Ink 316">
+                  <a:extLst>
+                    <a:ext uri="{FF2B5EF4-FFF2-40B4-BE49-F238E27FC236}">
+                      <a16:creationId xmlns:a16="http://schemas.microsoft.com/office/drawing/2014/main" id="{BCEB5DB0-D439-0562-3216-51A704B5264F}"/>
+                    </a:ext>
+                  </a:extLst>
+                </p14:cNvPr>
+                <p14:cNvContentPartPr/>
+                <p14:nvPr/>
+              </p14:nvContentPartPr>
+              <p14:xfrm>
+                <a:off x="6028751" y="4771811"/>
+                <a:ext cx="360" cy="360"/>
+              </p14:xfrm>
+            </p:contentPart>
+          </mc:Choice>
+          <mc:Fallback>
+            <p:pic>
+              <p:nvPicPr>
+                <p:cNvPr id="317" name="Ink 316">
+                  <a:extLst>
+                    <a:ext uri="{FF2B5EF4-FFF2-40B4-BE49-F238E27FC236}">
+                      <a16:creationId xmlns:a16="http://schemas.microsoft.com/office/drawing/2014/main" id="{BCEB5DB0-D439-0562-3216-51A704B5264F}"/>
+                    </a:ext>
+                  </a:extLst>
+                </p:cNvPr>
+                <p:cNvPicPr/>
+                <p:nvPr/>
+              </p:nvPicPr>
+              <p:blipFill>
+                <a:blip r:embed="rId5"/>
+                <a:stretch>
+                  <a:fillRect/>
+                </a:stretch>
+              </p:blipFill>
+              <p:spPr>
+                <a:xfrm>
+                  <a:off x="5966111" y="4709171"/>
+                  <a:ext cx="126000" cy="126000"/>
+                </a:xfrm>
+                <a:prstGeom prst="rect">
+                  <a:avLst/>
+                </a:prstGeom>
+              </p:spPr>
+            </p:pic>
+          </mc:Fallback>
+        </mc:AlternateContent>
+        <mc:AlternateContent xmlns:mc="http://schemas.openxmlformats.org/markup-compatibility/2006">
+          <mc:Choice xmlns:p14="http://schemas.microsoft.com/office/powerpoint/2010/main" Requires="p14">
+            <p:contentPart p14:bwMode="auto" r:id="rId52">
+              <p14:nvContentPartPr>
+                <p14:cNvPr id="318" name="Ink 317">
+                  <a:extLst>
+                    <a:ext uri="{FF2B5EF4-FFF2-40B4-BE49-F238E27FC236}">
+                      <a16:creationId xmlns:a16="http://schemas.microsoft.com/office/drawing/2014/main" id="{BC4BFEAA-920A-BBDA-40B6-D044355DAC92}"/>
+                    </a:ext>
+                  </a:extLst>
+                </p14:cNvPr>
+                <p14:cNvContentPartPr/>
+                <p14:nvPr/>
+              </p14:nvContentPartPr>
+              <p14:xfrm>
+                <a:off x="6028391" y="4721411"/>
+                <a:ext cx="164880" cy="316080"/>
+              </p14:xfrm>
+            </p:contentPart>
+          </mc:Choice>
+          <mc:Fallback>
+            <p:pic>
+              <p:nvPicPr>
+                <p:cNvPr id="318" name="Ink 317">
+                  <a:extLst>
+                    <a:ext uri="{FF2B5EF4-FFF2-40B4-BE49-F238E27FC236}">
+                      <a16:creationId xmlns:a16="http://schemas.microsoft.com/office/drawing/2014/main" id="{BC4BFEAA-920A-BBDA-40B6-D044355DAC92}"/>
+                    </a:ext>
+                  </a:extLst>
+                </p:cNvPr>
+                <p:cNvPicPr/>
+                <p:nvPr/>
+              </p:nvPicPr>
+              <p:blipFill>
+                <a:blip r:embed="rId53"/>
+                <a:stretch>
+                  <a:fillRect/>
+                </a:stretch>
+              </p:blipFill>
+              <p:spPr>
+                <a:xfrm>
+                  <a:off x="5965391" y="4658771"/>
+                  <a:ext cx="290520" cy="441720"/>
+                </a:xfrm>
+                <a:prstGeom prst="rect">
+                  <a:avLst/>
+                </a:prstGeom>
+              </p:spPr>
+            </p:pic>
+          </mc:Fallback>
+        </mc:AlternateContent>
+        <mc:AlternateContent xmlns:mc="http://schemas.openxmlformats.org/markup-compatibility/2006">
+          <mc:Choice xmlns:p14="http://schemas.microsoft.com/office/powerpoint/2010/main" Requires="p14">
+            <p:contentPart p14:bwMode="auto" r:id="rId54">
+              <p14:nvContentPartPr>
+                <p14:cNvPr id="320" name="Ink 319">
+                  <a:extLst>
+                    <a:ext uri="{FF2B5EF4-FFF2-40B4-BE49-F238E27FC236}">
+                      <a16:creationId xmlns:a16="http://schemas.microsoft.com/office/drawing/2014/main" id="{7DEB92D2-626C-36B2-99A4-8B72DF241112}"/>
+                    </a:ext>
+                  </a:extLst>
+                </p14:cNvPr>
+                <p14:cNvContentPartPr/>
+                <p14:nvPr/>
+              </p14:nvContentPartPr>
+              <p14:xfrm>
+                <a:off x="6493151" y="5007251"/>
+                <a:ext cx="360" cy="360"/>
+              </p14:xfrm>
+            </p:contentPart>
+          </mc:Choice>
+          <mc:Fallback>
+            <p:pic>
+              <p:nvPicPr>
+                <p:cNvPr id="320" name="Ink 319">
+                  <a:extLst>
+                    <a:ext uri="{FF2B5EF4-FFF2-40B4-BE49-F238E27FC236}">
+                      <a16:creationId xmlns:a16="http://schemas.microsoft.com/office/drawing/2014/main" id="{7DEB92D2-626C-36B2-99A4-8B72DF241112}"/>
+                    </a:ext>
+                  </a:extLst>
+                </p:cNvPr>
+                <p:cNvPicPr/>
+                <p:nvPr/>
+              </p:nvPicPr>
+              <p:blipFill>
+                <a:blip r:embed="rId5"/>
+                <a:stretch>
+                  <a:fillRect/>
+                </a:stretch>
+              </p:blipFill>
+              <p:spPr>
+                <a:xfrm>
+                  <a:off x="6430511" y="4944611"/>
+                  <a:ext cx="126000" cy="126000"/>
+                </a:xfrm>
+                <a:prstGeom prst="rect">
+                  <a:avLst/>
+                </a:prstGeom>
+              </p:spPr>
+            </p:pic>
+          </mc:Fallback>
+        </mc:AlternateContent>
+      </p:grpSp>
+      <p:sp>
+        <p:nvSpPr>
+          <p:cNvPr id="322" name="TextBox 321">
+            <a:extLst>
+              <a:ext uri="{FF2B5EF4-FFF2-40B4-BE49-F238E27FC236}">
+                <a16:creationId xmlns:a16="http://schemas.microsoft.com/office/drawing/2014/main" id="{97A16653-7B20-9D47-5B7D-60E79E53F33B}"/>
+              </a:ext>
+            </a:extLst>
+          </p:cNvPr>
+          <p:cNvSpPr txBox="1"/>
+          <p:nvPr/>
+        </p:nvSpPr>
+        <p:spPr>
+          <a:xfrm>
+            <a:off x="6028391" y="3835091"/>
+            <a:ext cx="462960" cy="461665"/>
+          </a:xfrm>
+          <a:prstGeom prst="rect">
+            <a:avLst/>
+          </a:prstGeom>
+          <a:noFill/>
+        </p:spPr>
+        <p:txBody>
+          <a:bodyPr wrap="square" rtlCol="0">
+            <a:spAutoFit/>
+          </a:bodyPr>
+          <a:lstStyle/>
+          <a:p>
+            <a:r>
+              <a:rPr lang="en-US" dirty="0"/>
+              <a:t> </a:t>
+            </a:r>
+            <a:r>
+              <a:rPr lang="en-US" sz="2400" dirty="0"/>
+              <a:t>?</a:t>
+            </a:r>
+            <a:endParaRPr lang="en-AE" dirty="0"/>
+          </a:p>
+        </p:txBody>
+      </p:sp>
     </p:spTree>
   </p:cSld>
   <p:clrMapOvr>
@@ -16838,7 +20727,7 @@
         </p:spPr>
         <p:txBody>
           <a:bodyPr spcFirstLastPara="1" wrap="square" lIns="91425" tIns="91425" rIns="91425" bIns="91425" anchor="t" anchorCtr="0">
-            <a:normAutofit fontScale="90000"/>
+            <a:normAutofit/>
           </a:bodyPr>
           <a:lstStyle/>
           <a:p>
@@ -16852,10 +20741,10 @@
               <a:buNone/>
             </a:pPr>
             <a:r>
-              <a:rPr lang="en-GB"/>
-              <a:t>Conclusion</a:t>
+              <a:rPr lang="en-US" dirty="0"/>
+              <a:t>Summary</a:t>
             </a:r>
-            <a:endParaRPr/>
+            <a:endParaRPr dirty="0"/>
           </a:p>
           <a:p>
             <a:pPr marL="0" lvl="0" indent="0" algn="l" rtl="0">
@@ -16867,7 +20756,7 @@
               </a:spcAft>
               <a:buNone/>
             </a:pPr>
-            <a:endParaRPr/>
+            <a:endParaRPr dirty="0"/>
           </a:p>
         </p:txBody>
       </p:sp>
@@ -16883,8 +20772,8 @@
         </p:nvSpPr>
         <p:spPr>
           <a:xfrm>
-            <a:off x="1303800" y="1990050"/>
-            <a:ext cx="7030500" cy="2541600"/>
+            <a:off x="1303800" y="1971675"/>
+            <a:ext cx="7030500" cy="2559975"/>
           </a:xfrm>
           <a:prstGeom prst="rect">
             <a:avLst/>
@@ -16908,7 +20797,7 @@
             </a:pPr>
             <a:r>
               <a:rPr lang="en-GB" sz="1400" dirty="0"/>
-              <a:t>In 2021 air transportation immediately started to recover, by %34 </a:t>
+              <a:t>In 2021 air transportation immediately started to recover in EU, by %34 </a:t>
             </a:r>
             <a:endParaRPr sz="1400" dirty="0"/>
           </a:p>
@@ -16961,7 +20850,19 @@
               <a:rPr lang="en-GB" sz="1400" dirty="0"/>
               <a:t>When we look at the trends between Q2 and Q3, we might expect significant recovery in 2022</a:t>
             </a:r>
-            <a:endParaRPr sz="1400" dirty="0"/>
+          </a:p>
+          <a:p>
+            <a:pPr marL="139700" lvl="0" indent="0" algn="l" rtl="0">
+              <a:spcBef>
+                <a:spcPts val="0"/>
+              </a:spcBef>
+              <a:spcAft>
+                <a:spcPts val="0"/>
+              </a:spcAft>
+              <a:buSzPts val="1400"/>
+              <a:buNone/>
+            </a:pPr>
+            <a:endParaRPr lang="en-GB" sz="1400" dirty="0"/>
           </a:p>
         </p:txBody>
       </p:sp>
@@ -16997,14 +20898,10 @@
             <a:spLocks noGrp="1"/>
           </p:cNvSpPr>
           <p:nvPr>
-            <p:ph type="title"/>
+            <p:ph type="ctrTitle"/>
           </p:nvPr>
         </p:nvSpPr>
         <p:spPr>
-          <a:xfrm>
-            <a:off x="1303800" y="598575"/>
-            <a:ext cx="7030500" cy="999300"/>
-          </a:xfrm>
           <a:prstGeom prst="rect">
             <a:avLst/>
           </a:prstGeom>
@@ -17025,48 +20922,10 @@
               <a:buNone/>
             </a:pPr>
             <a:r>
-              <a:rPr lang="en-GB"/>
+              <a:rPr lang="en-GB" dirty="0"/>
               <a:t>Thank you</a:t>
             </a:r>
-            <a:endParaRPr/>
-          </a:p>
-        </p:txBody>
-      </p:sp>
-      <p:sp>
-        <p:nvSpPr>
-          <p:cNvPr id="324" name="Google Shape;324;p20"/>
-          <p:cNvSpPr txBox="1">
-            <a:spLocks noGrp="1"/>
-          </p:cNvSpPr>
-          <p:nvPr>
-            <p:ph type="body" idx="1"/>
-          </p:nvPr>
-        </p:nvSpPr>
-        <p:spPr>
-          <a:xfrm>
-            <a:off x="1303800" y="1990050"/>
-            <a:ext cx="7030500" cy="2541600"/>
-          </a:xfrm>
-          <a:prstGeom prst="rect">
-            <a:avLst/>
-          </a:prstGeom>
-        </p:spPr>
-        <p:txBody>
-          <a:bodyPr spcFirstLastPara="1" wrap="square" lIns="91425" tIns="91425" rIns="91425" bIns="91425" anchor="t" anchorCtr="0">
-            <a:normAutofit/>
-          </a:bodyPr>
-          <a:lstStyle/>
-          <a:p>
-            <a:pPr marL="0" lvl="0" indent="0" algn="l" rtl="0">
-              <a:spcBef>
-                <a:spcPts val="0"/>
-              </a:spcBef>
-              <a:spcAft>
-                <a:spcPts val="1200"/>
-              </a:spcAft>
-              <a:buNone/>
-            </a:pPr>
-            <a:endParaRPr/>
+            <a:endParaRPr dirty="0"/>
           </a:p>
         </p:txBody>
       </p:sp>

--- a/presentation/EU Air Traffic Analysis  Ironhack data analytics mid-bootcamp project.pptx
+++ b/presentation/EU Air Traffic Analysis  Ironhack data analytics mid-bootcamp project.pptx
@@ -17647,7 +17647,7 @@
           <a:p>
             <a:r>
               <a:rPr lang="en-GB" dirty="0"/>
-              <a:t>UK is not included to this analysis (before 2020)</a:t>
+              <a:t>UK is not included in this analysis (before 2020)</a:t>
             </a:r>
             <a:endParaRPr dirty="0"/>
           </a:p>
@@ -18294,8 +18294,8 @@
             <a:chExt cx="465120" cy="1229400"/>
           </a:xfrm>
         </p:grpSpPr>
-        <mc:AlternateContent xmlns:mc="http://schemas.openxmlformats.org/markup-compatibility/2006">
-          <mc:Choice xmlns:p14="http://schemas.microsoft.com/office/powerpoint/2010/main" Requires="p14">
+        <mc:AlternateContent xmlns:mc="http://schemas.openxmlformats.org/markup-compatibility/2006" xmlns:p14="http://schemas.microsoft.com/office/powerpoint/2010/main">
+          <mc:Choice Requires="p14">
             <p:contentPart p14:bwMode="auto" r:id="rId4">
               <p14:nvContentPartPr>
                 <p14:cNvPr id="4" name="Ink 3">
@@ -18314,7 +18314,7 @@
               </p14:xfrm>
             </p:contentPart>
           </mc:Choice>
-          <mc:Fallback>
+          <mc:Fallback xmlns="">
             <p:pic>
               <p:nvPicPr>
                 <p:cNvPr id="4" name="Ink 3">
@@ -18345,8 +18345,8 @@
             </p:pic>
           </mc:Fallback>
         </mc:AlternateContent>
-        <mc:AlternateContent xmlns:mc="http://schemas.openxmlformats.org/markup-compatibility/2006">
-          <mc:Choice xmlns:p14="http://schemas.microsoft.com/office/powerpoint/2010/main" Requires="p14">
+        <mc:AlternateContent xmlns:mc="http://schemas.openxmlformats.org/markup-compatibility/2006" xmlns:p14="http://schemas.microsoft.com/office/powerpoint/2010/main">
+          <mc:Choice Requires="p14">
             <p:contentPart p14:bwMode="auto" r:id="rId6">
               <p14:nvContentPartPr>
                 <p14:cNvPr id="5" name="Ink 4">
@@ -18365,7 +18365,7 @@
               </p14:xfrm>
             </p:contentPart>
           </mc:Choice>
-          <mc:Fallback>
+          <mc:Fallback xmlns="">
             <p:pic>
               <p:nvPicPr>
                 <p:cNvPr id="5" name="Ink 4">
@@ -18396,8 +18396,8 @@
             </p:pic>
           </mc:Fallback>
         </mc:AlternateContent>
-        <mc:AlternateContent xmlns:mc="http://schemas.openxmlformats.org/markup-compatibility/2006">
-          <mc:Choice xmlns:p14="http://schemas.microsoft.com/office/powerpoint/2010/main" Requires="p14">
+        <mc:AlternateContent xmlns:mc="http://schemas.openxmlformats.org/markup-compatibility/2006" xmlns:p14="http://schemas.microsoft.com/office/powerpoint/2010/main">
+          <mc:Choice Requires="p14">
             <p:contentPart p14:bwMode="auto" r:id="rId7">
               <p14:nvContentPartPr>
                 <p14:cNvPr id="6" name="Ink 5">
@@ -18416,7 +18416,7 @@
               </p14:xfrm>
             </p:contentPart>
           </mc:Choice>
-          <mc:Fallback>
+          <mc:Fallback xmlns="">
             <p:pic>
               <p:nvPicPr>
                 <p:cNvPr id="6" name="Ink 5">
@@ -18447,8 +18447,8 @@
             </p:pic>
           </mc:Fallback>
         </mc:AlternateContent>
-        <mc:AlternateContent xmlns:mc="http://schemas.openxmlformats.org/markup-compatibility/2006">
-          <mc:Choice xmlns:p14="http://schemas.microsoft.com/office/powerpoint/2010/main" Requires="p14">
+        <mc:AlternateContent xmlns:mc="http://schemas.openxmlformats.org/markup-compatibility/2006" xmlns:p14="http://schemas.microsoft.com/office/powerpoint/2010/main">
+          <mc:Choice Requires="p14">
             <p:contentPart p14:bwMode="auto" r:id="rId8">
               <p14:nvContentPartPr>
                 <p14:cNvPr id="7" name="Ink 6">
@@ -18467,7 +18467,7 @@
               </p14:xfrm>
             </p:contentPart>
           </mc:Choice>
-          <mc:Fallback>
+          <mc:Fallback xmlns="">
             <p:pic>
               <p:nvPicPr>
                 <p:cNvPr id="7" name="Ink 6">
@@ -18498,8 +18498,8 @@
             </p:pic>
           </mc:Fallback>
         </mc:AlternateContent>
-        <mc:AlternateContent xmlns:mc="http://schemas.openxmlformats.org/markup-compatibility/2006">
-          <mc:Choice xmlns:p14="http://schemas.microsoft.com/office/powerpoint/2010/main" Requires="p14">
+        <mc:AlternateContent xmlns:mc="http://schemas.openxmlformats.org/markup-compatibility/2006" xmlns:p14="http://schemas.microsoft.com/office/powerpoint/2010/main">
+          <mc:Choice Requires="p14">
             <p:contentPart p14:bwMode="auto" r:id="rId9">
               <p14:nvContentPartPr>
                 <p14:cNvPr id="8" name="Ink 7">
@@ -18518,7 +18518,7 @@
               </p14:xfrm>
             </p:contentPart>
           </mc:Choice>
-          <mc:Fallback>
+          <mc:Fallback xmlns="">
             <p:pic>
               <p:nvPicPr>
                 <p:cNvPr id="8" name="Ink 7">
@@ -18549,8 +18549,8 @@
             </p:pic>
           </mc:Fallback>
         </mc:AlternateContent>
-        <mc:AlternateContent xmlns:mc="http://schemas.openxmlformats.org/markup-compatibility/2006">
-          <mc:Choice xmlns:p14="http://schemas.microsoft.com/office/powerpoint/2010/main" Requires="p14">
+        <mc:AlternateContent xmlns:mc="http://schemas.openxmlformats.org/markup-compatibility/2006" xmlns:p14="http://schemas.microsoft.com/office/powerpoint/2010/main">
+          <mc:Choice Requires="p14">
             <p:contentPart p14:bwMode="auto" r:id="rId11">
               <p14:nvContentPartPr>
                 <p14:cNvPr id="9" name="Ink 8">
@@ -18569,7 +18569,7 @@
               </p14:xfrm>
             </p:contentPart>
           </mc:Choice>
-          <mc:Fallback>
+          <mc:Fallback xmlns="">
             <p:pic>
               <p:nvPicPr>
                 <p:cNvPr id="9" name="Ink 8">
@@ -18600,8 +18600,8 @@
             </p:pic>
           </mc:Fallback>
         </mc:AlternateContent>
-        <mc:AlternateContent xmlns:mc="http://schemas.openxmlformats.org/markup-compatibility/2006">
-          <mc:Choice xmlns:p14="http://schemas.microsoft.com/office/powerpoint/2010/main" Requires="p14">
+        <mc:AlternateContent xmlns:mc="http://schemas.openxmlformats.org/markup-compatibility/2006" xmlns:p14="http://schemas.microsoft.com/office/powerpoint/2010/main">
+          <mc:Choice Requires="p14">
             <p:contentPart p14:bwMode="auto" r:id="rId12">
               <p14:nvContentPartPr>
                 <p14:cNvPr id="10" name="Ink 9">
@@ -18620,7 +18620,7 @@
               </p14:xfrm>
             </p:contentPart>
           </mc:Choice>
-          <mc:Fallback>
+          <mc:Fallback xmlns="">
             <p:pic>
               <p:nvPicPr>
                 <p:cNvPr id="10" name="Ink 9">
@@ -18651,8 +18651,8 @@
             </p:pic>
           </mc:Fallback>
         </mc:AlternateContent>
-        <mc:AlternateContent xmlns:mc="http://schemas.openxmlformats.org/markup-compatibility/2006">
-          <mc:Choice xmlns:p14="http://schemas.microsoft.com/office/powerpoint/2010/main" Requires="p14">
+        <mc:AlternateContent xmlns:mc="http://schemas.openxmlformats.org/markup-compatibility/2006" xmlns:p14="http://schemas.microsoft.com/office/powerpoint/2010/main">
+          <mc:Choice Requires="p14">
             <p:contentPart p14:bwMode="auto" r:id="rId13">
               <p14:nvContentPartPr>
                 <p14:cNvPr id="11" name="Ink 10">
@@ -18671,7 +18671,7 @@
               </p14:xfrm>
             </p:contentPart>
           </mc:Choice>
-          <mc:Fallback>
+          <mc:Fallback xmlns="">
             <p:pic>
               <p:nvPicPr>
                 <p:cNvPr id="11" name="Ink 10">
@@ -18702,8 +18702,8 @@
             </p:pic>
           </mc:Fallback>
         </mc:AlternateContent>
-        <mc:AlternateContent xmlns:mc="http://schemas.openxmlformats.org/markup-compatibility/2006">
-          <mc:Choice xmlns:p14="http://schemas.microsoft.com/office/powerpoint/2010/main" Requires="p14">
+        <mc:AlternateContent xmlns:mc="http://schemas.openxmlformats.org/markup-compatibility/2006" xmlns:p14="http://schemas.microsoft.com/office/powerpoint/2010/main">
+          <mc:Choice Requires="p14">
             <p:contentPart p14:bwMode="auto" r:id="rId14">
               <p14:nvContentPartPr>
                 <p14:cNvPr id="12" name="Ink 11">
@@ -18722,7 +18722,7 @@
               </p14:xfrm>
             </p:contentPart>
           </mc:Choice>
-          <mc:Fallback>
+          <mc:Fallback xmlns="">
             <p:pic>
               <p:nvPicPr>
                 <p:cNvPr id="12" name="Ink 11">
@@ -18753,8 +18753,8 @@
             </p:pic>
           </mc:Fallback>
         </mc:AlternateContent>
-        <mc:AlternateContent xmlns:mc="http://schemas.openxmlformats.org/markup-compatibility/2006">
-          <mc:Choice xmlns:p14="http://schemas.microsoft.com/office/powerpoint/2010/main" Requires="p14">
+        <mc:AlternateContent xmlns:mc="http://schemas.openxmlformats.org/markup-compatibility/2006" xmlns:p14="http://schemas.microsoft.com/office/powerpoint/2010/main">
+          <mc:Choice Requires="p14">
             <p:contentPart p14:bwMode="auto" r:id="rId15">
               <p14:nvContentPartPr>
                 <p14:cNvPr id="13" name="Ink 12">
@@ -18773,7 +18773,7 @@
               </p14:xfrm>
             </p:contentPart>
           </mc:Choice>
-          <mc:Fallback>
+          <mc:Fallback xmlns="">
             <p:pic>
               <p:nvPicPr>
                 <p:cNvPr id="13" name="Ink 12">
@@ -18804,8 +18804,8 @@
             </p:pic>
           </mc:Fallback>
         </mc:AlternateContent>
-        <mc:AlternateContent xmlns:mc="http://schemas.openxmlformats.org/markup-compatibility/2006">
-          <mc:Choice xmlns:p14="http://schemas.microsoft.com/office/powerpoint/2010/main" Requires="p14">
+        <mc:AlternateContent xmlns:mc="http://schemas.openxmlformats.org/markup-compatibility/2006" xmlns:p14="http://schemas.microsoft.com/office/powerpoint/2010/main">
+          <mc:Choice Requires="p14">
             <p:contentPart p14:bwMode="auto" r:id="rId17">
               <p14:nvContentPartPr>
                 <p14:cNvPr id="14" name="Ink 13">
@@ -18824,7 +18824,7 @@
               </p14:xfrm>
             </p:contentPart>
           </mc:Choice>
-          <mc:Fallback>
+          <mc:Fallback xmlns="">
             <p:pic>
               <p:nvPicPr>
                 <p:cNvPr id="14" name="Ink 13">
@@ -18855,8 +18855,8 @@
             </p:pic>
           </mc:Fallback>
         </mc:AlternateContent>
-        <mc:AlternateContent xmlns:mc="http://schemas.openxmlformats.org/markup-compatibility/2006">
-          <mc:Choice xmlns:p14="http://schemas.microsoft.com/office/powerpoint/2010/main" Requires="p14">
+        <mc:AlternateContent xmlns:mc="http://schemas.openxmlformats.org/markup-compatibility/2006" xmlns:p14="http://schemas.microsoft.com/office/powerpoint/2010/main">
+          <mc:Choice Requires="p14">
             <p:contentPart p14:bwMode="auto" r:id="rId18">
               <p14:nvContentPartPr>
                 <p14:cNvPr id="15" name="Ink 14">
@@ -18875,7 +18875,7 @@
               </p14:xfrm>
             </p:contentPart>
           </mc:Choice>
-          <mc:Fallback>
+          <mc:Fallback xmlns="">
             <p:pic>
               <p:nvPicPr>
                 <p:cNvPr id="15" name="Ink 14">
@@ -18906,8 +18906,8 @@
             </p:pic>
           </mc:Fallback>
         </mc:AlternateContent>
-        <mc:AlternateContent xmlns:mc="http://schemas.openxmlformats.org/markup-compatibility/2006">
-          <mc:Choice xmlns:p14="http://schemas.microsoft.com/office/powerpoint/2010/main" Requires="p14">
+        <mc:AlternateContent xmlns:mc="http://schemas.openxmlformats.org/markup-compatibility/2006" xmlns:p14="http://schemas.microsoft.com/office/powerpoint/2010/main">
+          <mc:Choice Requires="p14">
             <p:contentPart p14:bwMode="auto" r:id="rId19">
               <p14:nvContentPartPr>
                 <p14:cNvPr id="18" name="Ink 17">
@@ -18926,7 +18926,7 @@
               </p14:xfrm>
             </p:contentPart>
           </mc:Choice>
-          <mc:Fallback>
+          <mc:Fallback xmlns="">
             <p:pic>
               <p:nvPicPr>
                 <p:cNvPr id="18" name="Ink 17">
@@ -18957,8 +18957,8 @@
             </p:pic>
           </mc:Fallback>
         </mc:AlternateContent>
-        <mc:AlternateContent xmlns:mc="http://schemas.openxmlformats.org/markup-compatibility/2006">
-          <mc:Choice xmlns:p14="http://schemas.microsoft.com/office/powerpoint/2010/main" Requires="p14">
+        <mc:AlternateContent xmlns:mc="http://schemas.openxmlformats.org/markup-compatibility/2006" xmlns:p14="http://schemas.microsoft.com/office/powerpoint/2010/main">
+          <mc:Choice Requires="p14">
             <p:contentPart p14:bwMode="auto" r:id="rId20">
               <p14:nvContentPartPr>
                 <p14:cNvPr id="20" name="Ink 19">
@@ -18977,7 +18977,7 @@
               </p14:xfrm>
             </p:contentPart>
           </mc:Choice>
-          <mc:Fallback>
+          <mc:Fallback xmlns="">
             <p:pic>
               <p:nvPicPr>
                 <p:cNvPr id="20" name="Ink 19">
@@ -19008,8 +19008,8 @@
             </p:pic>
           </mc:Fallback>
         </mc:AlternateContent>
-        <mc:AlternateContent xmlns:mc="http://schemas.openxmlformats.org/markup-compatibility/2006">
-          <mc:Choice xmlns:p14="http://schemas.microsoft.com/office/powerpoint/2010/main" Requires="p14">
+        <mc:AlternateContent xmlns:mc="http://schemas.openxmlformats.org/markup-compatibility/2006" xmlns:p14="http://schemas.microsoft.com/office/powerpoint/2010/main">
+          <mc:Choice Requires="p14">
             <p:contentPart p14:bwMode="auto" r:id="rId21">
               <p14:nvContentPartPr>
                 <p14:cNvPr id="21" name="Ink 20">
@@ -19028,7 +19028,7 @@
               </p14:xfrm>
             </p:contentPart>
           </mc:Choice>
-          <mc:Fallback>
+          <mc:Fallback xmlns="">
             <p:pic>
               <p:nvPicPr>
                 <p:cNvPr id="21" name="Ink 20">
@@ -19059,8 +19059,8 @@
             </p:pic>
           </mc:Fallback>
         </mc:AlternateContent>
-        <mc:AlternateContent xmlns:mc="http://schemas.openxmlformats.org/markup-compatibility/2006">
-          <mc:Choice xmlns:p14="http://schemas.microsoft.com/office/powerpoint/2010/main" Requires="p14">
+        <mc:AlternateContent xmlns:mc="http://schemas.openxmlformats.org/markup-compatibility/2006" xmlns:p14="http://schemas.microsoft.com/office/powerpoint/2010/main">
+          <mc:Choice Requires="p14">
             <p:contentPart p14:bwMode="auto" r:id="rId22">
               <p14:nvContentPartPr>
                 <p14:cNvPr id="23" name="Ink 22">
@@ -19079,7 +19079,7 @@
               </p14:xfrm>
             </p:contentPart>
           </mc:Choice>
-          <mc:Fallback>
+          <mc:Fallback xmlns="">
             <p:pic>
               <p:nvPicPr>
                 <p:cNvPr id="23" name="Ink 22">
@@ -19110,8 +19110,8 @@
             </p:pic>
           </mc:Fallback>
         </mc:AlternateContent>
-        <mc:AlternateContent xmlns:mc="http://schemas.openxmlformats.org/markup-compatibility/2006">
-          <mc:Choice xmlns:p14="http://schemas.microsoft.com/office/powerpoint/2010/main" Requires="p14">
+        <mc:AlternateContent xmlns:mc="http://schemas.openxmlformats.org/markup-compatibility/2006" xmlns:p14="http://schemas.microsoft.com/office/powerpoint/2010/main">
+          <mc:Choice Requires="p14">
             <p:contentPart p14:bwMode="auto" r:id="rId23">
               <p14:nvContentPartPr>
                 <p14:cNvPr id="24" name="Ink 23">
@@ -19130,7 +19130,7 @@
               </p14:xfrm>
             </p:contentPart>
           </mc:Choice>
-          <mc:Fallback>
+          <mc:Fallback xmlns="">
             <p:pic>
               <p:nvPicPr>
                 <p:cNvPr id="24" name="Ink 23">
@@ -19161,8 +19161,8 @@
             </p:pic>
           </mc:Fallback>
         </mc:AlternateContent>
-        <mc:AlternateContent xmlns:mc="http://schemas.openxmlformats.org/markup-compatibility/2006">
-          <mc:Choice xmlns:p14="http://schemas.microsoft.com/office/powerpoint/2010/main" Requires="p14">
+        <mc:AlternateContent xmlns:mc="http://schemas.openxmlformats.org/markup-compatibility/2006" xmlns:p14="http://schemas.microsoft.com/office/powerpoint/2010/main">
+          <mc:Choice Requires="p14">
             <p:contentPart p14:bwMode="auto" r:id="rId24">
               <p14:nvContentPartPr>
                 <p14:cNvPr id="26" name="Ink 25">
@@ -19181,7 +19181,7 @@
               </p14:xfrm>
             </p:contentPart>
           </mc:Choice>
-          <mc:Fallback>
+          <mc:Fallback xmlns="">
             <p:pic>
               <p:nvPicPr>
                 <p:cNvPr id="26" name="Ink 25">
@@ -19212,8 +19212,8 @@
             </p:pic>
           </mc:Fallback>
         </mc:AlternateContent>
-        <mc:AlternateContent xmlns:mc="http://schemas.openxmlformats.org/markup-compatibility/2006">
-          <mc:Choice xmlns:p14="http://schemas.microsoft.com/office/powerpoint/2010/main" Requires="p14">
+        <mc:AlternateContent xmlns:mc="http://schemas.openxmlformats.org/markup-compatibility/2006" xmlns:p14="http://schemas.microsoft.com/office/powerpoint/2010/main">
+          <mc:Choice Requires="p14">
             <p:contentPart p14:bwMode="auto" r:id="rId25">
               <p14:nvContentPartPr>
                 <p14:cNvPr id="28" name="Ink 27">
@@ -19232,7 +19232,7 @@
               </p14:xfrm>
             </p:contentPart>
           </mc:Choice>
-          <mc:Fallback>
+          <mc:Fallback xmlns="">
             <p:pic>
               <p:nvPicPr>
                 <p:cNvPr id="28" name="Ink 27">
@@ -19263,8 +19263,8 @@
             </p:pic>
           </mc:Fallback>
         </mc:AlternateContent>
-        <mc:AlternateContent xmlns:mc="http://schemas.openxmlformats.org/markup-compatibility/2006">
-          <mc:Choice xmlns:p14="http://schemas.microsoft.com/office/powerpoint/2010/main" Requires="p14">
+        <mc:AlternateContent xmlns:mc="http://schemas.openxmlformats.org/markup-compatibility/2006" xmlns:p14="http://schemas.microsoft.com/office/powerpoint/2010/main">
+          <mc:Choice Requires="p14">
             <p:contentPart p14:bwMode="auto" r:id="rId26">
               <p14:nvContentPartPr>
                 <p14:cNvPr id="29" name="Ink 28">
@@ -19283,7 +19283,7 @@
               </p14:xfrm>
             </p:contentPart>
           </mc:Choice>
-          <mc:Fallback>
+          <mc:Fallback xmlns="">
             <p:pic>
               <p:nvPicPr>
                 <p:cNvPr id="29" name="Ink 28">
@@ -19314,8 +19314,8 @@
             </p:pic>
           </mc:Fallback>
         </mc:AlternateContent>
-        <mc:AlternateContent xmlns:mc="http://schemas.openxmlformats.org/markup-compatibility/2006">
-          <mc:Choice xmlns:p14="http://schemas.microsoft.com/office/powerpoint/2010/main" Requires="p14">
+        <mc:AlternateContent xmlns:mc="http://schemas.openxmlformats.org/markup-compatibility/2006" xmlns:p14="http://schemas.microsoft.com/office/powerpoint/2010/main">
+          <mc:Choice Requires="p14">
             <p:contentPart p14:bwMode="auto" r:id="rId28">
               <p14:nvContentPartPr>
                 <p14:cNvPr id="31" name="Ink 30">
@@ -19334,7 +19334,7 @@
               </p14:xfrm>
             </p:contentPart>
           </mc:Choice>
-          <mc:Fallback>
+          <mc:Fallback xmlns="">
             <p:pic>
               <p:nvPicPr>
                 <p:cNvPr id="31" name="Ink 30">
@@ -19365,8 +19365,8 @@
             </p:pic>
           </mc:Fallback>
         </mc:AlternateContent>
-        <mc:AlternateContent xmlns:mc="http://schemas.openxmlformats.org/markup-compatibility/2006">
-          <mc:Choice xmlns:p14="http://schemas.microsoft.com/office/powerpoint/2010/main" Requires="p14">
+        <mc:AlternateContent xmlns:mc="http://schemas.openxmlformats.org/markup-compatibility/2006" xmlns:p14="http://schemas.microsoft.com/office/powerpoint/2010/main">
+          <mc:Choice Requires="p14">
             <p:contentPart p14:bwMode="auto" r:id="rId29">
               <p14:nvContentPartPr>
                 <p14:cNvPr id="288" name="Ink 287">
@@ -19385,7 +19385,7 @@
               </p14:xfrm>
             </p:contentPart>
           </mc:Choice>
-          <mc:Fallback>
+          <mc:Fallback xmlns="">
             <p:pic>
               <p:nvPicPr>
                 <p:cNvPr id="288" name="Ink 287">
@@ -19416,8 +19416,8 @@
             </p:pic>
           </mc:Fallback>
         </mc:AlternateContent>
-        <mc:AlternateContent xmlns:mc="http://schemas.openxmlformats.org/markup-compatibility/2006">
-          <mc:Choice xmlns:p14="http://schemas.microsoft.com/office/powerpoint/2010/main" Requires="p14">
+        <mc:AlternateContent xmlns:mc="http://schemas.openxmlformats.org/markup-compatibility/2006" xmlns:p14="http://schemas.microsoft.com/office/powerpoint/2010/main">
+          <mc:Choice Requires="p14">
             <p:contentPart p14:bwMode="auto" r:id="rId30">
               <p14:nvContentPartPr>
                 <p14:cNvPr id="289" name="Ink 288">
@@ -19436,7 +19436,7 @@
               </p14:xfrm>
             </p:contentPart>
           </mc:Choice>
-          <mc:Fallback>
+          <mc:Fallback xmlns="">
             <p:pic>
               <p:nvPicPr>
                 <p:cNvPr id="289" name="Ink 288">
@@ -19467,8 +19467,8 @@
             </p:pic>
           </mc:Fallback>
         </mc:AlternateContent>
-        <mc:AlternateContent xmlns:mc="http://schemas.openxmlformats.org/markup-compatibility/2006">
-          <mc:Choice xmlns:p14="http://schemas.microsoft.com/office/powerpoint/2010/main" Requires="p14">
+        <mc:AlternateContent xmlns:mc="http://schemas.openxmlformats.org/markup-compatibility/2006" xmlns:p14="http://schemas.microsoft.com/office/powerpoint/2010/main">
+          <mc:Choice Requires="p14">
             <p:contentPart p14:bwMode="auto" r:id="rId31">
               <p14:nvContentPartPr>
                 <p14:cNvPr id="290" name="Ink 289">
@@ -19487,7 +19487,7 @@
               </p14:xfrm>
             </p:contentPart>
           </mc:Choice>
-          <mc:Fallback>
+          <mc:Fallback xmlns="">
             <p:pic>
               <p:nvPicPr>
                 <p:cNvPr id="290" name="Ink 289">
@@ -19518,8 +19518,8 @@
             </p:pic>
           </mc:Fallback>
         </mc:AlternateContent>
-        <mc:AlternateContent xmlns:mc="http://schemas.openxmlformats.org/markup-compatibility/2006">
-          <mc:Choice xmlns:p14="http://schemas.microsoft.com/office/powerpoint/2010/main" Requires="p14">
+        <mc:AlternateContent xmlns:mc="http://schemas.openxmlformats.org/markup-compatibility/2006" xmlns:p14="http://schemas.microsoft.com/office/powerpoint/2010/main">
+          <mc:Choice Requires="p14">
             <p:contentPart p14:bwMode="auto" r:id="rId32">
               <p14:nvContentPartPr>
                 <p14:cNvPr id="291" name="Ink 290">
@@ -19538,7 +19538,7 @@
               </p14:xfrm>
             </p:contentPart>
           </mc:Choice>
-          <mc:Fallback>
+          <mc:Fallback xmlns="">
             <p:pic>
               <p:nvPicPr>
                 <p:cNvPr id="291" name="Ink 290">
@@ -19569,8 +19569,8 @@
             </p:pic>
           </mc:Fallback>
         </mc:AlternateContent>
-        <mc:AlternateContent xmlns:mc="http://schemas.openxmlformats.org/markup-compatibility/2006">
-          <mc:Choice xmlns:p14="http://schemas.microsoft.com/office/powerpoint/2010/main" Requires="p14">
+        <mc:AlternateContent xmlns:mc="http://schemas.openxmlformats.org/markup-compatibility/2006" xmlns:p14="http://schemas.microsoft.com/office/powerpoint/2010/main">
+          <mc:Choice Requires="p14">
             <p:contentPart p14:bwMode="auto" r:id="rId33">
               <p14:nvContentPartPr>
                 <p14:cNvPr id="292" name="Ink 291">
@@ -19589,7 +19589,7 @@
               </p14:xfrm>
             </p:contentPart>
           </mc:Choice>
-          <mc:Fallback>
+          <mc:Fallback xmlns="">
             <p:pic>
               <p:nvPicPr>
                 <p:cNvPr id="292" name="Ink 291">
@@ -19620,8 +19620,8 @@
             </p:pic>
           </mc:Fallback>
         </mc:AlternateContent>
-        <mc:AlternateContent xmlns:mc="http://schemas.openxmlformats.org/markup-compatibility/2006">
-          <mc:Choice xmlns:p14="http://schemas.microsoft.com/office/powerpoint/2010/main" Requires="p14">
+        <mc:AlternateContent xmlns:mc="http://schemas.openxmlformats.org/markup-compatibility/2006" xmlns:p14="http://schemas.microsoft.com/office/powerpoint/2010/main">
+          <mc:Choice Requires="p14">
             <p:contentPart p14:bwMode="auto" r:id="rId34">
               <p14:nvContentPartPr>
                 <p14:cNvPr id="293" name="Ink 292">
@@ -19640,7 +19640,7 @@
               </p14:xfrm>
             </p:contentPart>
           </mc:Choice>
-          <mc:Fallback>
+          <mc:Fallback xmlns="">
             <p:pic>
               <p:nvPicPr>
                 <p:cNvPr id="293" name="Ink 292">
@@ -19671,8 +19671,8 @@
             </p:pic>
           </mc:Fallback>
         </mc:AlternateContent>
-        <mc:AlternateContent xmlns:mc="http://schemas.openxmlformats.org/markup-compatibility/2006">
-          <mc:Choice xmlns:p14="http://schemas.microsoft.com/office/powerpoint/2010/main" Requires="p14">
+        <mc:AlternateContent xmlns:mc="http://schemas.openxmlformats.org/markup-compatibility/2006" xmlns:p14="http://schemas.microsoft.com/office/powerpoint/2010/main">
+          <mc:Choice Requires="p14">
             <p:contentPart p14:bwMode="auto" r:id="rId35">
               <p14:nvContentPartPr>
                 <p14:cNvPr id="294" name="Ink 293">
@@ -19691,7 +19691,7 @@
               </p14:xfrm>
             </p:contentPart>
           </mc:Choice>
-          <mc:Fallback>
+          <mc:Fallback xmlns="">
             <p:pic>
               <p:nvPicPr>
                 <p:cNvPr id="294" name="Ink 293">
@@ -19722,8 +19722,8 @@
             </p:pic>
           </mc:Fallback>
         </mc:AlternateContent>
-        <mc:AlternateContent xmlns:mc="http://schemas.openxmlformats.org/markup-compatibility/2006">
-          <mc:Choice xmlns:p14="http://schemas.microsoft.com/office/powerpoint/2010/main" Requires="p14">
+        <mc:AlternateContent xmlns:mc="http://schemas.openxmlformats.org/markup-compatibility/2006" xmlns:p14="http://schemas.microsoft.com/office/powerpoint/2010/main">
+          <mc:Choice Requires="p14">
             <p:contentPart p14:bwMode="auto" r:id="rId36">
               <p14:nvContentPartPr>
                 <p14:cNvPr id="295" name="Ink 294">
@@ -19742,7 +19742,7 @@
               </p14:xfrm>
             </p:contentPart>
           </mc:Choice>
-          <mc:Fallback>
+          <mc:Fallback xmlns="">
             <p:pic>
               <p:nvPicPr>
                 <p:cNvPr id="295" name="Ink 294">
@@ -19773,8 +19773,8 @@
             </p:pic>
           </mc:Fallback>
         </mc:AlternateContent>
-        <mc:AlternateContent xmlns:mc="http://schemas.openxmlformats.org/markup-compatibility/2006">
-          <mc:Choice xmlns:p14="http://schemas.microsoft.com/office/powerpoint/2010/main" Requires="p14">
+        <mc:AlternateContent xmlns:mc="http://schemas.openxmlformats.org/markup-compatibility/2006" xmlns:p14="http://schemas.microsoft.com/office/powerpoint/2010/main">
+          <mc:Choice Requires="p14">
             <p:contentPart p14:bwMode="auto" r:id="rId37">
               <p14:nvContentPartPr>
                 <p14:cNvPr id="296" name="Ink 295">
@@ -19793,7 +19793,7 @@
               </p14:xfrm>
             </p:contentPart>
           </mc:Choice>
-          <mc:Fallback>
+          <mc:Fallback xmlns="">
             <p:pic>
               <p:nvPicPr>
                 <p:cNvPr id="296" name="Ink 295">
@@ -19824,8 +19824,8 @@
             </p:pic>
           </mc:Fallback>
         </mc:AlternateContent>
-        <mc:AlternateContent xmlns:mc="http://schemas.openxmlformats.org/markup-compatibility/2006">
-          <mc:Choice xmlns:p14="http://schemas.microsoft.com/office/powerpoint/2010/main" Requires="p14">
+        <mc:AlternateContent xmlns:mc="http://schemas.openxmlformats.org/markup-compatibility/2006" xmlns:p14="http://schemas.microsoft.com/office/powerpoint/2010/main">
+          <mc:Choice Requires="p14">
             <p:contentPart p14:bwMode="auto" r:id="rId38">
               <p14:nvContentPartPr>
                 <p14:cNvPr id="297" name="Ink 296">
@@ -19844,7 +19844,7 @@
               </p14:xfrm>
             </p:contentPart>
           </mc:Choice>
-          <mc:Fallback>
+          <mc:Fallback xmlns="">
             <p:pic>
               <p:nvPicPr>
                 <p:cNvPr id="297" name="Ink 296">
@@ -19875,8 +19875,8 @@
             </p:pic>
           </mc:Fallback>
         </mc:AlternateContent>
-        <mc:AlternateContent xmlns:mc="http://schemas.openxmlformats.org/markup-compatibility/2006">
-          <mc:Choice xmlns:p14="http://schemas.microsoft.com/office/powerpoint/2010/main" Requires="p14">
+        <mc:AlternateContent xmlns:mc="http://schemas.openxmlformats.org/markup-compatibility/2006" xmlns:p14="http://schemas.microsoft.com/office/powerpoint/2010/main">
+          <mc:Choice Requires="p14">
             <p:contentPart p14:bwMode="auto" r:id="rId39">
               <p14:nvContentPartPr>
                 <p14:cNvPr id="298" name="Ink 297">
@@ -19895,7 +19895,7 @@
               </p14:xfrm>
             </p:contentPart>
           </mc:Choice>
-          <mc:Fallback>
+          <mc:Fallback xmlns="">
             <p:pic>
               <p:nvPicPr>
                 <p:cNvPr id="298" name="Ink 297">
@@ -19926,8 +19926,8 @@
             </p:pic>
           </mc:Fallback>
         </mc:AlternateContent>
-        <mc:AlternateContent xmlns:mc="http://schemas.openxmlformats.org/markup-compatibility/2006">
-          <mc:Choice xmlns:p14="http://schemas.microsoft.com/office/powerpoint/2010/main" Requires="p14">
+        <mc:AlternateContent xmlns:mc="http://schemas.openxmlformats.org/markup-compatibility/2006" xmlns:p14="http://schemas.microsoft.com/office/powerpoint/2010/main">
+          <mc:Choice Requires="p14">
             <p:contentPart p14:bwMode="auto" r:id="rId40">
               <p14:nvContentPartPr>
                 <p14:cNvPr id="300" name="Ink 299">
@@ -19946,7 +19946,7 @@
               </p14:xfrm>
             </p:contentPart>
           </mc:Choice>
-          <mc:Fallback>
+          <mc:Fallback xmlns="">
             <p:pic>
               <p:nvPicPr>
                 <p:cNvPr id="300" name="Ink 299">
@@ -19977,8 +19977,8 @@
             </p:pic>
           </mc:Fallback>
         </mc:AlternateContent>
-        <mc:AlternateContent xmlns:mc="http://schemas.openxmlformats.org/markup-compatibility/2006">
-          <mc:Choice xmlns:p14="http://schemas.microsoft.com/office/powerpoint/2010/main" Requires="p14">
+        <mc:AlternateContent xmlns:mc="http://schemas.openxmlformats.org/markup-compatibility/2006" xmlns:p14="http://schemas.microsoft.com/office/powerpoint/2010/main">
+          <mc:Choice Requires="p14">
             <p:contentPart p14:bwMode="auto" r:id="rId41">
               <p14:nvContentPartPr>
                 <p14:cNvPr id="301" name="Ink 300">
@@ -19997,7 +19997,7 @@
               </p14:xfrm>
             </p:contentPart>
           </mc:Choice>
-          <mc:Fallback>
+          <mc:Fallback xmlns="">
             <p:pic>
               <p:nvPicPr>
                 <p:cNvPr id="301" name="Ink 300">
@@ -20028,8 +20028,8 @@
             </p:pic>
           </mc:Fallback>
         </mc:AlternateContent>
-        <mc:AlternateContent xmlns:mc="http://schemas.openxmlformats.org/markup-compatibility/2006">
-          <mc:Choice xmlns:p14="http://schemas.microsoft.com/office/powerpoint/2010/main" Requires="p14">
+        <mc:AlternateContent xmlns:mc="http://schemas.openxmlformats.org/markup-compatibility/2006" xmlns:p14="http://schemas.microsoft.com/office/powerpoint/2010/main">
+          <mc:Choice Requires="p14">
             <p:contentPart p14:bwMode="auto" r:id="rId42">
               <p14:nvContentPartPr>
                 <p14:cNvPr id="303" name="Ink 302">
@@ -20048,7 +20048,7 @@
               </p14:xfrm>
             </p:contentPart>
           </mc:Choice>
-          <mc:Fallback>
+          <mc:Fallback xmlns="">
             <p:pic>
               <p:nvPicPr>
                 <p:cNvPr id="303" name="Ink 302">
@@ -20079,8 +20079,8 @@
             </p:pic>
           </mc:Fallback>
         </mc:AlternateContent>
-        <mc:AlternateContent xmlns:mc="http://schemas.openxmlformats.org/markup-compatibility/2006">
-          <mc:Choice xmlns:p14="http://schemas.microsoft.com/office/powerpoint/2010/main" Requires="p14">
+        <mc:AlternateContent xmlns:mc="http://schemas.openxmlformats.org/markup-compatibility/2006" xmlns:p14="http://schemas.microsoft.com/office/powerpoint/2010/main">
+          <mc:Choice Requires="p14">
             <p:contentPart p14:bwMode="auto" r:id="rId43">
               <p14:nvContentPartPr>
                 <p14:cNvPr id="304" name="Ink 303">
@@ -20099,7 +20099,7 @@
               </p14:xfrm>
             </p:contentPart>
           </mc:Choice>
-          <mc:Fallback>
+          <mc:Fallback xmlns="">
             <p:pic>
               <p:nvPicPr>
                 <p:cNvPr id="304" name="Ink 303">
@@ -20130,8 +20130,8 @@
             </p:pic>
           </mc:Fallback>
         </mc:AlternateContent>
-        <mc:AlternateContent xmlns:mc="http://schemas.openxmlformats.org/markup-compatibility/2006">
-          <mc:Choice xmlns:p14="http://schemas.microsoft.com/office/powerpoint/2010/main" Requires="p14">
+        <mc:AlternateContent xmlns:mc="http://schemas.openxmlformats.org/markup-compatibility/2006" xmlns:p14="http://schemas.microsoft.com/office/powerpoint/2010/main">
+          <mc:Choice Requires="p14">
             <p:contentPart p14:bwMode="auto" r:id="rId44">
               <p14:nvContentPartPr>
                 <p14:cNvPr id="305" name="Ink 304">
@@ -20150,7 +20150,7 @@
               </p14:xfrm>
             </p:contentPart>
           </mc:Choice>
-          <mc:Fallback>
+          <mc:Fallback xmlns="">
             <p:pic>
               <p:nvPicPr>
                 <p:cNvPr id="305" name="Ink 304">
@@ -20181,8 +20181,8 @@
             </p:pic>
           </mc:Fallback>
         </mc:AlternateContent>
-        <mc:AlternateContent xmlns:mc="http://schemas.openxmlformats.org/markup-compatibility/2006">
-          <mc:Choice xmlns:p14="http://schemas.microsoft.com/office/powerpoint/2010/main" Requires="p14">
+        <mc:AlternateContent xmlns:mc="http://schemas.openxmlformats.org/markup-compatibility/2006" xmlns:p14="http://schemas.microsoft.com/office/powerpoint/2010/main">
+          <mc:Choice Requires="p14">
             <p:contentPart p14:bwMode="auto" r:id="rId45">
               <p14:nvContentPartPr>
                 <p14:cNvPr id="307" name="Ink 306">
@@ -20201,7 +20201,7 @@
               </p14:xfrm>
             </p:contentPart>
           </mc:Choice>
-          <mc:Fallback>
+          <mc:Fallback xmlns="">
             <p:pic>
               <p:nvPicPr>
                 <p:cNvPr id="307" name="Ink 306">
@@ -20232,8 +20232,8 @@
             </p:pic>
           </mc:Fallback>
         </mc:AlternateContent>
-        <mc:AlternateContent xmlns:mc="http://schemas.openxmlformats.org/markup-compatibility/2006">
-          <mc:Choice xmlns:p14="http://schemas.microsoft.com/office/powerpoint/2010/main" Requires="p14">
+        <mc:AlternateContent xmlns:mc="http://schemas.openxmlformats.org/markup-compatibility/2006" xmlns:p14="http://schemas.microsoft.com/office/powerpoint/2010/main">
+          <mc:Choice Requires="p14">
             <p:contentPart p14:bwMode="auto" r:id="rId46">
               <p14:nvContentPartPr>
                 <p14:cNvPr id="308" name="Ink 307">
@@ -20252,7 +20252,7 @@
               </p14:xfrm>
             </p:contentPart>
           </mc:Choice>
-          <mc:Fallback>
+          <mc:Fallback xmlns="">
             <p:pic>
               <p:nvPicPr>
                 <p:cNvPr id="308" name="Ink 307">
@@ -20283,8 +20283,8 @@
             </p:pic>
           </mc:Fallback>
         </mc:AlternateContent>
-        <mc:AlternateContent xmlns:mc="http://schemas.openxmlformats.org/markup-compatibility/2006">
-          <mc:Choice xmlns:p14="http://schemas.microsoft.com/office/powerpoint/2010/main" Requires="p14">
+        <mc:AlternateContent xmlns:mc="http://schemas.openxmlformats.org/markup-compatibility/2006" xmlns:p14="http://schemas.microsoft.com/office/powerpoint/2010/main">
+          <mc:Choice Requires="p14">
             <p:contentPart p14:bwMode="auto" r:id="rId47">
               <p14:nvContentPartPr>
                 <p14:cNvPr id="313" name="Ink 312">
@@ -20303,7 +20303,7 @@
               </p14:xfrm>
             </p:contentPart>
           </mc:Choice>
-          <mc:Fallback>
+          <mc:Fallback xmlns="">
             <p:pic>
               <p:nvPicPr>
                 <p:cNvPr id="313" name="Ink 312">
@@ -20334,8 +20334,8 @@
             </p:pic>
           </mc:Fallback>
         </mc:AlternateContent>
-        <mc:AlternateContent xmlns:mc="http://schemas.openxmlformats.org/markup-compatibility/2006">
-          <mc:Choice xmlns:p14="http://schemas.microsoft.com/office/powerpoint/2010/main" Requires="p14">
+        <mc:AlternateContent xmlns:mc="http://schemas.openxmlformats.org/markup-compatibility/2006" xmlns:p14="http://schemas.microsoft.com/office/powerpoint/2010/main">
+          <mc:Choice Requires="p14">
             <p:contentPart p14:bwMode="auto" r:id="rId48">
               <p14:nvContentPartPr>
                 <p14:cNvPr id="314" name="Ink 313">
@@ -20354,7 +20354,7 @@
               </p14:xfrm>
             </p:contentPart>
           </mc:Choice>
-          <mc:Fallback>
+          <mc:Fallback xmlns="">
             <p:pic>
               <p:nvPicPr>
                 <p:cNvPr id="314" name="Ink 313">
@@ -20385,8 +20385,8 @@
             </p:pic>
           </mc:Fallback>
         </mc:AlternateContent>
-        <mc:AlternateContent xmlns:mc="http://schemas.openxmlformats.org/markup-compatibility/2006">
-          <mc:Choice xmlns:p14="http://schemas.microsoft.com/office/powerpoint/2010/main" Requires="p14">
+        <mc:AlternateContent xmlns:mc="http://schemas.openxmlformats.org/markup-compatibility/2006" xmlns:p14="http://schemas.microsoft.com/office/powerpoint/2010/main">
+          <mc:Choice Requires="p14">
             <p:contentPart p14:bwMode="auto" r:id="rId49">
               <p14:nvContentPartPr>
                 <p14:cNvPr id="315" name="Ink 314">
@@ -20405,7 +20405,7 @@
               </p14:xfrm>
             </p:contentPart>
           </mc:Choice>
-          <mc:Fallback>
+          <mc:Fallback xmlns="">
             <p:pic>
               <p:nvPicPr>
                 <p:cNvPr id="315" name="Ink 314">
@@ -20436,8 +20436,8 @@
             </p:pic>
           </mc:Fallback>
         </mc:AlternateContent>
-        <mc:AlternateContent xmlns:mc="http://schemas.openxmlformats.org/markup-compatibility/2006">
-          <mc:Choice xmlns:p14="http://schemas.microsoft.com/office/powerpoint/2010/main" Requires="p14">
+        <mc:AlternateContent xmlns:mc="http://schemas.openxmlformats.org/markup-compatibility/2006" xmlns:p14="http://schemas.microsoft.com/office/powerpoint/2010/main">
+          <mc:Choice Requires="p14">
             <p:contentPart p14:bwMode="auto" r:id="rId50">
               <p14:nvContentPartPr>
                 <p14:cNvPr id="316" name="Ink 315">
@@ -20456,7 +20456,7 @@
               </p14:xfrm>
             </p:contentPart>
           </mc:Choice>
-          <mc:Fallback>
+          <mc:Fallback xmlns="">
             <p:pic>
               <p:nvPicPr>
                 <p:cNvPr id="316" name="Ink 315">
@@ -20487,8 +20487,8 @@
             </p:pic>
           </mc:Fallback>
         </mc:AlternateContent>
-        <mc:AlternateContent xmlns:mc="http://schemas.openxmlformats.org/markup-compatibility/2006">
-          <mc:Choice xmlns:p14="http://schemas.microsoft.com/office/powerpoint/2010/main" Requires="p14">
+        <mc:AlternateContent xmlns:mc="http://schemas.openxmlformats.org/markup-compatibility/2006" xmlns:p14="http://schemas.microsoft.com/office/powerpoint/2010/main">
+          <mc:Choice Requires="p14">
             <p:contentPart p14:bwMode="auto" r:id="rId51">
               <p14:nvContentPartPr>
                 <p14:cNvPr id="317" name="Ink 316">
@@ -20507,7 +20507,7 @@
               </p14:xfrm>
             </p:contentPart>
           </mc:Choice>
-          <mc:Fallback>
+          <mc:Fallback xmlns="">
             <p:pic>
               <p:nvPicPr>
                 <p:cNvPr id="317" name="Ink 316">
@@ -20538,8 +20538,8 @@
             </p:pic>
           </mc:Fallback>
         </mc:AlternateContent>
-        <mc:AlternateContent xmlns:mc="http://schemas.openxmlformats.org/markup-compatibility/2006">
-          <mc:Choice xmlns:p14="http://schemas.microsoft.com/office/powerpoint/2010/main" Requires="p14">
+        <mc:AlternateContent xmlns:mc="http://schemas.openxmlformats.org/markup-compatibility/2006" xmlns:p14="http://schemas.microsoft.com/office/powerpoint/2010/main">
+          <mc:Choice Requires="p14">
             <p:contentPart p14:bwMode="auto" r:id="rId52">
               <p14:nvContentPartPr>
                 <p14:cNvPr id="318" name="Ink 317">
@@ -20558,7 +20558,7 @@
               </p14:xfrm>
             </p:contentPart>
           </mc:Choice>
-          <mc:Fallback>
+          <mc:Fallback xmlns="">
             <p:pic>
               <p:nvPicPr>
                 <p:cNvPr id="318" name="Ink 317">
@@ -20589,8 +20589,8 @@
             </p:pic>
           </mc:Fallback>
         </mc:AlternateContent>
-        <mc:AlternateContent xmlns:mc="http://schemas.openxmlformats.org/markup-compatibility/2006">
-          <mc:Choice xmlns:p14="http://schemas.microsoft.com/office/powerpoint/2010/main" Requires="p14">
+        <mc:AlternateContent xmlns:mc="http://schemas.openxmlformats.org/markup-compatibility/2006" xmlns:p14="http://schemas.microsoft.com/office/powerpoint/2010/main">
+          <mc:Choice Requires="p14">
             <p:contentPart p14:bwMode="auto" r:id="rId54">
               <p14:nvContentPartPr>
                 <p14:cNvPr id="320" name="Ink 319">
@@ -20609,7 +20609,7 @@
               </p14:xfrm>
             </p:contentPart>
           </mc:Choice>
-          <mc:Fallback>
+          <mc:Fallback xmlns="">
             <p:pic>
               <p:nvPicPr>
                 <p:cNvPr id="320" name="Ink 319">
